--- a/프레젠테이션1.pptx
+++ b/프레젠테이션1.pptx
@@ -22,6 +22,8 @@
     <p:sldId id="270" r:id="rId16"/>
     <p:sldId id="271" r:id="rId17"/>
     <p:sldId id="272" r:id="rId18"/>
+    <p:sldId id="274" r:id="rId19"/>
+    <p:sldId id="275" r:id="rId20"/>
   </p:sldIdLst>
   <p:sldSz cx="12192000" cy="6858000"/>
   <p:notesSz cx="6858000" cy="9144000"/>
@@ -120,6 +122,11 @@
       </a:defRPr>
     </a:lvl9pPr>
   </p:defaultTextStyle>
+  <p:extLst>
+    <p:ext uri="{EFAFB233-063F-42B5-8137-9DF3F51BA10A}">
+      <p15:sldGuideLst xmlns:p15="http://schemas.microsoft.com/office/powerpoint/2012/main"/>
+    </p:ext>
+  </p:extLst>
 </p:presentation>
 </file>
 
@@ -254,7 +261,7 @@
           <a:p>
             <a:fld id="{5004691C-F1BB-4B32-A565-5B1DBC86EFA2}" type="datetimeFigureOut">
               <a:rPr lang="ko-KR" altLang="en-US" smtClean="0"/>
-              <a:t>2023-06-08</a:t>
+              <a:t>2023-06-12</a:t>
             </a:fld>
             <a:endParaRPr lang="ko-KR" altLang="en-US"/>
           </a:p>
@@ -424,7 +431,7 @@
           <a:p>
             <a:fld id="{5004691C-F1BB-4B32-A565-5B1DBC86EFA2}" type="datetimeFigureOut">
               <a:rPr lang="ko-KR" altLang="en-US" smtClean="0"/>
-              <a:t>2023-06-08</a:t>
+              <a:t>2023-06-12</a:t>
             </a:fld>
             <a:endParaRPr lang="ko-KR" altLang="en-US"/>
           </a:p>
@@ -604,7 +611,7 @@
           <a:p>
             <a:fld id="{5004691C-F1BB-4B32-A565-5B1DBC86EFA2}" type="datetimeFigureOut">
               <a:rPr lang="ko-KR" altLang="en-US" smtClean="0"/>
-              <a:t>2023-06-08</a:t>
+              <a:t>2023-06-12</a:t>
             </a:fld>
             <a:endParaRPr lang="ko-KR" altLang="en-US"/>
           </a:p>
@@ -774,7 +781,7 @@
           <a:p>
             <a:fld id="{5004691C-F1BB-4B32-A565-5B1DBC86EFA2}" type="datetimeFigureOut">
               <a:rPr lang="ko-KR" altLang="en-US" smtClean="0"/>
-              <a:t>2023-06-08</a:t>
+              <a:t>2023-06-12</a:t>
             </a:fld>
             <a:endParaRPr lang="ko-KR" altLang="en-US"/>
           </a:p>
@@ -1020,7 +1027,7 @@
           <a:p>
             <a:fld id="{5004691C-F1BB-4B32-A565-5B1DBC86EFA2}" type="datetimeFigureOut">
               <a:rPr lang="ko-KR" altLang="en-US" smtClean="0"/>
-              <a:t>2023-06-08</a:t>
+              <a:t>2023-06-12</a:t>
             </a:fld>
             <a:endParaRPr lang="ko-KR" altLang="en-US"/>
           </a:p>
@@ -1252,7 +1259,7 @@
           <a:p>
             <a:fld id="{5004691C-F1BB-4B32-A565-5B1DBC86EFA2}" type="datetimeFigureOut">
               <a:rPr lang="ko-KR" altLang="en-US" smtClean="0"/>
-              <a:t>2023-06-08</a:t>
+              <a:t>2023-06-12</a:t>
             </a:fld>
             <a:endParaRPr lang="ko-KR" altLang="en-US"/>
           </a:p>
@@ -1619,7 +1626,7 @@
           <a:p>
             <a:fld id="{5004691C-F1BB-4B32-A565-5B1DBC86EFA2}" type="datetimeFigureOut">
               <a:rPr lang="ko-KR" altLang="en-US" smtClean="0"/>
-              <a:t>2023-06-08</a:t>
+              <a:t>2023-06-12</a:t>
             </a:fld>
             <a:endParaRPr lang="ko-KR" altLang="en-US"/>
           </a:p>
@@ -1737,7 +1744,7 @@
           <a:p>
             <a:fld id="{5004691C-F1BB-4B32-A565-5B1DBC86EFA2}" type="datetimeFigureOut">
               <a:rPr lang="ko-KR" altLang="en-US" smtClean="0"/>
-              <a:t>2023-06-08</a:t>
+              <a:t>2023-06-12</a:t>
             </a:fld>
             <a:endParaRPr lang="ko-KR" altLang="en-US"/>
           </a:p>
@@ -1832,7 +1839,7 @@
           <a:p>
             <a:fld id="{5004691C-F1BB-4B32-A565-5B1DBC86EFA2}" type="datetimeFigureOut">
               <a:rPr lang="ko-KR" altLang="en-US" smtClean="0"/>
-              <a:t>2023-06-08</a:t>
+              <a:t>2023-06-12</a:t>
             </a:fld>
             <a:endParaRPr lang="ko-KR" altLang="en-US"/>
           </a:p>
@@ -2109,7 +2116,7 @@
           <a:p>
             <a:fld id="{5004691C-F1BB-4B32-A565-5B1DBC86EFA2}" type="datetimeFigureOut">
               <a:rPr lang="ko-KR" altLang="en-US" smtClean="0"/>
-              <a:t>2023-06-08</a:t>
+              <a:t>2023-06-12</a:t>
             </a:fld>
             <a:endParaRPr lang="ko-KR" altLang="en-US"/>
           </a:p>
@@ -2362,7 +2369,7 @@
           <a:p>
             <a:fld id="{5004691C-F1BB-4B32-A565-5B1DBC86EFA2}" type="datetimeFigureOut">
               <a:rPr lang="ko-KR" altLang="en-US" smtClean="0"/>
-              <a:t>2023-06-08</a:t>
+              <a:t>2023-06-12</a:t>
             </a:fld>
             <a:endParaRPr lang="ko-KR" altLang="en-US"/>
           </a:p>
@@ -2578,7 +2585,7 @@
           <a:p>
             <a:fld id="{5004691C-F1BB-4B32-A565-5B1DBC86EFA2}" type="datetimeFigureOut">
               <a:rPr lang="ko-KR" altLang="en-US" smtClean="0"/>
-              <a:t>2023-06-08</a:t>
+              <a:t>2023-06-12</a:t>
             </a:fld>
             <a:endParaRPr lang="ko-KR" altLang="en-US"/>
           </a:p>
@@ -5650,7 +5657,7 @@
         </p:nvSpPr>
         <p:spPr>
           <a:xfrm>
-            <a:off x="534880" y="1621363"/>
+            <a:off x="682023" y="791046"/>
             <a:ext cx="6069290" cy="923330"/>
           </a:xfrm>
           <a:prstGeom prst="rect">
@@ -5704,7 +5711,7 @@
         </p:nvSpPr>
         <p:spPr>
           <a:xfrm>
-            <a:off x="534879" y="4219421"/>
+            <a:off x="534879" y="5259945"/>
             <a:ext cx="10003059" cy="923330"/>
           </a:xfrm>
           <a:prstGeom prst="rect">
@@ -6793,7 +6800,7 @@
                 <a:latin typeface="에스코어 드림 9 Black" panose="020B0A03030302020204" pitchFamily="34" charset="-127"/>
                 <a:ea typeface="에스코어 드림 9 Black" panose="020B0A03030302020204" pitchFamily="34" charset="-127"/>
               </a:rPr>
-              <a:t>분석 과정</a:t>
+              <a:t>분석 결과</a:t>
             </a:r>
             <a:endParaRPr lang="ko-KR" altLang="en-US" sz="3600" dirty="0">
               <a:solidFill>
@@ -6809,6 +6816,423 @@
     <p:extLst>
       <p:ext uri="{BB962C8B-B14F-4D97-AF65-F5344CB8AC3E}">
         <p14:creationId xmlns:p14="http://schemas.microsoft.com/office/powerpoint/2010/main" val="2633958480"/>
+      </p:ext>
+    </p:extLst>
+  </p:cSld>
+  <p:clrMapOvr>
+    <a:masterClrMapping/>
+  </p:clrMapOvr>
+  <p:timing>
+    <p:tnLst>
+      <p:par>
+        <p:cTn id="1" dur="indefinite" restart="never" nodeType="tmRoot"/>
+      </p:par>
+    </p:tnLst>
+  </p:timing>
+</p:sld>
+</file>
+
+<file path=ppt/slides/slide18.xml><?xml version="1.0" encoding="utf-8"?>
+<p:sld xmlns:a="http://schemas.openxmlformats.org/drawingml/2006/main" xmlns:r="http://schemas.openxmlformats.org/officeDocument/2006/relationships" xmlns:p="http://schemas.openxmlformats.org/presentationml/2006/main">
+  <p:cSld>
+    <p:spTree>
+      <p:nvGrpSpPr>
+        <p:cNvPr id="1" name=""/>
+        <p:cNvGrpSpPr/>
+        <p:nvPr/>
+      </p:nvGrpSpPr>
+      <p:grpSpPr>
+        <a:xfrm>
+          <a:off x="0" y="0"/>
+          <a:ext cx="0" cy="0"/>
+          <a:chOff x="0" y="0"/>
+          <a:chExt cx="0" cy="0"/>
+        </a:xfrm>
+      </p:grpSpPr>
+      <p:sp>
+        <p:nvSpPr>
+          <p:cNvPr id="3" name="TextBox 2"/>
+          <p:cNvSpPr txBox="1"/>
+          <p:nvPr/>
+        </p:nvSpPr>
+        <p:spPr>
+          <a:xfrm>
+            <a:off x="1366443" y="803573"/>
+            <a:ext cx="9817111" cy="646331"/>
+          </a:xfrm>
+          <a:prstGeom prst="rect">
+            <a:avLst/>
+          </a:prstGeom>
+          <a:noFill/>
+        </p:spPr>
+        <p:txBody>
+          <a:bodyPr wrap="none" rtlCol="0">
+            <a:spAutoFit/>
+          </a:bodyPr>
+          <a:lstStyle/>
+          <a:p>
+            <a:r>
+              <a:rPr lang="ko-KR" altLang="en-US" sz="3600" dirty="0" smtClean="0">
+                <a:solidFill>
+                  <a:schemeClr val="bg1"/>
+                </a:solidFill>
+                <a:latin typeface="에스코어 드림 6 Bold" panose="020B0703030302020204" pitchFamily="34" charset="-127"/>
+                <a:ea typeface="에스코어 드림 6 Bold" panose="020B0703030302020204" pitchFamily="34" charset="-127"/>
+              </a:rPr>
+              <a:t>진보의 </a:t>
+            </a:r>
+            <a:r>
+              <a:rPr lang="ko-KR" altLang="en-US" sz="3600" dirty="0" err="1" smtClean="0">
+                <a:solidFill>
+                  <a:schemeClr val="bg1"/>
+                </a:solidFill>
+                <a:latin typeface="에스코어 드림 6 Bold" panose="020B0703030302020204" pitchFamily="34" charset="-127"/>
+                <a:ea typeface="에스코어 드림 6 Bold" panose="020B0703030302020204" pitchFamily="34" charset="-127"/>
+              </a:rPr>
+              <a:t>약세화</a:t>
+            </a:r>
+            <a:r>
+              <a:rPr lang="en-US" altLang="ko-KR" sz="3600" dirty="0">
+                <a:solidFill>
+                  <a:schemeClr val="bg1"/>
+                </a:solidFill>
+                <a:latin typeface="에스코어 드림 6 Bold" panose="020B0703030302020204" pitchFamily="34" charset="-127"/>
+                <a:ea typeface="에스코어 드림 6 Bold" panose="020B0703030302020204" pitchFamily="34" charset="-127"/>
+              </a:rPr>
+              <a:t> </a:t>
+            </a:r>
+            <a:r>
+              <a:rPr lang="en-US" altLang="ko-KR" sz="3600" dirty="0" smtClean="0">
+                <a:solidFill>
+                  <a:schemeClr val="bg1"/>
+                </a:solidFill>
+                <a:latin typeface="에스코어 드림 6 Bold" panose="020B0703030302020204" pitchFamily="34" charset="-127"/>
+                <a:ea typeface="에스코어 드림 6 Bold" panose="020B0703030302020204" pitchFamily="34" charset="-127"/>
+                <a:sym typeface="Wingdings 2" panose="05020102010507070707" pitchFamily="18" charset="2"/>
+              </a:rPr>
+              <a:t> </a:t>
+            </a:r>
+            <a:r>
+              <a:rPr lang="ko-KR" altLang="en-US" sz="3600" dirty="0" err="1" smtClean="0">
+                <a:solidFill>
+                  <a:schemeClr val="bg1"/>
+                </a:solidFill>
+                <a:latin typeface="에스코어 드림 6 Bold" panose="020B0703030302020204" pitchFamily="34" charset="-127"/>
+                <a:ea typeface="에스코어 드림 6 Bold" panose="020B0703030302020204" pitchFamily="34" charset="-127"/>
+                <a:sym typeface="Wingdings 2" panose="05020102010507070707" pitchFamily="18" charset="2"/>
+              </a:rPr>
+              <a:t>중도세의</a:t>
+            </a:r>
+            <a:r>
+              <a:rPr lang="ko-KR" altLang="en-US" sz="3600" dirty="0">
+                <a:solidFill>
+                  <a:schemeClr val="bg1"/>
+                </a:solidFill>
+                <a:latin typeface="에스코어 드림 6 Bold" panose="020B0703030302020204" pitchFamily="34" charset="-127"/>
+                <a:ea typeface="에스코어 드림 6 Bold" panose="020B0703030302020204" pitchFamily="34" charset="-127"/>
+                <a:sym typeface="Wingdings 2" panose="05020102010507070707" pitchFamily="18" charset="2"/>
+              </a:rPr>
+              <a:t> </a:t>
+            </a:r>
+            <a:r>
+              <a:rPr lang="ko-KR" altLang="en-US" sz="3600" dirty="0" smtClean="0">
+                <a:solidFill>
+                  <a:schemeClr val="bg1"/>
+                </a:solidFill>
+                <a:latin typeface="에스코어 드림 6 Bold" panose="020B0703030302020204" pitchFamily="34" charset="-127"/>
+                <a:ea typeface="에스코어 드림 6 Bold" panose="020B0703030302020204" pitchFamily="34" charset="-127"/>
+                <a:sym typeface="Wingdings 2" panose="05020102010507070707" pitchFamily="18" charset="2"/>
+              </a:rPr>
+              <a:t>확장</a:t>
+            </a:r>
+            <a:r>
+              <a:rPr lang="en-US" altLang="ko-KR" sz="3600" dirty="0" smtClean="0">
+                <a:solidFill>
+                  <a:schemeClr val="bg1"/>
+                </a:solidFill>
+                <a:latin typeface="에스코어 드림 6 Bold" panose="020B0703030302020204" pitchFamily="34" charset="-127"/>
+                <a:ea typeface="에스코어 드림 6 Bold" panose="020B0703030302020204" pitchFamily="34" charset="-127"/>
+                <a:sym typeface="Wingdings 2" panose="05020102010507070707" pitchFamily="18" charset="2"/>
+              </a:rPr>
+              <a:t>, </a:t>
+            </a:r>
+            <a:r>
+              <a:rPr lang="ko-KR" altLang="en-US" sz="3600" dirty="0" smtClean="0">
+                <a:solidFill>
+                  <a:schemeClr val="bg1"/>
+                </a:solidFill>
+                <a:latin typeface="에스코어 드림 6 Bold" panose="020B0703030302020204" pitchFamily="34" charset="-127"/>
+                <a:ea typeface="에스코어 드림 6 Bold" panose="020B0703030302020204" pitchFamily="34" charset="-127"/>
+                <a:sym typeface="Wingdings 2" panose="05020102010507070707" pitchFamily="18" charset="2"/>
+              </a:rPr>
+              <a:t>보수의 대 약진</a:t>
+            </a:r>
+            <a:r>
+              <a:rPr lang="ko-KR" altLang="en-US" sz="3600" dirty="0" smtClean="0">
+                <a:solidFill>
+                  <a:schemeClr val="bg1"/>
+                </a:solidFill>
+                <a:latin typeface="에스코어 드림 6 Bold" panose="020B0703030302020204" pitchFamily="34" charset="-127"/>
+                <a:ea typeface="에스코어 드림 6 Bold" panose="020B0703030302020204" pitchFamily="34" charset="-127"/>
+              </a:rPr>
+              <a:t> </a:t>
+            </a:r>
+            <a:endParaRPr lang="ko-KR" altLang="en-US" sz="3600" dirty="0">
+              <a:solidFill>
+                <a:schemeClr val="bg1"/>
+              </a:solidFill>
+              <a:latin typeface="에스코어 드림 6 Bold" panose="020B0703030302020204" pitchFamily="34" charset="-127"/>
+              <a:ea typeface="에스코어 드림 6 Bold" panose="020B0703030302020204" pitchFamily="34" charset="-127"/>
+            </a:endParaRPr>
+          </a:p>
+        </p:txBody>
+      </p:sp>
+      <p:pic>
+        <p:nvPicPr>
+          <p:cNvPr id="4" name="그림 3"/>
+          <p:cNvPicPr>
+            <a:picLocks noChangeAspect="1"/>
+          </p:cNvPicPr>
+          <p:nvPr/>
+        </p:nvPicPr>
+        <p:blipFill>
+          <a:blip r:embed="rId2"/>
+          <a:stretch>
+            <a:fillRect/>
+          </a:stretch>
+        </p:blipFill>
+        <p:spPr>
+          <a:xfrm>
+            <a:off x="2807032" y="1816274"/>
+            <a:ext cx="6935932" cy="4550725"/>
+          </a:xfrm>
+          <a:prstGeom prst="rect">
+            <a:avLst/>
+          </a:prstGeom>
+        </p:spPr>
+      </p:pic>
+    </p:spTree>
+    <p:extLst>
+      <p:ext uri="{BB962C8B-B14F-4D97-AF65-F5344CB8AC3E}">
+        <p14:creationId xmlns:p14="http://schemas.microsoft.com/office/powerpoint/2010/main" val="1761930932"/>
+      </p:ext>
+    </p:extLst>
+  </p:cSld>
+  <p:clrMapOvr>
+    <a:masterClrMapping/>
+  </p:clrMapOvr>
+  <p:timing>
+    <p:tnLst>
+      <p:par>
+        <p:cTn id="1" dur="indefinite" restart="never" nodeType="tmRoot"/>
+      </p:par>
+    </p:tnLst>
+  </p:timing>
+</p:sld>
+</file>
+
+<file path=ppt/slides/slide19.xml><?xml version="1.0" encoding="utf-8"?>
+<p:sld xmlns:a="http://schemas.openxmlformats.org/drawingml/2006/main" xmlns:r="http://schemas.openxmlformats.org/officeDocument/2006/relationships" xmlns:p="http://schemas.openxmlformats.org/presentationml/2006/main">
+  <p:cSld>
+    <p:spTree>
+      <p:nvGrpSpPr>
+        <p:cNvPr id="1" name=""/>
+        <p:cNvGrpSpPr/>
+        <p:nvPr/>
+      </p:nvGrpSpPr>
+      <p:grpSpPr>
+        <a:xfrm>
+          <a:off x="0" y="0"/>
+          <a:ext cx="0" cy="0"/>
+          <a:chOff x="0" y="0"/>
+          <a:chExt cx="0" cy="0"/>
+        </a:xfrm>
+      </p:grpSpPr>
+      <p:pic>
+        <p:nvPicPr>
+          <p:cNvPr id="2" name="그림 1"/>
+          <p:cNvPicPr>
+            <a:picLocks noChangeAspect="1"/>
+          </p:cNvPicPr>
+          <p:nvPr/>
+        </p:nvPicPr>
+        <p:blipFill>
+          <a:blip r:embed="rId2">
+            <a:extLst>
+              <a:ext uri="{28A0092B-C50C-407E-A947-70E740481C1C}">
+                <a14:useLocalDpi xmlns:a14="http://schemas.microsoft.com/office/drawing/2010/main" val="0"/>
+              </a:ext>
+            </a:extLst>
+          </a:blip>
+          <a:stretch>
+            <a:fillRect/>
+          </a:stretch>
+        </p:blipFill>
+        <p:spPr>
+          <a:xfrm>
+            <a:off x="128508" y="2997199"/>
+            <a:ext cx="5907828" cy="3544697"/>
+          </a:xfrm>
+          <a:prstGeom prst="rect">
+            <a:avLst/>
+          </a:prstGeom>
+        </p:spPr>
+      </p:pic>
+      <p:pic>
+        <p:nvPicPr>
+          <p:cNvPr id="5" name="그림 4"/>
+          <p:cNvPicPr>
+            <a:picLocks noChangeAspect="1"/>
+          </p:cNvPicPr>
+          <p:nvPr/>
+        </p:nvPicPr>
+        <p:blipFill>
+          <a:blip r:embed="rId3">
+            <a:extLst>
+              <a:ext uri="{28A0092B-C50C-407E-A947-70E740481C1C}">
+                <a14:useLocalDpi xmlns:a14="http://schemas.microsoft.com/office/drawing/2010/main" val="0"/>
+              </a:ext>
+            </a:extLst>
+          </a:blip>
+          <a:stretch>
+            <a:fillRect/>
+          </a:stretch>
+        </p:blipFill>
+        <p:spPr>
+          <a:xfrm>
+            <a:off x="6154920" y="2997199"/>
+            <a:ext cx="5907828" cy="3544697"/>
+          </a:xfrm>
+          <a:prstGeom prst="rect">
+            <a:avLst/>
+          </a:prstGeom>
+        </p:spPr>
+      </p:pic>
+      <p:sp>
+        <p:nvSpPr>
+          <p:cNvPr id="6" name="TextBox 5"/>
+          <p:cNvSpPr txBox="1"/>
+          <p:nvPr/>
+        </p:nvSpPr>
+        <p:spPr>
+          <a:xfrm>
+            <a:off x="801531" y="877959"/>
+            <a:ext cx="10706777" cy="1200329"/>
+          </a:xfrm>
+          <a:prstGeom prst="rect">
+            <a:avLst/>
+          </a:prstGeom>
+          <a:noFill/>
+        </p:spPr>
+        <p:txBody>
+          <a:bodyPr wrap="none" rtlCol="0">
+            <a:spAutoFit/>
+          </a:bodyPr>
+          <a:lstStyle/>
+          <a:p>
+            <a:r>
+              <a:rPr lang="en-US" altLang="ko-KR" sz="3600" dirty="0" smtClean="0">
+                <a:solidFill>
+                  <a:schemeClr val="bg1"/>
+                </a:solidFill>
+                <a:latin typeface="에스코어 드림 6 Bold" panose="020B0703030302020204" pitchFamily="34" charset="-127"/>
+                <a:ea typeface="에스코어 드림 6 Bold" panose="020B0703030302020204" pitchFamily="34" charset="-127"/>
+              </a:rPr>
+              <a:t>20</a:t>
+            </a:r>
+            <a:r>
+              <a:rPr lang="ko-KR" altLang="en-US" sz="3600" dirty="0" smtClean="0">
+                <a:solidFill>
+                  <a:schemeClr val="bg1"/>
+                </a:solidFill>
+                <a:latin typeface="에스코어 드림 6 Bold" panose="020B0703030302020204" pitchFamily="34" charset="-127"/>
+                <a:ea typeface="에스코어 드림 6 Bold" panose="020B0703030302020204" pitchFamily="34" charset="-127"/>
+              </a:rPr>
+              <a:t>대</a:t>
+            </a:r>
+            <a:r>
+              <a:rPr lang="en-US" altLang="ko-KR" sz="3600" dirty="0" smtClean="0">
+                <a:solidFill>
+                  <a:schemeClr val="bg1"/>
+                </a:solidFill>
+                <a:latin typeface="에스코어 드림 6 Bold" panose="020B0703030302020204" pitchFamily="34" charset="-127"/>
+                <a:ea typeface="에스코어 드림 6 Bold" panose="020B0703030302020204" pitchFamily="34" charset="-127"/>
+              </a:rPr>
+              <a:t>, 30</a:t>
+            </a:r>
+            <a:r>
+              <a:rPr lang="ko-KR" altLang="en-US" sz="3600" dirty="0" smtClean="0">
+                <a:solidFill>
+                  <a:schemeClr val="bg1"/>
+                </a:solidFill>
+                <a:latin typeface="에스코어 드림 6 Bold" panose="020B0703030302020204" pitchFamily="34" charset="-127"/>
+                <a:ea typeface="에스코어 드림 6 Bold" panose="020B0703030302020204" pitchFamily="34" charset="-127"/>
+              </a:rPr>
+              <a:t>대 더불어 민주당의 지지율 약세가 두드러짐</a:t>
+            </a:r>
+            <a:endParaRPr lang="en-US" altLang="ko-KR" sz="3600" dirty="0" smtClean="0">
+              <a:solidFill>
+                <a:schemeClr val="bg1"/>
+              </a:solidFill>
+              <a:latin typeface="에스코어 드림 6 Bold" panose="020B0703030302020204" pitchFamily="34" charset="-127"/>
+              <a:ea typeface="에스코어 드림 6 Bold" panose="020B0703030302020204" pitchFamily="34" charset="-127"/>
+            </a:endParaRPr>
+          </a:p>
+          <a:p>
+            <a:r>
+              <a:rPr lang="en-US" altLang="ko-KR" sz="3600" dirty="0" smtClean="0">
+                <a:solidFill>
+                  <a:schemeClr val="bg1"/>
+                </a:solidFill>
+                <a:latin typeface="에스코어 드림 6 Bold" panose="020B0703030302020204" pitchFamily="34" charset="-127"/>
+                <a:ea typeface="에스코어 드림 6 Bold" panose="020B0703030302020204" pitchFamily="34" charset="-127"/>
+              </a:rPr>
+              <a:t>30</a:t>
+            </a:r>
+            <a:r>
+              <a:rPr lang="ko-KR" altLang="en-US" sz="3600" dirty="0" smtClean="0">
+                <a:solidFill>
+                  <a:schemeClr val="bg1"/>
+                </a:solidFill>
+                <a:latin typeface="에스코어 드림 6 Bold" panose="020B0703030302020204" pitchFamily="34" charset="-127"/>
+                <a:ea typeface="에스코어 드림 6 Bold" panose="020B0703030302020204" pitchFamily="34" charset="-127"/>
+              </a:rPr>
+              <a:t>대의 지지율 하락이 </a:t>
+            </a:r>
+            <a:r>
+              <a:rPr lang="en-US" altLang="ko-KR" sz="3600" dirty="0" smtClean="0">
+                <a:solidFill>
+                  <a:schemeClr val="bg1"/>
+                </a:solidFill>
+                <a:latin typeface="에스코어 드림 6 Bold" panose="020B0703030302020204" pitchFamily="34" charset="-127"/>
+                <a:ea typeface="에스코어 드림 6 Bold" panose="020B0703030302020204" pitchFamily="34" charset="-127"/>
+              </a:rPr>
+              <a:t>20</a:t>
+            </a:r>
+            <a:r>
+              <a:rPr lang="ko-KR" altLang="en-US" sz="3600" dirty="0" smtClean="0">
+                <a:solidFill>
+                  <a:schemeClr val="bg1"/>
+                </a:solidFill>
+                <a:latin typeface="에스코어 드림 6 Bold" panose="020B0703030302020204" pitchFamily="34" charset="-127"/>
+                <a:ea typeface="에스코어 드림 6 Bold" panose="020B0703030302020204" pitchFamily="34" charset="-127"/>
+              </a:rPr>
+              <a:t>대보다 훨씬 크다는 걸 확인</a:t>
+            </a:r>
+            <a:endParaRPr lang="ko-KR" altLang="en-US" sz="3600" dirty="0">
+              <a:solidFill>
+                <a:schemeClr val="bg1"/>
+              </a:solidFill>
+              <a:latin typeface="에스코어 드림 6 Bold" panose="020B0703030302020204" pitchFamily="34" charset="-127"/>
+              <a:ea typeface="에스코어 드림 6 Bold" panose="020B0703030302020204" pitchFamily="34" charset="-127"/>
+            </a:endParaRPr>
+          </a:p>
+        </p:txBody>
+      </p:sp>
+    </p:spTree>
+    <p:extLst>
+      <p:ext uri="{BB962C8B-B14F-4D97-AF65-F5344CB8AC3E}">
+        <p14:creationId xmlns:p14="http://schemas.microsoft.com/office/powerpoint/2010/main" val="2746896571"/>
       </p:ext>
     </p:extLst>
   </p:cSld>
@@ -7176,7 +7600,7 @@
         <p:spPr>
           <a:xfrm>
             <a:off x="2186915" y="4991099"/>
-            <a:ext cx="2092239" cy="646331"/>
+            <a:ext cx="2090637" cy="646331"/>
           </a:xfrm>
           <a:prstGeom prst="rect">
             <a:avLst/>
@@ -7197,7 +7621,7 @@
                 <a:latin typeface="에스코어 드림 6 Bold" panose="020B0703030302020204" pitchFamily="34" charset="-127"/>
                 <a:ea typeface="에스코어 드림 6 Bold" panose="020B0703030302020204" pitchFamily="34" charset="-127"/>
               </a:rPr>
-              <a:t>분석 과정</a:t>
+              <a:t>분석 결과</a:t>
             </a:r>
             <a:endParaRPr lang="ko-KR" altLang="en-US" sz="2000" dirty="0">
               <a:solidFill>

--- a/프레젠테이션1.pptx
+++ b/프레젠테이션1.pptx
@@ -18,12 +18,24 @@
     <p:sldId id="266" r:id="rId12"/>
     <p:sldId id="269" r:id="rId13"/>
     <p:sldId id="267" r:id="rId14"/>
-    <p:sldId id="268" r:id="rId15"/>
-    <p:sldId id="270" r:id="rId16"/>
-    <p:sldId id="271" r:id="rId17"/>
-    <p:sldId id="272" r:id="rId18"/>
-    <p:sldId id="274" r:id="rId19"/>
-    <p:sldId id="275" r:id="rId20"/>
+    <p:sldId id="280" r:id="rId15"/>
+    <p:sldId id="268" r:id="rId16"/>
+    <p:sldId id="270" r:id="rId17"/>
+    <p:sldId id="271" r:id="rId18"/>
+    <p:sldId id="272" r:id="rId19"/>
+    <p:sldId id="277" r:id="rId20"/>
+    <p:sldId id="274" r:id="rId21"/>
+    <p:sldId id="275" r:id="rId22"/>
+    <p:sldId id="276" r:id="rId23"/>
+    <p:sldId id="278" r:id="rId24"/>
+    <p:sldId id="279" r:id="rId25"/>
+    <p:sldId id="281" r:id="rId26"/>
+    <p:sldId id="283" r:id="rId27"/>
+    <p:sldId id="284" r:id="rId28"/>
+    <p:sldId id="286" r:id="rId29"/>
+    <p:sldId id="287" r:id="rId30"/>
+    <p:sldId id="285" r:id="rId31"/>
+    <p:sldId id="288" r:id="rId32"/>
   </p:sldIdLst>
   <p:sldSz cx="12192000" cy="6858000"/>
   <p:notesSz cx="6858000" cy="9144000"/>
@@ -3006,8 +3018,8 @@
         </p:nvSpPr>
         <p:spPr>
           <a:xfrm>
-            <a:off x="1314840" y="1742789"/>
-            <a:ext cx="9876422" cy="2677656"/>
+            <a:off x="724136" y="1742789"/>
+            <a:ext cx="11057835" cy="2677656"/>
           </a:xfrm>
           <a:prstGeom prst="rect">
             <a:avLst/>
@@ -3069,7 +3081,7 @@
                 <a:latin typeface="에스코어 드림 6 Bold" panose="020B0703030302020204" pitchFamily="34" charset="-127"/>
                 <a:ea typeface="에스코어 드림 6 Bold" panose="020B0703030302020204" pitchFamily="34" charset="-127"/>
               </a:rPr>
-              <a:t>대와 </a:t>
+              <a:t>대</a:t>
             </a:r>
             <a:r>
               <a:rPr lang="en-US" altLang="ko-KR" sz="4800" dirty="0" smtClean="0">
@@ -3079,6 +3091,16 @@
                 <a:latin typeface="에스코어 드림 6 Bold" panose="020B0703030302020204" pitchFamily="34" charset="-127"/>
                 <a:ea typeface="에스코어 드림 6 Bold" panose="020B0703030302020204" pitchFamily="34" charset="-127"/>
               </a:rPr>
+              <a:t>, </a:t>
+            </a:r>
+            <a:r>
+              <a:rPr lang="en-US" altLang="ko-KR" sz="4800" dirty="0" smtClean="0">
+                <a:solidFill>
+                  <a:schemeClr val="bg1"/>
+                </a:solidFill>
+                <a:latin typeface="에스코어 드림 6 Bold" panose="020B0703030302020204" pitchFamily="34" charset="-127"/>
+                <a:ea typeface="에스코어 드림 6 Bold" panose="020B0703030302020204" pitchFamily="34" charset="-127"/>
+              </a:rPr>
               <a:t>20</a:t>
             </a:r>
             <a:r>
@@ -3089,7 +3111,37 @@
                 <a:latin typeface="에스코어 드림 6 Bold" panose="020B0703030302020204" pitchFamily="34" charset="-127"/>
                 <a:ea typeface="에스코어 드림 6 Bold" panose="020B0703030302020204" pitchFamily="34" charset="-127"/>
               </a:rPr>
-              <a:t>대는 어떻게 움직였는가</a:t>
+              <a:t>대</a:t>
+            </a:r>
+            <a:r>
+              <a:rPr lang="en-US" altLang="ko-KR" sz="4800" dirty="0" smtClean="0">
+                <a:solidFill>
+                  <a:schemeClr val="bg1"/>
+                </a:solidFill>
+                <a:latin typeface="에스코어 드림 6 Bold" panose="020B0703030302020204" pitchFamily="34" charset="-127"/>
+                <a:ea typeface="에스코어 드림 6 Bold" panose="020B0703030302020204" pitchFamily="34" charset="-127"/>
+              </a:rPr>
+              <a:t>, 30</a:t>
+            </a:r>
+            <a:r>
+              <a:rPr lang="ko-KR" altLang="en-US" sz="4800" dirty="0" smtClean="0">
+                <a:solidFill>
+                  <a:schemeClr val="bg1"/>
+                </a:solidFill>
+                <a:latin typeface="에스코어 드림 6 Bold" panose="020B0703030302020204" pitchFamily="34" charset="-127"/>
+                <a:ea typeface="에스코어 드림 6 Bold" panose="020B0703030302020204" pitchFamily="34" charset="-127"/>
+              </a:rPr>
+              <a:t>대는 </a:t>
+            </a:r>
+            <a:r>
+              <a:rPr lang="ko-KR" altLang="en-US" sz="4800" dirty="0" smtClean="0">
+                <a:solidFill>
+                  <a:schemeClr val="bg1"/>
+                </a:solidFill>
+                <a:latin typeface="에스코어 드림 6 Bold" panose="020B0703030302020204" pitchFamily="34" charset="-127"/>
+                <a:ea typeface="에스코어 드림 6 Bold" panose="020B0703030302020204" pitchFamily="34" charset="-127"/>
+              </a:rPr>
+              <a:t>어떻게 움직였는가</a:t>
             </a:r>
             <a:r>
               <a:rPr lang="en-US" altLang="ko-KR" sz="4800" dirty="0" smtClean="0">
@@ -3246,7 +3298,7 @@
           <p:nvPr>
             <p:extLst>
               <p:ext uri="{D42A27DB-BD31-4B8C-83A1-F6EECF244321}">
-                <p14:modId xmlns:p14="http://schemas.microsoft.com/office/powerpoint/2010/main" val="5872798"/>
+                <p14:modId xmlns:p14="http://schemas.microsoft.com/office/powerpoint/2010/main" val="2766225814"/>
               </p:ext>
             </p:extLst>
           </p:nvPr>
@@ -3262,38 +3314,45 @@
                 <a:tableStyleId>{5C22544A-7EE6-4342-B048-85BDC9FD1C3A}</a:tableStyleId>
               </a:tblPr>
               <a:tblGrid>
-                <a:gridCol w="1548910">
+                <a:gridCol w="1134515">
                   <a:extLst>
                     <a:ext uri="{9D8B030D-6E8A-4147-A177-3AD203B41FA5}">
                       <a16:colId xmlns:a16="http://schemas.microsoft.com/office/drawing/2014/main" val="2550939570"/>
                     </a:ext>
                   </a:extLst>
                 </a:gridCol>
-                <a:gridCol w="1195468">
+                <a:gridCol w="875633">
                   <a:extLst>
                     <a:ext uri="{9D8B030D-6E8A-4147-A177-3AD203B41FA5}">
                       <a16:colId xmlns:a16="http://schemas.microsoft.com/office/drawing/2014/main" val="3657981851"/>
                     </a:ext>
                   </a:extLst>
                 </a:gridCol>
-                <a:gridCol w="1995911">
+                <a:gridCol w="1461926">
                   <a:extLst>
                     <a:ext uri="{9D8B030D-6E8A-4147-A177-3AD203B41FA5}">
                       <a16:colId xmlns:a16="http://schemas.microsoft.com/office/drawing/2014/main" val="1005421085"/>
                     </a:ext>
                   </a:extLst>
                 </a:gridCol>
-                <a:gridCol w="2583866">
+                <a:gridCol w="1892579">
                   <a:extLst>
                     <a:ext uri="{9D8B030D-6E8A-4147-A177-3AD203B41FA5}">
                       <a16:colId xmlns:a16="http://schemas.microsoft.com/office/drawing/2014/main" val="931678828"/>
                     </a:ext>
                   </a:extLst>
                 </a:gridCol>
-                <a:gridCol w="4214702">
+                <a:gridCol w="3087102">
                   <a:extLst>
                     <a:ext uri="{9D8B030D-6E8A-4147-A177-3AD203B41FA5}">
                       <a16:colId xmlns:a16="http://schemas.microsoft.com/office/drawing/2014/main" val="113957869"/>
+                    </a:ext>
+                  </a:extLst>
+                </a:gridCol>
+                <a:gridCol w="3087102">
+                  <a:extLst>
+                    <a:ext uri="{9D8B030D-6E8A-4147-A177-3AD203B41FA5}">
+                      <a16:colId xmlns:a16="http://schemas.microsoft.com/office/drawing/2014/main" val="1500160801"/>
                     </a:ext>
                   </a:extLst>
                 </a:gridCol>
@@ -3642,6 +3701,89 @@
                           <a:ea typeface="에스코어 드림 9 Black" panose="020B0A03030302020204" pitchFamily="34" charset="-127"/>
                         </a:rPr>
                         <a:t>주요 수행 내용</a:t>
+                      </a:r>
+                      <a:endParaRPr lang="ko-KR" altLang="en-US" sz="2400" dirty="0">
+                        <a:solidFill>
+                          <a:schemeClr val="tx1"/>
+                        </a:solidFill>
+                        <a:latin typeface="에스코어 드림 9 Black" panose="020B0A03030302020204" pitchFamily="34" charset="-127"/>
+                        <a:ea typeface="에스코어 드림 9 Black" panose="020B0A03030302020204" pitchFamily="34" charset="-127"/>
+                      </a:endParaRPr>
+                    </a:p>
+                  </a:txBody>
+                  <a:tcPr anchor="ctr">
+                    <a:lnL w="3175" cap="flat" cmpd="sng" algn="ctr">
+                      <a:solidFill>
+                        <a:schemeClr val="bg1">
+                          <a:lumMod val="75000"/>
+                        </a:schemeClr>
+                      </a:solidFill>
+                      <a:prstDash val="sysDash"/>
+                      <a:round/>
+                      <a:headEnd type="none" w="med" len="med"/>
+                      <a:tailEnd type="none" w="med" len="med"/>
+                    </a:lnL>
+                    <a:lnR w="3175" cap="flat" cmpd="sng" algn="ctr">
+                      <a:solidFill>
+                        <a:schemeClr val="bg1">
+                          <a:lumMod val="75000"/>
+                        </a:schemeClr>
+                      </a:solidFill>
+                      <a:prstDash val="sysDash"/>
+                      <a:round/>
+                      <a:headEnd type="none" w="med" len="med"/>
+                      <a:tailEnd type="none" w="med" len="med"/>
+                    </a:lnR>
+                    <a:lnT w="12700" cap="flat" cmpd="sng" algn="ctr">
+                      <a:solidFill>
+                        <a:schemeClr val="tx1"/>
+                      </a:solidFill>
+                      <a:prstDash val="solid"/>
+                      <a:round/>
+                      <a:headEnd type="none" w="med" len="med"/>
+                      <a:tailEnd type="none" w="med" len="med"/>
+                    </a:lnT>
+                    <a:lnB w="3175" cap="flat" cmpd="sng" algn="ctr">
+                      <a:solidFill>
+                        <a:schemeClr val="bg1">
+                          <a:lumMod val="75000"/>
+                        </a:schemeClr>
+                      </a:solidFill>
+                      <a:prstDash val="sysDash"/>
+                      <a:round/>
+                      <a:headEnd type="none" w="med" len="med"/>
+                      <a:tailEnd type="none" w="med" len="med"/>
+                    </a:lnB>
+                    <a:lnTlToBr w="12700" cmpd="sng">
+                      <a:noFill/>
+                      <a:prstDash val="solid"/>
+                    </a:lnTlToBr>
+                    <a:lnBlToTr w="12700" cmpd="sng">
+                      <a:noFill/>
+                      <a:prstDash val="solid"/>
+                    </a:lnBlToTr>
+                    <a:solidFill>
+                      <a:schemeClr val="bg1">
+                        <a:lumMod val="95000"/>
+                      </a:schemeClr>
+                    </a:solidFill>
+                  </a:tcPr>
+                </a:tc>
+                <a:tc>
+                  <a:txBody>
+                    <a:bodyPr/>
+                    <a:lstStyle/>
+                    <a:p>
+                      <a:pPr algn="ctr" latinLnBrk="1"/>
+                      <a:r>
+                        <a:rPr lang="ko-KR" altLang="en-US" sz="2400" dirty="0" smtClean="0">
+                          <a:solidFill>
+                            <a:schemeClr val="tx1"/>
+                          </a:solidFill>
+                          <a:latin typeface="에스코어 드림 9 Black" panose="020B0A03030302020204" pitchFamily="34" charset="-127"/>
+                          <a:ea typeface="에스코어 드림 9 Black" panose="020B0A03030302020204" pitchFamily="34" charset="-127"/>
+                        </a:rPr>
+                        <a:t>특징</a:t>
                       </a:r>
                       <a:endParaRPr lang="ko-KR" altLang="en-US" sz="2400" dirty="0">
                         <a:solidFill>
@@ -4100,6 +4242,107 @@
                       <a:headEnd type="none" w="med" len="med"/>
                       <a:tailEnd type="none" w="med" len="med"/>
                     </a:lnL>
+                    <a:lnR w="3175" cap="flat" cmpd="sng" algn="ctr">
+                      <a:solidFill>
+                        <a:schemeClr val="bg1">
+                          <a:lumMod val="75000"/>
+                        </a:schemeClr>
+                      </a:solidFill>
+                      <a:prstDash val="sysDash"/>
+                      <a:round/>
+                      <a:headEnd type="none" w="med" len="med"/>
+                      <a:tailEnd type="none" w="med" len="med"/>
+                    </a:lnR>
+                    <a:lnT w="3175" cap="flat" cmpd="sng" algn="ctr">
+                      <a:solidFill>
+                        <a:schemeClr val="bg1">
+                          <a:lumMod val="75000"/>
+                        </a:schemeClr>
+                      </a:solidFill>
+                      <a:prstDash val="sysDash"/>
+                      <a:round/>
+                      <a:headEnd type="none" w="med" len="med"/>
+                      <a:tailEnd type="none" w="med" len="med"/>
+                    </a:lnT>
+                    <a:lnB w="3175" cap="flat" cmpd="sng" algn="ctr">
+                      <a:solidFill>
+                        <a:schemeClr val="bg1">
+                          <a:lumMod val="75000"/>
+                        </a:schemeClr>
+                      </a:solidFill>
+                      <a:prstDash val="sysDash"/>
+                      <a:round/>
+                      <a:headEnd type="none" w="med" len="med"/>
+                      <a:tailEnd type="none" w="med" len="med"/>
+                    </a:lnB>
+                    <a:lnTlToBr w="12700" cmpd="sng">
+                      <a:noFill/>
+                      <a:prstDash val="solid"/>
+                    </a:lnTlToBr>
+                    <a:lnBlToTr w="12700" cmpd="sng">
+                      <a:noFill/>
+                      <a:prstDash val="solid"/>
+                    </a:lnBlToTr>
+                    <a:noFill/>
+                  </a:tcPr>
+                </a:tc>
+                <a:tc>
+                  <a:txBody>
+                    <a:bodyPr/>
+                    <a:lstStyle/>
+                    <a:p>
+                      <a:pPr algn="ctr" latinLnBrk="1"/>
+                      <a:r>
+                        <a:rPr lang="ko-KR" altLang="en-US" sz="2000" dirty="0" smtClean="0">
+                          <a:solidFill>
+                            <a:schemeClr val="tx1"/>
+                          </a:solidFill>
+                          <a:latin typeface="에스코어 드림 6 Bold" panose="020B0703030302020204" pitchFamily="34" charset="-127"/>
+                          <a:ea typeface="에스코어 드림 6 Bold" panose="020B0703030302020204" pitchFamily="34" charset="-127"/>
+                        </a:rPr>
+                        <a:t>투표를 </a:t>
+                      </a:r>
+                      <a:r>
+                        <a:rPr lang="ko-KR" altLang="en-US" sz="2000" dirty="0" err="1" smtClean="0">
+                          <a:solidFill>
+                            <a:schemeClr val="tx1"/>
+                          </a:solidFill>
+                          <a:latin typeface="에스코어 드림 6 Bold" panose="020B0703030302020204" pitchFamily="34" charset="-127"/>
+                          <a:ea typeface="에스코어 드림 6 Bold" panose="020B0703030302020204" pitchFamily="34" charset="-127"/>
+                        </a:rPr>
+                        <a:t>해본적이</a:t>
+                      </a:r>
+                      <a:r>
+                        <a:rPr lang="ko-KR" altLang="en-US" sz="2000" dirty="0" smtClean="0">
+                          <a:solidFill>
+                            <a:schemeClr val="tx1"/>
+                          </a:solidFill>
+                          <a:latin typeface="에스코어 드림 6 Bold" panose="020B0703030302020204" pitchFamily="34" charset="-127"/>
+                          <a:ea typeface="에스코어 드림 6 Bold" panose="020B0703030302020204" pitchFamily="34" charset="-127"/>
+                        </a:rPr>
+                        <a:t> 없음</a:t>
+                      </a:r>
+                      <a:endParaRPr lang="ko-KR" altLang="en-US" sz="2000" dirty="0">
+                        <a:solidFill>
+                          <a:schemeClr val="tx1"/>
+                        </a:solidFill>
+                        <a:latin typeface="에스코어 드림 6 Bold" panose="020B0703030302020204" pitchFamily="34" charset="-127"/>
+                        <a:ea typeface="에스코어 드림 6 Bold" panose="020B0703030302020204" pitchFamily="34" charset="-127"/>
+                      </a:endParaRPr>
+                    </a:p>
+                  </a:txBody>
+                  <a:tcPr anchor="ctr">
+                    <a:lnL w="3175" cap="flat" cmpd="sng" algn="ctr">
+                      <a:solidFill>
+                        <a:schemeClr val="bg1">
+                          <a:lumMod val="75000"/>
+                        </a:schemeClr>
+                      </a:solidFill>
+                      <a:prstDash val="sysDash"/>
+                      <a:round/>
+                      <a:headEnd type="none" w="med" len="med"/>
+                      <a:tailEnd type="none" w="med" len="med"/>
+                    </a:lnL>
                     <a:lnR w="12700" cap="flat" cmpd="sng" algn="ctr">
                       <a:noFill/>
                       <a:prstDash val="solid"/>
@@ -4512,6 +4755,87 @@
                           <a:ea typeface="에스코어 드림 6 Bold" panose="020B0703030302020204" pitchFamily="34" charset="-127"/>
                         </a:rPr>
                         <a:t>대시보드</a:t>
+                      </a:r>
+                      <a:endParaRPr lang="ko-KR" altLang="en-US" sz="2000" dirty="0">
+                        <a:solidFill>
+                          <a:schemeClr val="tx1"/>
+                        </a:solidFill>
+                        <a:latin typeface="에스코어 드림 6 Bold" panose="020B0703030302020204" pitchFamily="34" charset="-127"/>
+                        <a:ea typeface="에스코어 드림 6 Bold" panose="020B0703030302020204" pitchFamily="34" charset="-127"/>
+                      </a:endParaRPr>
+                    </a:p>
+                  </a:txBody>
+                  <a:tcPr anchor="ctr">
+                    <a:lnL w="3175" cap="flat" cmpd="sng" algn="ctr">
+                      <a:solidFill>
+                        <a:schemeClr val="bg1">
+                          <a:lumMod val="75000"/>
+                        </a:schemeClr>
+                      </a:solidFill>
+                      <a:prstDash val="sysDash"/>
+                      <a:round/>
+                      <a:headEnd type="none" w="med" len="med"/>
+                      <a:tailEnd type="none" w="med" len="med"/>
+                    </a:lnL>
+                    <a:lnR w="3175" cap="flat" cmpd="sng" algn="ctr">
+                      <a:solidFill>
+                        <a:schemeClr val="bg1">
+                          <a:lumMod val="75000"/>
+                        </a:schemeClr>
+                      </a:solidFill>
+                      <a:prstDash val="sysDash"/>
+                      <a:round/>
+                      <a:headEnd type="none" w="med" len="med"/>
+                      <a:tailEnd type="none" w="med" len="med"/>
+                    </a:lnR>
+                    <a:lnT w="3175" cap="flat" cmpd="sng" algn="ctr">
+                      <a:solidFill>
+                        <a:schemeClr val="bg1">
+                          <a:lumMod val="75000"/>
+                        </a:schemeClr>
+                      </a:solidFill>
+                      <a:prstDash val="sysDash"/>
+                      <a:round/>
+                      <a:headEnd type="none" w="med" len="med"/>
+                      <a:tailEnd type="none" w="med" len="med"/>
+                    </a:lnT>
+                    <a:lnB w="3175" cap="flat" cmpd="sng" algn="ctr">
+                      <a:solidFill>
+                        <a:schemeClr val="bg1">
+                          <a:lumMod val="75000"/>
+                        </a:schemeClr>
+                      </a:solidFill>
+                      <a:prstDash val="sysDash"/>
+                      <a:round/>
+                      <a:headEnd type="none" w="med" len="med"/>
+                      <a:tailEnd type="none" w="med" len="med"/>
+                    </a:lnB>
+                    <a:lnTlToBr w="12700" cmpd="sng">
+                      <a:noFill/>
+                      <a:prstDash val="solid"/>
+                    </a:lnTlToBr>
+                    <a:lnBlToTr w="12700" cmpd="sng">
+                      <a:noFill/>
+                      <a:prstDash val="solid"/>
+                    </a:lnBlToTr>
+                    <a:noFill/>
+                  </a:tcPr>
+                </a:tc>
+                <a:tc>
+                  <a:txBody>
+                    <a:bodyPr/>
+                    <a:lstStyle/>
+                    <a:p>
+                      <a:pPr algn="ctr" latinLnBrk="1"/>
+                      <a:r>
+                        <a:rPr lang="ko-KR" altLang="en-US" sz="2000" dirty="0" smtClean="0">
+                          <a:solidFill>
+                            <a:schemeClr val="tx1"/>
+                          </a:solidFill>
+                          <a:latin typeface="에스코어 드림 6 Bold" panose="020B0703030302020204" pitchFamily="34" charset="-127"/>
+                          <a:ea typeface="에스코어 드림 6 Bold" panose="020B0703030302020204" pitchFamily="34" charset="-127"/>
+                        </a:rPr>
+                        <a:t>반장님</a:t>
                       </a:r>
                       <a:endParaRPr lang="ko-KR" altLang="en-US" sz="2000" dirty="0">
                         <a:solidFill>
@@ -4960,6 +5284,95 @@
                       <a:headEnd type="none" w="med" len="med"/>
                       <a:tailEnd type="none" w="med" len="med"/>
                     </a:lnL>
+                    <a:lnR w="3175" cap="flat" cmpd="sng" algn="ctr">
+                      <a:solidFill>
+                        <a:schemeClr val="bg1">
+                          <a:lumMod val="75000"/>
+                        </a:schemeClr>
+                      </a:solidFill>
+                      <a:prstDash val="sysDash"/>
+                      <a:round/>
+                      <a:headEnd type="none" w="med" len="med"/>
+                      <a:tailEnd type="none" w="med" len="med"/>
+                    </a:lnR>
+                    <a:lnT w="3175" cap="flat" cmpd="sng" algn="ctr">
+                      <a:solidFill>
+                        <a:schemeClr val="bg1">
+                          <a:lumMod val="75000"/>
+                        </a:schemeClr>
+                      </a:solidFill>
+                      <a:prstDash val="sysDash"/>
+                      <a:round/>
+                      <a:headEnd type="none" w="med" len="med"/>
+                      <a:tailEnd type="none" w="med" len="med"/>
+                    </a:lnT>
+                    <a:lnB w="12700" cap="flat" cmpd="sng" algn="ctr">
+                      <a:solidFill>
+                        <a:schemeClr val="tx1"/>
+                      </a:solidFill>
+                      <a:prstDash val="solid"/>
+                      <a:round/>
+                      <a:headEnd type="none" w="med" len="med"/>
+                      <a:tailEnd type="none" w="med" len="med"/>
+                    </a:lnB>
+                    <a:lnTlToBr w="12700" cmpd="sng">
+                      <a:noFill/>
+                      <a:prstDash val="solid"/>
+                    </a:lnTlToBr>
+                    <a:lnBlToTr w="12700" cmpd="sng">
+                      <a:noFill/>
+                      <a:prstDash val="solid"/>
+                    </a:lnBlToTr>
+                    <a:noFill/>
+                  </a:tcPr>
+                </a:tc>
+                <a:tc>
+                  <a:txBody>
+                    <a:bodyPr/>
+                    <a:lstStyle/>
+                    <a:p>
+                      <a:pPr algn="ctr" latinLnBrk="1"/>
+                      <a:r>
+                        <a:rPr lang="ko-KR" altLang="en-US" sz="2000" dirty="0" smtClean="0">
+                          <a:solidFill>
+                            <a:schemeClr val="tx1"/>
+                          </a:solidFill>
+                          <a:latin typeface="에스코어 드림 6 Bold" panose="020B0703030302020204" pitchFamily="34" charset="-127"/>
+                          <a:ea typeface="에스코어 드림 6 Bold" panose="020B0703030302020204" pitchFamily="34" charset="-127"/>
+                        </a:rPr>
+                        <a:t>코딩 힘들어요</a:t>
+                      </a:r>
+                      <a:r>
+                        <a:rPr lang="en-US" altLang="ko-KR" sz="2000" dirty="0" smtClean="0">
+                          <a:solidFill>
+                            <a:schemeClr val="tx1"/>
+                          </a:solidFill>
+                          <a:latin typeface="에스코어 드림 6 Bold" panose="020B0703030302020204" pitchFamily="34" charset="-127"/>
+                          <a:ea typeface="에스코어 드림 6 Bold" panose="020B0703030302020204" pitchFamily="34" charset="-127"/>
+                        </a:rPr>
+                        <a:t>!!!</a:t>
+                      </a:r>
+                      <a:endParaRPr lang="ko-KR" altLang="en-US" sz="2000" dirty="0">
+                        <a:solidFill>
+                          <a:schemeClr val="tx1"/>
+                        </a:solidFill>
+                        <a:latin typeface="에스코어 드림 6 Bold" panose="020B0703030302020204" pitchFamily="34" charset="-127"/>
+                        <a:ea typeface="에스코어 드림 6 Bold" panose="020B0703030302020204" pitchFamily="34" charset="-127"/>
+                      </a:endParaRPr>
+                    </a:p>
+                  </a:txBody>
+                  <a:tcPr anchor="ctr">
+                    <a:lnL w="3175" cap="flat" cmpd="sng" algn="ctr">
+                      <a:solidFill>
+                        <a:schemeClr val="bg1">
+                          <a:lumMod val="75000"/>
+                        </a:schemeClr>
+                      </a:solidFill>
+                      <a:prstDash val="sysDash"/>
+                      <a:round/>
+                      <a:headEnd type="none" w="med" len="med"/>
+                      <a:tailEnd type="none" w="med" len="med"/>
+                    </a:lnL>
                     <a:lnR w="12700" cap="flat" cmpd="sng" algn="ctr">
                       <a:noFill/>
                       <a:prstDash val="solid"/>
@@ -5711,7 +6124,7 @@
         </p:nvSpPr>
         <p:spPr>
           <a:xfrm>
-            <a:off x="534879" y="5259945"/>
+            <a:off x="682023" y="4633644"/>
             <a:ext cx="10003059" cy="923330"/>
           </a:xfrm>
           <a:prstGeom prst="rect">
@@ -5824,14 +6237,6 @@
 <file path=ppt/slides/slide14.xml><?xml version="1.0" encoding="utf-8"?>
 <p:sld xmlns:a="http://schemas.openxmlformats.org/drawingml/2006/main" xmlns:r="http://schemas.openxmlformats.org/officeDocument/2006/relationships" xmlns:p="http://schemas.openxmlformats.org/presentationml/2006/main">
   <p:cSld>
-    <p:bg>
-      <p:bgPr>
-        <a:solidFill>
-          <a:schemeClr val="bg1"/>
-        </a:solidFill>
-        <a:effectLst/>
-      </p:bgPr>
-    </p:bg>
     <p:spTree>
       <p:nvGrpSpPr>
         <p:cNvPr id="1" name=""/>
@@ -5854,8 +6259,8 @@
         </p:nvSpPr>
         <p:spPr>
           <a:xfrm>
-            <a:off x="215396" y="257020"/>
-            <a:ext cx="2795958" cy="707886"/>
+            <a:off x="644445" y="2895418"/>
+            <a:ext cx="10977685" cy="923330"/>
           </a:xfrm>
           <a:prstGeom prst="rect">
             <a:avLst/>
@@ -5869,56 +6274,30 @@
           <a:lstStyle/>
           <a:p>
             <a:r>
-              <a:rPr lang="ko-KR" altLang="en-US" sz="4000" dirty="0" smtClean="0">
+              <a:rPr lang="ko-KR" altLang="en-US" sz="5400" b="1" dirty="0" smtClean="0">
+                <a:solidFill>
+                  <a:schemeClr val="bg1"/>
+                </a:solidFill>
                 <a:latin typeface="에스코어 드림 6 Bold" panose="020B0703030302020204" pitchFamily="34" charset="-127"/>
                 <a:ea typeface="에스코어 드림 6 Bold" panose="020B0703030302020204" pitchFamily="34" charset="-127"/>
                 <a:sym typeface="Wingdings 2" panose="05020102010507070707" pitchFamily="18" charset="2"/>
               </a:rPr>
-              <a:t>갤럽 </a:t>
-            </a:r>
-            <a:r>
-              <a:rPr lang="ko-KR" altLang="en-US" sz="4000" dirty="0" err="1" smtClean="0">
-                <a:latin typeface="에스코어 드림 6 Bold" panose="020B0703030302020204" pitchFamily="34" charset="-127"/>
-                <a:ea typeface="에스코어 드림 6 Bold" panose="020B0703030302020204" pitchFamily="34" charset="-127"/>
-                <a:sym typeface="Wingdings 2" panose="05020102010507070707" pitchFamily="18" charset="2"/>
-              </a:rPr>
-              <a:t>싸이트</a:t>
-            </a:r>
-            <a:endParaRPr lang="ko-KR" altLang="en-US" sz="2400" dirty="0">
+              <a:t>정당 지지도는 모두 엑셀로 재정리함</a:t>
+            </a:r>
+            <a:endParaRPr lang="ko-KR" altLang="en-US" sz="3600" dirty="0">
+              <a:solidFill>
+                <a:schemeClr val="bg1"/>
+              </a:solidFill>
               <a:latin typeface="에스코어 드림 6 Bold" panose="020B0703030302020204" pitchFamily="34" charset="-127"/>
               <a:ea typeface="에스코어 드림 6 Bold" panose="020B0703030302020204" pitchFamily="34" charset="-127"/>
             </a:endParaRPr>
           </a:p>
         </p:txBody>
       </p:sp>
-      <p:pic>
-        <p:nvPicPr>
-          <p:cNvPr id="2" name="그림 1"/>
-          <p:cNvPicPr>
-            <a:picLocks noChangeAspect="1"/>
-          </p:cNvPicPr>
-          <p:nvPr/>
-        </p:nvPicPr>
-        <p:blipFill>
-          <a:blip r:embed="rId2"/>
-          <a:stretch>
-            <a:fillRect/>
-          </a:stretch>
-        </p:blipFill>
-        <p:spPr>
-          <a:xfrm>
-            <a:off x="478749" y="1219200"/>
-            <a:ext cx="9028108" cy="5195346"/>
-          </a:xfrm>
-          <a:prstGeom prst="rect">
-            <a:avLst/>
-          </a:prstGeom>
-        </p:spPr>
-      </p:pic>
     </p:spTree>
     <p:extLst>
       <p:ext uri="{BB962C8B-B14F-4D97-AF65-F5344CB8AC3E}">
-        <p14:creationId xmlns:p14="http://schemas.microsoft.com/office/powerpoint/2010/main" val="953743652"/>
+        <p14:creationId xmlns:p14="http://schemas.microsoft.com/office/powerpoint/2010/main" val="1874267101"/>
       </p:ext>
     </p:extLst>
   </p:cSld>
@@ -5969,6 +6348,120 @@
         <p:spPr>
           <a:xfrm>
             <a:off x="215396" y="257020"/>
+            <a:ext cx="2795958" cy="707886"/>
+          </a:xfrm>
+          <a:prstGeom prst="rect">
+            <a:avLst/>
+          </a:prstGeom>
+          <a:noFill/>
+        </p:spPr>
+        <p:txBody>
+          <a:bodyPr wrap="none" rtlCol="0">
+            <a:spAutoFit/>
+          </a:bodyPr>
+          <a:lstStyle/>
+          <a:p>
+            <a:r>
+              <a:rPr lang="ko-KR" altLang="en-US" sz="4000" dirty="0" smtClean="0">
+                <a:latin typeface="에스코어 드림 6 Bold" panose="020B0703030302020204" pitchFamily="34" charset="-127"/>
+                <a:ea typeface="에스코어 드림 6 Bold" panose="020B0703030302020204" pitchFamily="34" charset="-127"/>
+                <a:sym typeface="Wingdings 2" panose="05020102010507070707" pitchFamily="18" charset="2"/>
+              </a:rPr>
+              <a:t>갤럽 </a:t>
+            </a:r>
+            <a:r>
+              <a:rPr lang="ko-KR" altLang="en-US" sz="4000" dirty="0" err="1" smtClean="0">
+                <a:latin typeface="에스코어 드림 6 Bold" panose="020B0703030302020204" pitchFamily="34" charset="-127"/>
+                <a:ea typeface="에스코어 드림 6 Bold" panose="020B0703030302020204" pitchFamily="34" charset="-127"/>
+                <a:sym typeface="Wingdings 2" panose="05020102010507070707" pitchFamily="18" charset="2"/>
+              </a:rPr>
+              <a:t>싸이트</a:t>
+            </a:r>
+            <a:endParaRPr lang="ko-KR" altLang="en-US" sz="2400" dirty="0">
+              <a:latin typeface="에스코어 드림 6 Bold" panose="020B0703030302020204" pitchFamily="34" charset="-127"/>
+              <a:ea typeface="에스코어 드림 6 Bold" panose="020B0703030302020204" pitchFamily="34" charset="-127"/>
+            </a:endParaRPr>
+          </a:p>
+        </p:txBody>
+      </p:sp>
+      <p:pic>
+        <p:nvPicPr>
+          <p:cNvPr id="2" name="그림 1"/>
+          <p:cNvPicPr>
+            <a:picLocks noChangeAspect="1"/>
+          </p:cNvPicPr>
+          <p:nvPr/>
+        </p:nvPicPr>
+        <p:blipFill>
+          <a:blip r:embed="rId2"/>
+          <a:stretch>
+            <a:fillRect/>
+          </a:stretch>
+        </p:blipFill>
+        <p:spPr>
+          <a:xfrm>
+            <a:off x="478749" y="1219200"/>
+            <a:ext cx="9028108" cy="5195346"/>
+          </a:xfrm>
+          <a:prstGeom prst="rect">
+            <a:avLst/>
+          </a:prstGeom>
+        </p:spPr>
+      </p:pic>
+    </p:spTree>
+    <p:extLst>
+      <p:ext uri="{BB962C8B-B14F-4D97-AF65-F5344CB8AC3E}">
+        <p14:creationId xmlns:p14="http://schemas.microsoft.com/office/powerpoint/2010/main" val="953743652"/>
+      </p:ext>
+    </p:extLst>
+  </p:cSld>
+  <p:clrMapOvr>
+    <a:masterClrMapping/>
+  </p:clrMapOvr>
+  <p:timing>
+    <p:tnLst>
+      <p:par>
+        <p:cTn id="1" dur="indefinite" restart="never" nodeType="tmRoot"/>
+      </p:par>
+    </p:tnLst>
+  </p:timing>
+</p:sld>
+</file>
+
+<file path=ppt/slides/slide16.xml><?xml version="1.0" encoding="utf-8"?>
+<p:sld xmlns:a="http://schemas.openxmlformats.org/drawingml/2006/main" xmlns:r="http://schemas.openxmlformats.org/officeDocument/2006/relationships" xmlns:p="http://schemas.openxmlformats.org/presentationml/2006/main">
+  <p:cSld>
+    <p:bg>
+      <p:bgPr>
+        <a:solidFill>
+          <a:schemeClr val="bg1"/>
+        </a:solidFill>
+        <a:effectLst/>
+      </p:bgPr>
+    </p:bg>
+    <p:spTree>
+      <p:nvGrpSpPr>
+        <p:cNvPr id="1" name=""/>
+        <p:cNvGrpSpPr/>
+        <p:nvPr/>
+      </p:nvGrpSpPr>
+      <p:grpSpPr>
+        <a:xfrm>
+          <a:off x="0" y="0"/>
+          <a:ext cx="0" cy="0"/>
+          <a:chOff x="0" y="0"/>
+          <a:chExt cx="0" cy="0"/>
+        </a:xfrm>
+      </p:grpSpPr>
+      <p:sp>
+        <p:nvSpPr>
+          <p:cNvPr id="3" name="TextBox 2"/>
+          <p:cNvSpPr txBox="1"/>
+          <p:nvPr/>
+        </p:nvSpPr>
+        <p:spPr>
+          <a:xfrm>
+            <a:off x="215396" y="257020"/>
             <a:ext cx="7978466" cy="707886"/>
           </a:xfrm>
           <a:prstGeom prst="rect">
@@ -6682,7 +7175,7 @@
 </p:sld>
 </file>
 
-<file path=ppt/slides/slide16.xml><?xml version="1.0" encoding="utf-8"?>
+<file path=ppt/slides/slide17.xml><?xml version="1.0" encoding="utf-8"?>
 <p:sld xmlns:a="http://schemas.openxmlformats.org/drawingml/2006/main" xmlns:r="http://schemas.openxmlformats.org/officeDocument/2006/relationships" xmlns:p="http://schemas.openxmlformats.org/presentationml/2006/main">
   <p:cSld>
     <p:spTree>
@@ -6743,7 +7236,7 @@
 </p:sld>
 </file>
 
-<file path=ppt/slides/slide17.xml><?xml version="1.0" encoding="utf-8"?>
+<file path=ppt/slides/slide18.xml><?xml version="1.0" encoding="utf-8"?>
 <p:sld xmlns:a="http://schemas.openxmlformats.org/drawingml/2006/main" xmlns:r="http://schemas.openxmlformats.org/officeDocument/2006/relationships" xmlns:p="http://schemas.openxmlformats.org/presentationml/2006/main">
   <p:cSld>
     <p:spTree>
@@ -6832,7 +7325,852 @@
 </p:sld>
 </file>
 
-<file path=ppt/slides/slide18.xml><?xml version="1.0" encoding="utf-8"?>
+<file path=ppt/slides/slide19.xml><?xml version="1.0" encoding="utf-8"?>
+<p:sld xmlns:a="http://schemas.openxmlformats.org/drawingml/2006/main" xmlns:r="http://schemas.openxmlformats.org/officeDocument/2006/relationships" xmlns:p="http://schemas.openxmlformats.org/presentationml/2006/main">
+  <p:cSld>
+    <p:spTree>
+      <p:nvGrpSpPr>
+        <p:cNvPr id="1" name=""/>
+        <p:cNvGrpSpPr/>
+        <p:nvPr/>
+      </p:nvGrpSpPr>
+      <p:grpSpPr>
+        <a:xfrm>
+          <a:off x="0" y="0"/>
+          <a:ext cx="0" cy="0"/>
+          <a:chOff x="0" y="0"/>
+          <a:chExt cx="0" cy="0"/>
+        </a:xfrm>
+      </p:grpSpPr>
+      <p:sp>
+        <p:nvSpPr>
+          <p:cNvPr id="12" name="TextBox 11"/>
+          <p:cNvSpPr txBox="1"/>
+          <p:nvPr/>
+        </p:nvSpPr>
+        <p:spPr>
+          <a:xfrm>
+            <a:off x="1306286" y="2011434"/>
+            <a:ext cx="9260113" cy="2585323"/>
+          </a:xfrm>
+          <a:prstGeom prst="rect">
+            <a:avLst/>
+          </a:prstGeom>
+          <a:noFill/>
+        </p:spPr>
+        <p:txBody>
+          <a:bodyPr wrap="square" rtlCol="0">
+            <a:spAutoFit/>
+          </a:bodyPr>
+          <a:lstStyle/>
+          <a:p>
+            <a:pPr algn="ctr"/>
+            <a:r>
+              <a:rPr lang="ko-KR" altLang="en-US" sz="5400" dirty="0" smtClean="0">
+                <a:solidFill>
+                  <a:schemeClr val="bg1"/>
+                </a:solidFill>
+                <a:latin typeface="에스코어 드림 9 Black" panose="020B0A03030302020204" pitchFamily="34" charset="-127"/>
+                <a:ea typeface="에스코어 드림 9 Black" panose="020B0A03030302020204" pitchFamily="34" charset="-127"/>
+              </a:rPr>
+              <a:t>분석 </a:t>
+            </a:r>
+            <a:r>
+              <a:rPr lang="ko-KR" altLang="en-US" sz="5400" dirty="0" smtClean="0">
+                <a:solidFill>
+                  <a:schemeClr val="bg1"/>
+                </a:solidFill>
+                <a:latin typeface="에스코어 드림 9 Black" panose="020B0A03030302020204" pitchFamily="34" charset="-127"/>
+                <a:ea typeface="에스코어 드림 9 Black" panose="020B0A03030302020204" pitchFamily="34" charset="-127"/>
+              </a:rPr>
+              <a:t>기간</a:t>
+            </a:r>
+            <a:endParaRPr lang="en-US" altLang="ko-KR" sz="5400" dirty="0" smtClean="0">
+              <a:solidFill>
+                <a:schemeClr val="bg1"/>
+              </a:solidFill>
+              <a:latin typeface="에스코어 드림 9 Black" panose="020B0A03030302020204" pitchFamily="34" charset="-127"/>
+              <a:ea typeface="에스코어 드림 9 Black" panose="020B0A03030302020204" pitchFamily="34" charset="-127"/>
+            </a:endParaRPr>
+          </a:p>
+          <a:p>
+            <a:pPr algn="ctr"/>
+            <a:endParaRPr lang="en-US" altLang="ko-KR" sz="5400" dirty="0" smtClean="0">
+              <a:solidFill>
+                <a:schemeClr val="bg1"/>
+              </a:solidFill>
+              <a:latin typeface="에스코어 드림 9 Black" panose="020B0A03030302020204" pitchFamily="34" charset="-127"/>
+              <a:ea typeface="에스코어 드림 9 Black" panose="020B0A03030302020204" pitchFamily="34" charset="-127"/>
+            </a:endParaRPr>
+          </a:p>
+          <a:p>
+            <a:pPr algn="ctr"/>
+            <a:r>
+              <a:rPr lang="en-US" altLang="ko-KR" sz="5400" dirty="0" smtClean="0">
+                <a:solidFill>
+                  <a:schemeClr val="bg1"/>
+                </a:solidFill>
+                <a:latin typeface="에스코어 드림 9 Black" panose="020B0A03030302020204" pitchFamily="34" charset="-127"/>
+                <a:ea typeface="에스코어 드림 9 Black" panose="020B0A03030302020204" pitchFamily="34" charset="-127"/>
+              </a:rPr>
+              <a:t>2020-2022</a:t>
+            </a:r>
+            <a:endParaRPr lang="ko-KR" altLang="en-US" sz="3600" dirty="0">
+              <a:solidFill>
+                <a:schemeClr val="bg1"/>
+              </a:solidFill>
+              <a:latin typeface="에스코어 드림 9 Black" panose="020B0A03030302020204" pitchFamily="34" charset="-127"/>
+              <a:ea typeface="에스코어 드림 9 Black" panose="020B0A03030302020204" pitchFamily="34" charset="-127"/>
+            </a:endParaRPr>
+          </a:p>
+        </p:txBody>
+      </p:sp>
+    </p:spTree>
+    <p:extLst>
+      <p:ext uri="{BB962C8B-B14F-4D97-AF65-F5344CB8AC3E}">
+        <p14:creationId xmlns:p14="http://schemas.microsoft.com/office/powerpoint/2010/main" val="286905594"/>
+      </p:ext>
+    </p:extLst>
+  </p:cSld>
+  <p:clrMapOvr>
+    <a:masterClrMapping/>
+  </p:clrMapOvr>
+  <p:timing>
+    <p:tnLst>
+      <p:par>
+        <p:cTn id="1" dur="indefinite" restart="never" nodeType="tmRoot"/>
+      </p:par>
+    </p:tnLst>
+  </p:timing>
+</p:sld>
+</file>
+
+<file path=ppt/slides/slide2.xml><?xml version="1.0" encoding="utf-8"?>
+<p:sld xmlns:a="http://schemas.openxmlformats.org/drawingml/2006/main" xmlns:r="http://schemas.openxmlformats.org/officeDocument/2006/relationships" xmlns:p="http://schemas.openxmlformats.org/presentationml/2006/main">
+  <p:cSld>
+    <p:spTree>
+      <p:nvGrpSpPr>
+        <p:cNvPr id="1" name=""/>
+        <p:cNvGrpSpPr/>
+        <p:nvPr/>
+      </p:nvGrpSpPr>
+      <p:grpSpPr>
+        <a:xfrm>
+          <a:off x="0" y="0"/>
+          <a:ext cx="0" cy="0"/>
+          <a:chOff x="0" y="0"/>
+          <a:chExt cx="0" cy="0"/>
+        </a:xfrm>
+      </p:grpSpPr>
+      <p:sp>
+        <p:nvSpPr>
+          <p:cNvPr id="4" name="TextBox 3"/>
+          <p:cNvSpPr txBox="1"/>
+          <p:nvPr/>
+        </p:nvSpPr>
+        <p:spPr>
+          <a:xfrm>
+            <a:off x="6834954" y="237839"/>
+            <a:ext cx="5084597" cy="646331"/>
+          </a:xfrm>
+          <a:prstGeom prst="rect">
+            <a:avLst/>
+          </a:prstGeom>
+          <a:noFill/>
+          <a:ln>
+            <a:noFill/>
+          </a:ln>
+        </p:spPr>
+        <p:txBody>
+          <a:bodyPr wrap="none" rtlCol="0">
+            <a:spAutoFit/>
+          </a:bodyPr>
+          <a:lstStyle/>
+          <a:p>
+            <a:pPr algn="ctr"/>
+            <a:r>
+              <a:rPr lang="en-US" altLang="ko-KR" sz="3600" u="sng" dirty="0" smtClean="0">
+                <a:solidFill>
+                  <a:srgbClr val="FFFF00"/>
+                </a:solidFill>
+                <a:latin typeface="에스코어 드림 9 Black" panose="020B0A03030302020204" pitchFamily="34" charset="-127"/>
+                <a:ea typeface="에스코어 드림 9 Black" panose="020B0A03030302020204" pitchFamily="34" charset="-127"/>
+              </a:rPr>
+              <a:t>TABLE OF CONTENTS</a:t>
+            </a:r>
+            <a:endParaRPr lang="ko-KR" altLang="en-US" sz="2000" u="sng" dirty="0">
+              <a:solidFill>
+                <a:srgbClr val="FFFF00"/>
+              </a:solidFill>
+              <a:latin typeface="에스코어 드림 6 Bold" panose="020B0703030302020204" pitchFamily="34" charset="-127"/>
+              <a:ea typeface="에스코어 드림 6 Bold" panose="020B0703030302020204" pitchFamily="34" charset="-127"/>
+            </a:endParaRPr>
+          </a:p>
+        </p:txBody>
+      </p:sp>
+      <p:sp>
+        <p:nvSpPr>
+          <p:cNvPr id="10" name="직사각형 9"/>
+          <p:cNvSpPr/>
+          <p:nvPr/>
+        </p:nvSpPr>
+        <p:spPr>
+          <a:xfrm>
+            <a:off x="1097804" y="1733551"/>
+            <a:ext cx="744603" cy="721013"/>
+          </a:xfrm>
+          <a:prstGeom prst="rect">
+            <a:avLst/>
+          </a:prstGeom>
+          <a:solidFill>
+            <a:schemeClr val="accent4">
+              <a:lumMod val="40000"/>
+              <a:lumOff val="60000"/>
+            </a:schemeClr>
+          </a:solidFill>
+          <a:ln w="76200">
+            <a:noFill/>
+          </a:ln>
+        </p:spPr>
+        <p:style>
+          <a:lnRef idx="2">
+            <a:schemeClr val="accent1">
+              <a:shade val="50000"/>
+            </a:schemeClr>
+          </a:lnRef>
+          <a:fillRef idx="1">
+            <a:schemeClr val="accent1"/>
+          </a:fillRef>
+          <a:effectRef idx="0">
+            <a:schemeClr val="accent1"/>
+          </a:effectRef>
+          <a:fontRef idx="minor">
+            <a:schemeClr val="lt1"/>
+          </a:fontRef>
+        </p:style>
+        <p:txBody>
+          <a:bodyPr rtlCol="0" anchor="ctr"/>
+          <a:lstStyle/>
+          <a:p>
+            <a:pPr algn="ctr"/>
+            <a:r>
+              <a:rPr lang="en-US" altLang="ko-KR" sz="2800" dirty="0" smtClean="0">
+                <a:solidFill>
+                  <a:schemeClr val="tx1"/>
+                </a:solidFill>
+                <a:latin typeface="에스코어 드림 6 Bold" panose="020B0703030302020204" pitchFamily="34" charset="-127"/>
+                <a:ea typeface="에스코어 드림 6 Bold" panose="020B0703030302020204" pitchFamily="34" charset="-127"/>
+              </a:rPr>
+              <a:t>1</a:t>
+            </a:r>
+            <a:endParaRPr lang="ko-KR" altLang="en-US" sz="2800" dirty="0">
+              <a:solidFill>
+                <a:schemeClr val="tx1"/>
+              </a:solidFill>
+              <a:latin typeface="에스코어 드림 6 Bold" panose="020B0703030302020204" pitchFamily="34" charset="-127"/>
+              <a:ea typeface="에스코어 드림 6 Bold" panose="020B0703030302020204" pitchFamily="34" charset="-127"/>
+            </a:endParaRPr>
+          </a:p>
+        </p:txBody>
+      </p:sp>
+      <p:sp>
+        <p:nvSpPr>
+          <p:cNvPr id="12" name="TextBox 11"/>
+          <p:cNvSpPr txBox="1"/>
+          <p:nvPr/>
+        </p:nvSpPr>
+        <p:spPr>
+          <a:xfrm>
+            <a:off x="2186916" y="1808233"/>
+            <a:ext cx="2977097" cy="646331"/>
+          </a:xfrm>
+          <a:prstGeom prst="rect">
+            <a:avLst/>
+          </a:prstGeom>
+          <a:noFill/>
+        </p:spPr>
+        <p:txBody>
+          <a:bodyPr wrap="none" rtlCol="0">
+            <a:spAutoFit/>
+          </a:bodyPr>
+          <a:lstStyle/>
+          <a:p>
+            <a:r>
+              <a:rPr lang="ko-KR" altLang="en-US" sz="3600" dirty="0" smtClean="0">
+                <a:solidFill>
+                  <a:schemeClr val="bg1"/>
+                </a:solidFill>
+                <a:latin typeface="에스코어 드림 6 Bold" panose="020B0703030302020204" pitchFamily="34" charset="-127"/>
+                <a:ea typeface="에스코어 드림 6 Bold" panose="020B0703030302020204" pitchFamily="34" charset="-127"/>
+              </a:rPr>
+              <a:t>프로젝트 배경</a:t>
+            </a:r>
+            <a:endParaRPr lang="ko-KR" altLang="en-US" sz="2000" dirty="0">
+              <a:solidFill>
+                <a:schemeClr val="bg1"/>
+              </a:solidFill>
+              <a:latin typeface="에스코어 드림 6 Bold" panose="020B0703030302020204" pitchFamily="34" charset="-127"/>
+              <a:ea typeface="에스코어 드림 6 Bold" panose="020B0703030302020204" pitchFamily="34" charset="-127"/>
+            </a:endParaRPr>
+          </a:p>
+        </p:txBody>
+      </p:sp>
+      <p:sp>
+        <p:nvSpPr>
+          <p:cNvPr id="15" name="직사각형 14"/>
+          <p:cNvSpPr/>
+          <p:nvPr/>
+        </p:nvSpPr>
+        <p:spPr>
+          <a:xfrm>
+            <a:off x="1097804" y="3362325"/>
+            <a:ext cx="744603" cy="721013"/>
+          </a:xfrm>
+          <a:prstGeom prst="rect">
+            <a:avLst/>
+          </a:prstGeom>
+          <a:solidFill>
+            <a:schemeClr val="accent4">
+              <a:lumMod val="40000"/>
+              <a:lumOff val="60000"/>
+            </a:schemeClr>
+          </a:solidFill>
+          <a:ln w="76200">
+            <a:noFill/>
+          </a:ln>
+        </p:spPr>
+        <p:style>
+          <a:lnRef idx="2">
+            <a:schemeClr val="accent1">
+              <a:shade val="50000"/>
+            </a:schemeClr>
+          </a:lnRef>
+          <a:fillRef idx="1">
+            <a:schemeClr val="accent1"/>
+          </a:fillRef>
+          <a:effectRef idx="0">
+            <a:schemeClr val="accent1"/>
+          </a:effectRef>
+          <a:fontRef idx="minor">
+            <a:schemeClr val="lt1"/>
+          </a:fontRef>
+        </p:style>
+        <p:txBody>
+          <a:bodyPr rtlCol="0" anchor="ctr"/>
+          <a:lstStyle/>
+          <a:p>
+            <a:pPr algn="ctr"/>
+            <a:r>
+              <a:rPr lang="en-US" altLang="ko-KR" sz="2800" dirty="0" smtClean="0">
+                <a:solidFill>
+                  <a:schemeClr val="tx1"/>
+                </a:solidFill>
+                <a:latin typeface="에스코어 드림 6 Bold" panose="020B0703030302020204" pitchFamily="34" charset="-127"/>
+                <a:ea typeface="에스코어 드림 6 Bold" panose="020B0703030302020204" pitchFamily="34" charset="-127"/>
+              </a:rPr>
+              <a:t>2</a:t>
+            </a:r>
+            <a:endParaRPr lang="ko-KR" altLang="en-US" sz="2800" dirty="0">
+              <a:solidFill>
+                <a:schemeClr val="tx1"/>
+              </a:solidFill>
+              <a:latin typeface="에스코어 드림 6 Bold" panose="020B0703030302020204" pitchFamily="34" charset="-127"/>
+              <a:ea typeface="에스코어 드림 6 Bold" panose="020B0703030302020204" pitchFamily="34" charset="-127"/>
+            </a:endParaRPr>
+          </a:p>
+        </p:txBody>
+      </p:sp>
+      <p:sp>
+        <p:nvSpPr>
+          <p:cNvPr id="17" name="TextBox 16"/>
+          <p:cNvSpPr txBox="1"/>
+          <p:nvPr/>
+        </p:nvSpPr>
+        <p:spPr>
+          <a:xfrm>
+            <a:off x="2186915" y="3399665"/>
+            <a:ext cx="2534668" cy="646331"/>
+          </a:xfrm>
+          <a:prstGeom prst="rect">
+            <a:avLst/>
+          </a:prstGeom>
+          <a:noFill/>
+        </p:spPr>
+        <p:txBody>
+          <a:bodyPr wrap="none" rtlCol="0">
+            <a:spAutoFit/>
+          </a:bodyPr>
+          <a:lstStyle/>
+          <a:p>
+            <a:r>
+              <a:rPr lang="ko-KR" altLang="en-US" sz="3600" dirty="0" smtClean="0">
+                <a:solidFill>
+                  <a:schemeClr val="bg1"/>
+                </a:solidFill>
+                <a:latin typeface="에스코어 드림 6 Bold" panose="020B0703030302020204" pitchFamily="34" charset="-127"/>
+                <a:ea typeface="에스코어 드림 6 Bold" panose="020B0703030302020204" pitchFamily="34" charset="-127"/>
+              </a:rPr>
+              <a:t>데이터 소개</a:t>
+            </a:r>
+            <a:endParaRPr lang="ko-KR" altLang="en-US" sz="2000" dirty="0">
+              <a:solidFill>
+                <a:schemeClr val="bg1"/>
+              </a:solidFill>
+              <a:latin typeface="에스코어 드림 6 Bold" panose="020B0703030302020204" pitchFamily="34" charset="-127"/>
+              <a:ea typeface="에스코어 드림 6 Bold" panose="020B0703030302020204" pitchFamily="34" charset="-127"/>
+            </a:endParaRPr>
+          </a:p>
+        </p:txBody>
+      </p:sp>
+      <p:sp>
+        <p:nvSpPr>
+          <p:cNvPr id="18" name="직사각형 17"/>
+          <p:cNvSpPr/>
+          <p:nvPr/>
+        </p:nvSpPr>
+        <p:spPr>
+          <a:xfrm>
+            <a:off x="1097804" y="4953759"/>
+            <a:ext cx="744603" cy="721013"/>
+          </a:xfrm>
+          <a:prstGeom prst="rect">
+            <a:avLst/>
+          </a:prstGeom>
+          <a:solidFill>
+            <a:schemeClr val="accent4">
+              <a:lumMod val="40000"/>
+              <a:lumOff val="60000"/>
+            </a:schemeClr>
+          </a:solidFill>
+          <a:ln w="76200">
+            <a:noFill/>
+          </a:ln>
+        </p:spPr>
+        <p:style>
+          <a:lnRef idx="2">
+            <a:schemeClr val="accent1">
+              <a:shade val="50000"/>
+            </a:schemeClr>
+          </a:lnRef>
+          <a:fillRef idx="1">
+            <a:schemeClr val="accent1"/>
+          </a:fillRef>
+          <a:effectRef idx="0">
+            <a:schemeClr val="accent1"/>
+          </a:effectRef>
+          <a:fontRef idx="minor">
+            <a:schemeClr val="lt1"/>
+          </a:fontRef>
+        </p:style>
+        <p:txBody>
+          <a:bodyPr rtlCol="0" anchor="ctr"/>
+          <a:lstStyle/>
+          <a:p>
+            <a:pPr algn="ctr"/>
+            <a:r>
+              <a:rPr lang="en-US" altLang="ko-KR" sz="2800" dirty="0">
+                <a:solidFill>
+                  <a:schemeClr val="tx1"/>
+                </a:solidFill>
+                <a:latin typeface="에스코어 드림 6 Bold" panose="020B0703030302020204" pitchFamily="34" charset="-127"/>
+                <a:ea typeface="에스코어 드림 6 Bold" panose="020B0703030302020204" pitchFamily="34" charset="-127"/>
+              </a:rPr>
+              <a:t>3</a:t>
+            </a:r>
+            <a:endParaRPr lang="ko-KR" altLang="en-US" sz="2800" dirty="0">
+              <a:solidFill>
+                <a:schemeClr val="tx1"/>
+              </a:solidFill>
+              <a:latin typeface="에스코어 드림 6 Bold" panose="020B0703030302020204" pitchFamily="34" charset="-127"/>
+              <a:ea typeface="에스코어 드림 6 Bold" panose="020B0703030302020204" pitchFamily="34" charset="-127"/>
+            </a:endParaRPr>
+          </a:p>
+        </p:txBody>
+      </p:sp>
+      <p:sp>
+        <p:nvSpPr>
+          <p:cNvPr id="19" name="TextBox 18"/>
+          <p:cNvSpPr txBox="1"/>
+          <p:nvPr/>
+        </p:nvSpPr>
+        <p:spPr>
+          <a:xfrm>
+            <a:off x="2186915" y="4991099"/>
+            <a:ext cx="2090637" cy="646331"/>
+          </a:xfrm>
+          <a:prstGeom prst="rect">
+            <a:avLst/>
+          </a:prstGeom>
+          <a:noFill/>
+        </p:spPr>
+        <p:txBody>
+          <a:bodyPr wrap="none" rtlCol="0">
+            <a:spAutoFit/>
+          </a:bodyPr>
+          <a:lstStyle/>
+          <a:p>
+            <a:r>
+              <a:rPr lang="ko-KR" altLang="en-US" sz="3600" dirty="0" smtClean="0">
+                <a:solidFill>
+                  <a:schemeClr val="bg1"/>
+                </a:solidFill>
+                <a:latin typeface="에스코어 드림 6 Bold" panose="020B0703030302020204" pitchFamily="34" charset="-127"/>
+                <a:ea typeface="에스코어 드림 6 Bold" panose="020B0703030302020204" pitchFamily="34" charset="-127"/>
+              </a:rPr>
+              <a:t>분석 결과</a:t>
+            </a:r>
+            <a:endParaRPr lang="ko-KR" altLang="en-US" sz="2000" dirty="0">
+              <a:solidFill>
+                <a:schemeClr val="bg1"/>
+              </a:solidFill>
+              <a:latin typeface="에스코어 드림 6 Bold" panose="020B0703030302020204" pitchFamily="34" charset="-127"/>
+              <a:ea typeface="에스코어 드림 6 Bold" panose="020B0703030302020204" pitchFamily="34" charset="-127"/>
+            </a:endParaRPr>
+          </a:p>
+        </p:txBody>
+      </p:sp>
+      <p:sp>
+        <p:nvSpPr>
+          <p:cNvPr id="20" name="직사각형 19"/>
+          <p:cNvSpPr/>
+          <p:nvPr/>
+        </p:nvSpPr>
+        <p:spPr>
+          <a:xfrm>
+            <a:off x="6919846" y="1733551"/>
+            <a:ext cx="744603" cy="721013"/>
+          </a:xfrm>
+          <a:prstGeom prst="rect">
+            <a:avLst/>
+          </a:prstGeom>
+          <a:solidFill>
+            <a:schemeClr val="accent4">
+              <a:lumMod val="40000"/>
+              <a:lumOff val="60000"/>
+            </a:schemeClr>
+          </a:solidFill>
+          <a:ln w="76200">
+            <a:noFill/>
+          </a:ln>
+        </p:spPr>
+        <p:style>
+          <a:lnRef idx="2">
+            <a:schemeClr val="accent1">
+              <a:shade val="50000"/>
+            </a:schemeClr>
+          </a:lnRef>
+          <a:fillRef idx="1">
+            <a:schemeClr val="accent1"/>
+          </a:fillRef>
+          <a:effectRef idx="0">
+            <a:schemeClr val="accent1"/>
+          </a:effectRef>
+          <a:fontRef idx="minor">
+            <a:schemeClr val="lt1"/>
+          </a:fontRef>
+        </p:style>
+        <p:txBody>
+          <a:bodyPr rtlCol="0" anchor="ctr"/>
+          <a:lstStyle/>
+          <a:p>
+            <a:pPr algn="ctr"/>
+            <a:r>
+              <a:rPr lang="en-US" altLang="ko-KR" sz="2800" dirty="0">
+                <a:solidFill>
+                  <a:schemeClr val="tx1"/>
+                </a:solidFill>
+                <a:latin typeface="에스코어 드림 6 Bold" panose="020B0703030302020204" pitchFamily="34" charset="-127"/>
+                <a:ea typeface="에스코어 드림 6 Bold" panose="020B0703030302020204" pitchFamily="34" charset="-127"/>
+              </a:rPr>
+              <a:t>4</a:t>
+            </a:r>
+            <a:endParaRPr lang="ko-KR" altLang="en-US" sz="2800" dirty="0">
+              <a:solidFill>
+                <a:schemeClr val="tx1"/>
+              </a:solidFill>
+              <a:latin typeface="에스코어 드림 6 Bold" panose="020B0703030302020204" pitchFamily="34" charset="-127"/>
+              <a:ea typeface="에스코어 드림 6 Bold" panose="020B0703030302020204" pitchFamily="34" charset="-127"/>
+            </a:endParaRPr>
+          </a:p>
+        </p:txBody>
+      </p:sp>
+      <p:sp>
+        <p:nvSpPr>
+          <p:cNvPr id="21" name="TextBox 20"/>
+          <p:cNvSpPr txBox="1"/>
+          <p:nvPr/>
+        </p:nvSpPr>
+        <p:spPr>
+          <a:xfrm>
+            <a:off x="8008957" y="1770891"/>
+            <a:ext cx="2534668" cy="646331"/>
+          </a:xfrm>
+          <a:prstGeom prst="rect">
+            <a:avLst/>
+          </a:prstGeom>
+          <a:noFill/>
+        </p:spPr>
+        <p:txBody>
+          <a:bodyPr wrap="none" rtlCol="0">
+            <a:spAutoFit/>
+          </a:bodyPr>
+          <a:lstStyle/>
+          <a:p>
+            <a:r>
+              <a:rPr lang="ko-KR" altLang="en-US" sz="3600" smtClean="0">
+                <a:solidFill>
+                  <a:schemeClr val="bg1"/>
+                </a:solidFill>
+                <a:latin typeface="에스코어 드림 6 Bold" panose="020B0703030302020204" pitchFamily="34" charset="-127"/>
+                <a:ea typeface="에스코어 드림 6 Bold" panose="020B0703030302020204" pitchFamily="34" charset="-127"/>
+              </a:rPr>
+              <a:t>서비스 배포</a:t>
+            </a:r>
+            <a:endParaRPr lang="ko-KR" altLang="en-US" sz="2000" dirty="0">
+              <a:solidFill>
+                <a:schemeClr val="bg1"/>
+              </a:solidFill>
+              <a:latin typeface="에스코어 드림 6 Bold" panose="020B0703030302020204" pitchFamily="34" charset="-127"/>
+              <a:ea typeface="에스코어 드림 6 Bold" panose="020B0703030302020204" pitchFamily="34" charset="-127"/>
+            </a:endParaRPr>
+          </a:p>
+        </p:txBody>
+      </p:sp>
+      <p:sp>
+        <p:nvSpPr>
+          <p:cNvPr id="22" name="직사각형 21"/>
+          <p:cNvSpPr/>
+          <p:nvPr/>
+        </p:nvSpPr>
+        <p:spPr>
+          <a:xfrm>
+            <a:off x="6919846" y="3362325"/>
+            <a:ext cx="744603" cy="721013"/>
+          </a:xfrm>
+          <a:prstGeom prst="rect">
+            <a:avLst/>
+          </a:prstGeom>
+          <a:solidFill>
+            <a:schemeClr val="accent4">
+              <a:lumMod val="40000"/>
+              <a:lumOff val="60000"/>
+            </a:schemeClr>
+          </a:solidFill>
+          <a:ln w="76200">
+            <a:noFill/>
+          </a:ln>
+        </p:spPr>
+        <p:style>
+          <a:lnRef idx="2">
+            <a:schemeClr val="accent1">
+              <a:shade val="50000"/>
+            </a:schemeClr>
+          </a:lnRef>
+          <a:fillRef idx="1">
+            <a:schemeClr val="accent1"/>
+          </a:fillRef>
+          <a:effectRef idx="0">
+            <a:schemeClr val="accent1"/>
+          </a:effectRef>
+          <a:fontRef idx="minor">
+            <a:schemeClr val="lt1"/>
+          </a:fontRef>
+        </p:style>
+        <p:txBody>
+          <a:bodyPr rtlCol="0" anchor="ctr"/>
+          <a:lstStyle/>
+          <a:p>
+            <a:pPr algn="ctr"/>
+            <a:r>
+              <a:rPr lang="en-US" altLang="ko-KR" sz="2800" dirty="0" smtClean="0">
+                <a:solidFill>
+                  <a:schemeClr val="tx1"/>
+                </a:solidFill>
+                <a:latin typeface="에스코어 드림 6 Bold" panose="020B0703030302020204" pitchFamily="34" charset="-127"/>
+                <a:ea typeface="에스코어 드림 6 Bold" panose="020B0703030302020204" pitchFamily="34" charset="-127"/>
+              </a:rPr>
+              <a:t>5</a:t>
+            </a:r>
+            <a:endParaRPr lang="ko-KR" altLang="en-US" sz="2800" dirty="0">
+              <a:solidFill>
+                <a:schemeClr val="tx1"/>
+              </a:solidFill>
+              <a:latin typeface="에스코어 드림 6 Bold" panose="020B0703030302020204" pitchFamily="34" charset="-127"/>
+              <a:ea typeface="에스코어 드림 6 Bold" panose="020B0703030302020204" pitchFamily="34" charset="-127"/>
+            </a:endParaRPr>
+          </a:p>
+        </p:txBody>
+      </p:sp>
+      <p:sp>
+        <p:nvSpPr>
+          <p:cNvPr id="23" name="TextBox 22"/>
+          <p:cNvSpPr txBox="1"/>
+          <p:nvPr/>
+        </p:nvSpPr>
+        <p:spPr>
+          <a:xfrm>
+            <a:off x="8008957" y="3399665"/>
+            <a:ext cx="2977097" cy="646331"/>
+          </a:xfrm>
+          <a:prstGeom prst="rect">
+            <a:avLst/>
+          </a:prstGeom>
+          <a:noFill/>
+        </p:spPr>
+        <p:txBody>
+          <a:bodyPr wrap="none" rtlCol="0">
+            <a:spAutoFit/>
+          </a:bodyPr>
+          <a:lstStyle/>
+          <a:p>
+            <a:r>
+              <a:rPr lang="ko-KR" altLang="en-US" sz="3600" dirty="0" smtClean="0">
+                <a:solidFill>
+                  <a:schemeClr val="bg1"/>
+                </a:solidFill>
+                <a:latin typeface="에스코어 드림 6 Bold" panose="020B0703030302020204" pitchFamily="34" charset="-127"/>
+                <a:ea typeface="에스코어 드림 6 Bold" panose="020B0703030302020204" pitchFamily="34" charset="-127"/>
+              </a:rPr>
+              <a:t>프로젝트 결과</a:t>
+            </a:r>
+            <a:endParaRPr lang="ko-KR" altLang="en-US" sz="2000" dirty="0">
+              <a:solidFill>
+                <a:schemeClr val="bg1"/>
+              </a:solidFill>
+              <a:latin typeface="에스코어 드림 6 Bold" panose="020B0703030302020204" pitchFamily="34" charset="-127"/>
+              <a:ea typeface="에스코어 드림 6 Bold" panose="020B0703030302020204" pitchFamily="34" charset="-127"/>
+            </a:endParaRPr>
+          </a:p>
+        </p:txBody>
+      </p:sp>
+      <p:sp>
+        <p:nvSpPr>
+          <p:cNvPr id="24" name="직사각형 23"/>
+          <p:cNvSpPr/>
+          <p:nvPr/>
+        </p:nvSpPr>
+        <p:spPr>
+          <a:xfrm>
+            <a:off x="6919846" y="4916417"/>
+            <a:ext cx="744603" cy="721013"/>
+          </a:xfrm>
+          <a:prstGeom prst="rect">
+            <a:avLst/>
+          </a:prstGeom>
+          <a:solidFill>
+            <a:schemeClr val="accent4">
+              <a:lumMod val="40000"/>
+              <a:lumOff val="60000"/>
+            </a:schemeClr>
+          </a:solidFill>
+          <a:ln w="76200">
+            <a:noFill/>
+          </a:ln>
+        </p:spPr>
+        <p:style>
+          <a:lnRef idx="2">
+            <a:schemeClr val="accent1">
+              <a:shade val="50000"/>
+            </a:schemeClr>
+          </a:lnRef>
+          <a:fillRef idx="1">
+            <a:schemeClr val="accent1"/>
+          </a:fillRef>
+          <a:effectRef idx="0">
+            <a:schemeClr val="accent1"/>
+          </a:effectRef>
+          <a:fontRef idx="minor">
+            <a:schemeClr val="lt1"/>
+          </a:fontRef>
+        </p:style>
+        <p:txBody>
+          <a:bodyPr rtlCol="0" anchor="ctr"/>
+          <a:lstStyle/>
+          <a:p>
+            <a:pPr algn="ctr"/>
+            <a:r>
+              <a:rPr lang="en-US" altLang="ko-KR" sz="2800" dirty="0">
+                <a:solidFill>
+                  <a:schemeClr val="tx1"/>
+                </a:solidFill>
+                <a:latin typeface="에스코어 드림 6 Bold" panose="020B0703030302020204" pitchFamily="34" charset="-127"/>
+                <a:ea typeface="에스코어 드림 6 Bold" panose="020B0703030302020204" pitchFamily="34" charset="-127"/>
+              </a:rPr>
+              <a:t>6</a:t>
+            </a:r>
+            <a:endParaRPr lang="ko-KR" altLang="en-US" sz="2800" dirty="0">
+              <a:solidFill>
+                <a:schemeClr val="tx1"/>
+              </a:solidFill>
+              <a:latin typeface="에스코어 드림 6 Bold" panose="020B0703030302020204" pitchFamily="34" charset="-127"/>
+              <a:ea typeface="에스코어 드림 6 Bold" panose="020B0703030302020204" pitchFamily="34" charset="-127"/>
+            </a:endParaRPr>
+          </a:p>
+        </p:txBody>
+      </p:sp>
+      <p:sp>
+        <p:nvSpPr>
+          <p:cNvPr id="25" name="TextBox 24"/>
+          <p:cNvSpPr txBox="1"/>
+          <p:nvPr/>
+        </p:nvSpPr>
+        <p:spPr>
+          <a:xfrm>
+            <a:off x="8008957" y="4953757"/>
+            <a:ext cx="2977097" cy="646331"/>
+          </a:xfrm>
+          <a:prstGeom prst="rect">
+            <a:avLst/>
+          </a:prstGeom>
+          <a:noFill/>
+        </p:spPr>
+        <p:txBody>
+          <a:bodyPr wrap="none" rtlCol="0">
+            <a:spAutoFit/>
+          </a:bodyPr>
+          <a:lstStyle/>
+          <a:p>
+            <a:r>
+              <a:rPr lang="ko-KR" altLang="en-US" sz="3600" dirty="0" smtClean="0">
+                <a:solidFill>
+                  <a:schemeClr val="bg1"/>
+                </a:solidFill>
+                <a:latin typeface="에스코어 드림 6 Bold" panose="020B0703030302020204" pitchFamily="34" charset="-127"/>
+                <a:ea typeface="에스코어 드림 6 Bold" panose="020B0703030302020204" pitchFamily="34" charset="-127"/>
+              </a:rPr>
+              <a:t>프로젝트 한계</a:t>
+            </a:r>
+            <a:endParaRPr lang="ko-KR" altLang="en-US" sz="2000" dirty="0">
+              <a:solidFill>
+                <a:schemeClr val="bg1"/>
+              </a:solidFill>
+              <a:latin typeface="에스코어 드림 6 Bold" panose="020B0703030302020204" pitchFamily="34" charset="-127"/>
+              <a:ea typeface="에스코어 드림 6 Bold" panose="020B0703030302020204" pitchFamily="34" charset="-127"/>
+            </a:endParaRPr>
+          </a:p>
+        </p:txBody>
+      </p:sp>
+    </p:spTree>
+    <p:extLst>
+      <p:ext uri="{BB962C8B-B14F-4D97-AF65-F5344CB8AC3E}">
+        <p14:creationId xmlns:p14="http://schemas.microsoft.com/office/powerpoint/2010/main" val="1543809082"/>
+      </p:ext>
+    </p:extLst>
+  </p:cSld>
+  <p:clrMapOvr>
+    <a:masterClrMapping/>
+  </p:clrMapOvr>
+  <p:timing>
+    <p:tnLst>
+      <p:par>
+        <p:cTn id="1" dur="indefinite" restart="never" nodeType="tmRoot"/>
+      </p:par>
+    </p:tnLst>
+  </p:timing>
+</p:sld>
+</file>
+
+<file path=ppt/slides/slide20.xml><?xml version="1.0" encoding="utf-8"?>
 <p:sld xmlns:a="http://schemas.openxmlformats.org/drawingml/2006/main" xmlns:r="http://schemas.openxmlformats.org/officeDocument/2006/relationships" xmlns:p="http://schemas.openxmlformats.org/presentationml/2006/main">
   <p:cSld>
     <p:spTree>
@@ -7031,7 +8369,7 @@
 </p:sld>
 </file>
 
-<file path=ppt/slides/slide19.xml><?xml version="1.0" encoding="utf-8"?>
+<file path=ppt/slides/slide21.xml><?xml version="1.0" encoding="utf-8"?>
 <p:sld xmlns:a="http://schemas.openxmlformats.org/drawingml/2006/main" xmlns:r="http://schemas.openxmlformats.org/officeDocument/2006/relationships" xmlns:p="http://schemas.openxmlformats.org/presentationml/2006/main">
   <p:cSld>
     <p:spTree>
@@ -7249,7 +8587,7 @@
 </p:sld>
 </file>
 
-<file path=ppt/slides/slide2.xml><?xml version="1.0" encoding="utf-8"?>
+<file path=ppt/slides/slide22.xml><?xml version="1.0" encoding="utf-8"?>
 <p:sld xmlns:a="http://schemas.openxmlformats.org/drawingml/2006/main" xmlns:r="http://schemas.openxmlformats.org/officeDocument/2006/relationships" xmlns:p="http://schemas.openxmlformats.org/presentationml/2006/main">
   <p:cSld>
     <p:spTree>
@@ -7266,24 +8604,81 @@
           <a:chExt cx="0" cy="0"/>
         </a:xfrm>
       </p:grpSpPr>
+      <p:pic>
+        <p:nvPicPr>
+          <p:cNvPr id="3" name="그림 2"/>
+          <p:cNvPicPr>
+            <a:picLocks noChangeAspect="1"/>
+          </p:cNvPicPr>
+          <p:nvPr/>
+        </p:nvPicPr>
+        <p:blipFill>
+          <a:blip r:embed="rId2">
+            <a:extLst>
+              <a:ext uri="{28A0092B-C50C-407E-A947-70E740481C1C}">
+                <a14:useLocalDpi xmlns:a14="http://schemas.microsoft.com/office/drawing/2010/main" val="0"/>
+              </a:ext>
+            </a:extLst>
+          </a:blip>
+          <a:stretch>
+            <a:fillRect/>
+          </a:stretch>
+        </p:blipFill>
+        <p:spPr>
+          <a:xfrm>
+            <a:off x="6162805" y="3086632"/>
+            <a:ext cx="5842399" cy="3505438"/>
+          </a:xfrm>
+          <a:prstGeom prst="rect">
+            <a:avLst/>
+          </a:prstGeom>
+        </p:spPr>
+      </p:pic>
+      <p:pic>
+        <p:nvPicPr>
+          <p:cNvPr id="4" name="그림 3"/>
+          <p:cNvPicPr>
+            <a:picLocks noChangeAspect="1"/>
+          </p:cNvPicPr>
+          <p:nvPr/>
+        </p:nvPicPr>
+        <p:blipFill>
+          <a:blip r:embed="rId3">
+            <a:extLst>
+              <a:ext uri="{28A0092B-C50C-407E-A947-70E740481C1C}">
+                <a14:useLocalDpi xmlns:a14="http://schemas.microsoft.com/office/drawing/2010/main" val="0"/>
+              </a:ext>
+            </a:extLst>
+          </a:blip>
+          <a:stretch>
+            <a:fillRect/>
+          </a:stretch>
+        </p:blipFill>
+        <p:spPr>
+          <a:xfrm>
+            <a:off x="109353" y="3086632"/>
+            <a:ext cx="5842399" cy="3505438"/>
+          </a:xfrm>
+          <a:prstGeom prst="rect">
+            <a:avLst/>
+          </a:prstGeom>
+        </p:spPr>
+      </p:pic>
       <p:sp>
         <p:nvSpPr>
-          <p:cNvPr id="4" name="TextBox 3"/>
+          <p:cNvPr id="7" name="TextBox 6"/>
           <p:cNvSpPr txBox="1"/>
           <p:nvPr/>
         </p:nvSpPr>
         <p:spPr>
           <a:xfrm>
-            <a:off x="6834954" y="237839"/>
-            <a:ext cx="5084597" cy="646331"/>
+            <a:off x="524037" y="454771"/>
+            <a:ext cx="11144397" cy="1754326"/>
           </a:xfrm>
           <a:prstGeom prst="rect">
             <a:avLst/>
           </a:prstGeom>
           <a:noFill/>
-          <a:ln>
-            <a:noFill/>
-          </a:ln>
         </p:spPr>
         <p:txBody>
           <a:bodyPr wrap="none" rtlCol="0">
@@ -7293,47 +8688,194 @@
           <a:p>
             <a:pPr algn="ctr"/>
             <a:r>
-              <a:rPr lang="en-US" altLang="ko-KR" sz="3600" u="sng" dirty="0" smtClean="0">
-                <a:solidFill>
-                  <a:srgbClr val="FFFF00"/>
-                </a:solidFill>
-                <a:latin typeface="에스코어 드림 9 Black" panose="020B0A03030302020204" pitchFamily="34" charset="-127"/>
-                <a:ea typeface="에스코어 드림 9 Black" panose="020B0A03030302020204" pitchFamily="34" charset="-127"/>
-              </a:rPr>
-              <a:t>TABLE OF CONTENTS</a:t>
-            </a:r>
-            <a:endParaRPr lang="ko-KR" altLang="en-US" sz="2000" u="sng" dirty="0">
+              <a:rPr lang="ko-KR" altLang="en-US" sz="3600" dirty="0" smtClean="0">
+                <a:solidFill>
+                  <a:schemeClr val="bg1"/>
+                </a:solidFill>
+                <a:latin typeface="에스코어 드림 6 Bold" panose="020B0703030302020204" pitchFamily="34" charset="-127"/>
+                <a:ea typeface="에스코어 드림 6 Bold" panose="020B0703030302020204" pitchFamily="34" charset="-127"/>
+              </a:rPr>
+              <a:t>전반적으로는 </a:t>
+            </a:r>
+            <a:r>
+              <a:rPr lang="ko-KR" altLang="en-US" sz="3600" dirty="0" err="1" smtClean="0">
+                <a:solidFill>
+                  <a:schemeClr val="bg1"/>
+                </a:solidFill>
+                <a:latin typeface="에스코어 드림 6 Bold" panose="020B0703030302020204" pitchFamily="34" charset="-127"/>
+                <a:ea typeface="에스코어 드림 6 Bold" panose="020B0703030302020204" pitchFamily="34" charset="-127"/>
+              </a:rPr>
+              <a:t>국민의힘</a:t>
+            </a:r>
+            <a:r>
+              <a:rPr lang="en-US" altLang="ko-KR" sz="3600" dirty="0" smtClean="0">
+                <a:solidFill>
+                  <a:schemeClr val="bg1"/>
+                </a:solidFill>
+                <a:latin typeface="에스코어 드림 6 Bold" panose="020B0703030302020204" pitchFamily="34" charset="-127"/>
+                <a:ea typeface="에스코어 드림 6 Bold" panose="020B0703030302020204" pitchFamily="34" charset="-127"/>
+              </a:rPr>
+              <a:t> </a:t>
+            </a:r>
+            <a:r>
+              <a:rPr lang="ko-KR" altLang="en-US" sz="3600" dirty="0" err="1" smtClean="0">
+                <a:solidFill>
+                  <a:schemeClr val="bg1"/>
+                </a:solidFill>
+                <a:latin typeface="에스코어 드림 6 Bold" panose="020B0703030302020204" pitchFamily="34" charset="-127"/>
+                <a:ea typeface="에스코어 드림 6 Bold" panose="020B0703030302020204" pitchFamily="34" charset="-127"/>
+              </a:rPr>
+              <a:t>대약진</a:t>
+            </a:r>
+            <a:r>
+              <a:rPr lang="en-US" altLang="ko-KR" sz="3600" dirty="0" smtClean="0">
+                <a:solidFill>
+                  <a:schemeClr val="bg1"/>
+                </a:solidFill>
+                <a:latin typeface="에스코어 드림 6 Bold" panose="020B0703030302020204" pitchFamily="34" charset="-127"/>
+                <a:ea typeface="에스코어 드림 6 Bold" panose="020B0703030302020204" pitchFamily="34" charset="-127"/>
+              </a:rPr>
+              <a:t>, </a:t>
+            </a:r>
+            <a:r>
+              <a:rPr lang="ko-KR" altLang="en-US" sz="3600" dirty="0" err="1" smtClean="0">
+                <a:solidFill>
+                  <a:schemeClr val="bg1"/>
+                </a:solidFill>
+                <a:latin typeface="에스코어 드림 6 Bold" panose="020B0703030302020204" pitchFamily="34" charset="-127"/>
+                <a:ea typeface="에스코어 드림 6 Bold" panose="020B0703030302020204" pitchFamily="34" charset="-127"/>
+              </a:rPr>
+              <a:t>더불어민주당</a:t>
+            </a:r>
+            <a:r>
+              <a:rPr lang="ko-KR" altLang="en-US" sz="3600" dirty="0" smtClean="0">
+                <a:solidFill>
+                  <a:schemeClr val="bg1"/>
+                </a:solidFill>
+                <a:latin typeface="에스코어 드림 6 Bold" panose="020B0703030302020204" pitchFamily="34" charset="-127"/>
+                <a:ea typeface="에스코어 드림 6 Bold" panose="020B0703030302020204" pitchFamily="34" charset="-127"/>
+              </a:rPr>
+              <a:t> 약세</a:t>
+            </a:r>
+            <a:endParaRPr lang="en-US" altLang="ko-KR" sz="3600" dirty="0" smtClean="0">
               <a:solidFill>
-                <a:srgbClr val="FFFF00"/>
+                <a:schemeClr val="bg1"/>
               </a:solidFill>
               <a:latin typeface="에스코어 드림 6 Bold" panose="020B0703030302020204" pitchFamily="34" charset="-127"/>
               <a:ea typeface="에스코어 드림 6 Bold" panose="020B0703030302020204" pitchFamily="34" charset="-127"/>
             </a:endParaRPr>
           </a:p>
+          <a:p>
+            <a:pPr algn="ctr"/>
+            <a:endParaRPr lang="en-US" altLang="ko-KR" sz="3600" dirty="0" smtClean="0">
+              <a:solidFill>
+                <a:schemeClr val="bg1"/>
+              </a:solidFill>
+              <a:latin typeface="에스코어 드림 6 Bold" panose="020B0703030302020204" pitchFamily="34" charset="-127"/>
+              <a:ea typeface="에스코어 드림 6 Bold" panose="020B0703030302020204" pitchFamily="34" charset="-127"/>
+            </a:endParaRPr>
+          </a:p>
+          <a:p>
+            <a:pPr algn="ctr"/>
+            <a:r>
+              <a:rPr lang="en-US" altLang="ko-KR" sz="3600" dirty="0" smtClean="0">
+                <a:solidFill>
+                  <a:schemeClr val="bg1"/>
+                </a:solidFill>
+                <a:latin typeface="에스코어 드림 6 Bold" panose="020B0703030302020204" pitchFamily="34" charset="-127"/>
+                <a:ea typeface="에스코어 드림 6 Bold" panose="020B0703030302020204" pitchFamily="34" charset="-127"/>
+              </a:rPr>
+              <a:t>&lt;</a:t>
+            </a:r>
+            <a:r>
+              <a:rPr lang="ko-KR" altLang="en-US" sz="3600" dirty="0" smtClean="0">
+                <a:solidFill>
+                  <a:schemeClr val="bg1"/>
+                </a:solidFill>
+                <a:latin typeface="에스코어 드림 6 Bold" panose="020B0703030302020204" pitchFamily="34" charset="-127"/>
+                <a:ea typeface="에스코어 드림 6 Bold" panose="020B0703030302020204" pitchFamily="34" charset="-127"/>
+              </a:rPr>
+              <a:t>남자의 지지율 변동이 </a:t>
+            </a:r>
+            <a:r>
+              <a:rPr lang="en-US" altLang="ko-KR" sz="3600" dirty="0" smtClean="0">
+                <a:solidFill>
+                  <a:schemeClr val="bg1"/>
+                </a:solidFill>
+                <a:latin typeface="에스코어 드림 6 Bold" panose="020B0703030302020204" pitchFamily="34" charset="-127"/>
+                <a:ea typeface="에스코어 드림 6 Bold" panose="020B0703030302020204" pitchFamily="34" charset="-127"/>
+              </a:rPr>
+              <a:t>2021</a:t>
+            </a:r>
+            <a:r>
+              <a:rPr lang="ko-KR" altLang="en-US" sz="3600" dirty="0" smtClean="0">
+                <a:solidFill>
+                  <a:schemeClr val="bg1"/>
+                </a:solidFill>
+                <a:latin typeface="에스코어 드림 6 Bold" panose="020B0703030302020204" pitchFamily="34" charset="-127"/>
+                <a:ea typeface="에스코어 드림 6 Bold" panose="020B0703030302020204" pitchFamily="34" charset="-127"/>
+              </a:rPr>
+              <a:t>년 </a:t>
+            </a:r>
+            <a:r>
+              <a:rPr lang="en-US" altLang="ko-KR" sz="3600" dirty="0" smtClean="0">
+                <a:solidFill>
+                  <a:schemeClr val="bg1"/>
+                </a:solidFill>
+                <a:latin typeface="에스코어 드림 6 Bold" panose="020B0703030302020204" pitchFamily="34" charset="-127"/>
+                <a:ea typeface="에스코어 드림 6 Bold" panose="020B0703030302020204" pitchFamily="34" charset="-127"/>
+              </a:rPr>
+              <a:t>1-3</a:t>
+            </a:r>
+            <a:r>
+              <a:rPr lang="ko-KR" altLang="en-US" sz="3600" dirty="0" smtClean="0">
+                <a:solidFill>
+                  <a:schemeClr val="bg1"/>
+                </a:solidFill>
+                <a:latin typeface="에스코어 드림 6 Bold" panose="020B0703030302020204" pitchFamily="34" charset="-127"/>
+                <a:ea typeface="에스코어 드림 6 Bold" panose="020B0703030302020204" pitchFamily="34" charset="-127"/>
+              </a:rPr>
+              <a:t>월 기준 매우 컸음</a:t>
+            </a:r>
+            <a:r>
+              <a:rPr lang="en-US" altLang="ko-KR" sz="3600" dirty="0" smtClean="0">
+                <a:solidFill>
+                  <a:schemeClr val="bg1"/>
+                </a:solidFill>
+                <a:latin typeface="에스코어 드림 6 Bold" panose="020B0703030302020204" pitchFamily="34" charset="-127"/>
+                <a:ea typeface="에스코어 드림 6 Bold" panose="020B0703030302020204" pitchFamily="34" charset="-127"/>
+              </a:rPr>
+              <a:t>&gt;</a:t>
+            </a:r>
+            <a:endParaRPr lang="ko-KR" altLang="en-US" sz="3600" dirty="0">
+              <a:solidFill>
+                <a:schemeClr val="bg1"/>
+              </a:solidFill>
+              <a:latin typeface="에스코어 드림 6 Bold" panose="020B0703030302020204" pitchFamily="34" charset="-127"/>
+              <a:ea typeface="에스코어 드림 6 Bold" panose="020B0703030302020204" pitchFamily="34" charset="-127"/>
+            </a:endParaRPr>
+          </a:p>
         </p:txBody>
       </p:sp>
       <p:sp>
         <p:nvSpPr>
-          <p:cNvPr id="10" name="직사각형 9"/>
+          <p:cNvPr id="8" name="타원 7"/>
           <p:cNvSpPr/>
           <p:nvPr/>
         </p:nvSpPr>
         <p:spPr>
           <a:xfrm>
-            <a:off x="1097804" y="1733551"/>
-            <a:ext cx="744603" cy="721013"/>
+            <a:off x="8855703" y="4151086"/>
+            <a:ext cx="556808" cy="483544"/>
           </a:xfrm>
-          <a:prstGeom prst="rect">
+          <a:prstGeom prst="ellipse">
             <a:avLst/>
           </a:prstGeom>
-          <a:solidFill>
-            <a:schemeClr val="accent4">
-              <a:lumMod val="40000"/>
-              <a:lumOff val="60000"/>
-            </a:schemeClr>
-          </a:solidFill>
-          <a:ln w="76200">
-            <a:noFill/>
+          <a:noFill/>
+          <a:ln w="57150">
+            <a:solidFill>
+              <a:srgbClr val="FF0000"/>
+            </a:solidFill>
           </a:ln>
         </p:spPr>
         <p:style>
@@ -7357,36 +8899,57 @@
           <a:lstStyle/>
           <a:p>
             <a:pPr algn="ctr"/>
-            <a:r>
-              <a:rPr lang="en-US" altLang="ko-KR" sz="2800" dirty="0" smtClean="0">
-                <a:solidFill>
-                  <a:schemeClr val="tx1"/>
-                </a:solidFill>
-                <a:latin typeface="에스코어 드림 6 Bold" panose="020B0703030302020204" pitchFamily="34" charset="-127"/>
-                <a:ea typeface="에스코어 드림 6 Bold" panose="020B0703030302020204" pitchFamily="34" charset="-127"/>
-              </a:rPr>
-              <a:t>1</a:t>
-            </a:r>
-            <a:endParaRPr lang="ko-KR" altLang="en-US" sz="2800" dirty="0">
-              <a:solidFill>
-                <a:schemeClr val="tx1"/>
-              </a:solidFill>
-              <a:latin typeface="에스코어 드림 6 Bold" panose="020B0703030302020204" pitchFamily="34" charset="-127"/>
-              <a:ea typeface="에스코어 드림 6 Bold" panose="020B0703030302020204" pitchFamily="34" charset="-127"/>
-            </a:endParaRPr>
+            <a:endParaRPr lang="ko-KR" altLang="en-US"/>
           </a:p>
         </p:txBody>
       </p:sp>
+    </p:spTree>
+    <p:extLst>
+      <p:ext uri="{BB962C8B-B14F-4D97-AF65-F5344CB8AC3E}">
+        <p14:creationId xmlns:p14="http://schemas.microsoft.com/office/powerpoint/2010/main" val="228739676"/>
+      </p:ext>
+    </p:extLst>
+  </p:cSld>
+  <p:clrMapOvr>
+    <a:masterClrMapping/>
+  </p:clrMapOvr>
+  <p:timing>
+    <p:tnLst>
+      <p:par>
+        <p:cTn id="1" dur="indefinite" restart="never" nodeType="tmRoot"/>
+      </p:par>
+    </p:tnLst>
+  </p:timing>
+</p:sld>
+</file>
+
+<file path=ppt/slides/slide23.xml><?xml version="1.0" encoding="utf-8"?>
+<p:sld xmlns:a="http://schemas.openxmlformats.org/drawingml/2006/main" xmlns:r="http://schemas.openxmlformats.org/officeDocument/2006/relationships" xmlns:p="http://schemas.openxmlformats.org/presentationml/2006/main">
+  <p:cSld>
+    <p:spTree>
+      <p:nvGrpSpPr>
+        <p:cNvPr id="1" name=""/>
+        <p:cNvGrpSpPr/>
+        <p:nvPr/>
+      </p:nvGrpSpPr>
+      <p:grpSpPr>
+        <a:xfrm>
+          <a:off x="0" y="0"/>
+          <a:ext cx="0" cy="0"/>
+          <a:chOff x="0" y="0"/>
+          <a:chExt cx="0" cy="0"/>
+        </a:xfrm>
+      </p:grpSpPr>
       <p:sp>
         <p:nvSpPr>
-          <p:cNvPr id="12" name="TextBox 11"/>
+          <p:cNvPr id="6" name="TextBox 5"/>
           <p:cNvSpPr txBox="1"/>
           <p:nvPr/>
         </p:nvSpPr>
         <p:spPr>
           <a:xfrm>
-            <a:off x="2186916" y="1808233"/>
-            <a:ext cx="2977097" cy="646331"/>
+            <a:off x="556762" y="1179353"/>
+            <a:ext cx="10812575" cy="4247317"/>
           </a:xfrm>
           <a:prstGeom prst="rect">
             <a:avLst/>
@@ -7400,16 +8963,179 @@
           <a:lstStyle/>
           <a:p>
             <a:r>
-              <a:rPr lang="ko-KR" altLang="en-US" sz="3600" dirty="0" smtClean="0">
-                <a:solidFill>
-                  <a:schemeClr val="bg1"/>
-                </a:solidFill>
-                <a:latin typeface="에스코어 드림 6 Bold" panose="020B0703030302020204" pitchFamily="34" charset="-127"/>
-                <a:ea typeface="에스코어 드림 6 Bold" panose="020B0703030302020204" pitchFamily="34" charset="-127"/>
-              </a:rPr>
-              <a:t>프로젝트 배경</a:t>
-            </a:r>
-            <a:endParaRPr lang="ko-KR" altLang="en-US" sz="2000" dirty="0">
+              <a:rPr lang="ko-KR" altLang="en-US" sz="5400" b="1" dirty="0" smtClean="0">
+                <a:solidFill>
+                  <a:schemeClr val="bg1"/>
+                </a:solidFill>
+                <a:latin typeface="에스코어 드림 6 Bold" panose="020B0703030302020204" pitchFamily="34" charset="-127"/>
+                <a:ea typeface="에스코어 드림 6 Bold" panose="020B0703030302020204" pitchFamily="34" charset="-127"/>
+                <a:sym typeface="Wingdings 2" panose="05020102010507070707" pitchFamily="18" charset="2"/>
+              </a:rPr>
+              <a:t> </a:t>
+            </a:r>
+            <a:r>
+              <a:rPr lang="en-US" altLang="ko-KR" sz="5400" b="1" dirty="0" smtClean="0">
+                <a:solidFill>
+                  <a:schemeClr val="bg1"/>
+                </a:solidFill>
+                <a:latin typeface="에스코어 드림 6 Bold" panose="020B0703030302020204" pitchFamily="34" charset="-127"/>
+                <a:ea typeface="에스코어 드림 6 Bold" panose="020B0703030302020204" pitchFamily="34" charset="-127"/>
+                <a:sym typeface="Wingdings 2" panose="05020102010507070707" pitchFamily="18" charset="2"/>
+              </a:rPr>
+              <a:t>2020</a:t>
+            </a:r>
+            <a:r>
+              <a:rPr lang="ko-KR" altLang="en-US" sz="5400" b="1" dirty="0" smtClean="0">
+                <a:solidFill>
+                  <a:schemeClr val="bg1"/>
+                </a:solidFill>
+                <a:latin typeface="에스코어 드림 6 Bold" panose="020B0703030302020204" pitchFamily="34" charset="-127"/>
+                <a:ea typeface="에스코어 드림 6 Bold" panose="020B0703030302020204" pitchFamily="34" charset="-127"/>
+                <a:sym typeface="Wingdings 2" panose="05020102010507070707" pitchFamily="18" charset="2"/>
+              </a:rPr>
+              <a:t>년 말 코로나 대 유행</a:t>
+            </a:r>
+            <a:endParaRPr lang="en-US" altLang="ko-KR" sz="5400" b="1" dirty="0" smtClean="0">
+              <a:solidFill>
+                <a:schemeClr val="bg1"/>
+              </a:solidFill>
+              <a:latin typeface="에스코어 드림 6 Bold" panose="020B0703030302020204" pitchFamily="34" charset="-127"/>
+              <a:ea typeface="에스코어 드림 6 Bold" panose="020B0703030302020204" pitchFamily="34" charset="-127"/>
+              <a:sym typeface="Wingdings 2" panose="05020102010507070707" pitchFamily="18" charset="2"/>
+            </a:endParaRPr>
+          </a:p>
+          <a:p>
+            <a:endParaRPr lang="en-US" altLang="ko-KR" sz="5400" b="1" dirty="0" smtClean="0">
+              <a:solidFill>
+                <a:schemeClr val="bg1"/>
+              </a:solidFill>
+              <a:latin typeface="에스코어 드림 6 Bold" panose="020B0703030302020204" pitchFamily="34" charset="-127"/>
+              <a:ea typeface="에스코어 드림 6 Bold" panose="020B0703030302020204" pitchFamily="34" charset="-127"/>
+              <a:sym typeface="Wingdings 2" panose="05020102010507070707" pitchFamily="18" charset="2"/>
+            </a:endParaRPr>
+          </a:p>
+          <a:p>
+            <a:r>
+              <a:rPr lang="ko-KR" altLang="ko-KR" sz="5400" b="1" dirty="0" smtClean="0">
+                <a:solidFill>
+                  <a:schemeClr val="bg1"/>
+                </a:solidFill>
+                <a:latin typeface="에스코어 드림 6 Bold" panose="020B0703030302020204" pitchFamily="34" charset="-127"/>
+                <a:ea typeface="에스코어 드림 6 Bold" panose="020B0703030302020204" pitchFamily="34" charset="-127"/>
+                <a:sym typeface="Wingdings 2" panose="05020102010507070707" pitchFamily="18" charset="2"/>
+              </a:rPr>
+              <a:t></a:t>
+            </a:r>
+            <a:r>
+              <a:rPr lang="ko-KR" altLang="en-US" sz="5400" b="1" dirty="0" smtClean="0">
+                <a:solidFill>
+                  <a:schemeClr val="bg1"/>
+                </a:solidFill>
+                <a:latin typeface="에스코어 드림 6 Bold" panose="020B0703030302020204" pitchFamily="34" charset="-127"/>
+                <a:ea typeface="에스코어 드림 6 Bold" panose="020B0703030302020204" pitchFamily="34" charset="-127"/>
+                <a:sym typeface="Wingdings 2" panose="05020102010507070707" pitchFamily="18" charset="2"/>
+              </a:rPr>
+              <a:t> </a:t>
+            </a:r>
+            <a:r>
+              <a:rPr lang="en-US" altLang="ko-KR" sz="5400" b="1" dirty="0" smtClean="0">
+                <a:solidFill>
+                  <a:schemeClr val="bg1"/>
+                </a:solidFill>
+                <a:latin typeface="에스코어 드림 6 Bold" panose="020B0703030302020204" pitchFamily="34" charset="-127"/>
+                <a:ea typeface="에스코어 드림 6 Bold" panose="020B0703030302020204" pitchFamily="34" charset="-127"/>
+                <a:sym typeface="Wingdings 2" panose="05020102010507070707" pitchFamily="18" charset="2"/>
+              </a:rPr>
+              <a:t>2021</a:t>
+            </a:r>
+            <a:r>
+              <a:rPr lang="ko-KR" altLang="en-US" sz="5400" b="1" dirty="0" smtClean="0">
+                <a:solidFill>
+                  <a:schemeClr val="bg1"/>
+                </a:solidFill>
+                <a:latin typeface="에스코어 드림 6 Bold" panose="020B0703030302020204" pitchFamily="34" charset="-127"/>
+                <a:ea typeface="에스코어 드림 6 Bold" panose="020B0703030302020204" pitchFamily="34" charset="-127"/>
+                <a:sym typeface="Wingdings 2" panose="05020102010507070707" pitchFamily="18" charset="2"/>
+              </a:rPr>
+              <a:t>년 </a:t>
+            </a:r>
+            <a:r>
+              <a:rPr lang="en-US" altLang="ko-KR" sz="5400" b="1" dirty="0" smtClean="0">
+                <a:solidFill>
+                  <a:schemeClr val="bg1"/>
+                </a:solidFill>
+                <a:latin typeface="에스코어 드림 6 Bold" panose="020B0703030302020204" pitchFamily="34" charset="-127"/>
+                <a:ea typeface="에스코어 드림 6 Bold" panose="020B0703030302020204" pitchFamily="34" charset="-127"/>
+                <a:sym typeface="Wingdings 2" panose="05020102010507070707" pitchFamily="18" charset="2"/>
+              </a:rPr>
+              <a:t>3</a:t>
+            </a:r>
+            <a:r>
+              <a:rPr lang="ko-KR" altLang="en-US" sz="5400" b="1" dirty="0" smtClean="0">
+                <a:solidFill>
+                  <a:schemeClr val="bg1"/>
+                </a:solidFill>
+                <a:latin typeface="에스코어 드림 6 Bold" panose="020B0703030302020204" pitchFamily="34" charset="-127"/>
+                <a:ea typeface="에스코어 드림 6 Bold" panose="020B0703030302020204" pitchFamily="34" charset="-127"/>
+                <a:sym typeface="Wingdings 2" panose="05020102010507070707" pitchFamily="18" charset="2"/>
+              </a:rPr>
+              <a:t>월 </a:t>
+            </a:r>
+            <a:r>
+              <a:rPr lang="en-US" altLang="ko-KR" sz="5400" b="1" dirty="0" smtClean="0">
+                <a:solidFill>
+                  <a:schemeClr val="bg1"/>
+                </a:solidFill>
+                <a:latin typeface="에스코어 드림 6 Bold" panose="020B0703030302020204" pitchFamily="34" charset="-127"/>
+                <a:ea typeface="에스코어 드림 6 Bold" panose="020B0703030302020204" pitchFamily="34" charset="-127"/>
+                <a:sym typeface="Wingdings 2" panose="05020102010507070707" pitchFamily="18" charset="2"/>
+              </a:rPr>
+              <a:t>2</a:t>
+            </a:r>
+            <a:r>
+              <a:rPr lang="ko-KR" altLang="en-US" sz="5400" b="1" dirty="0" smtClean="0">
+                <a:solidFill>
+                  <a:schemeClr val="bg1"/>
+                </a:solidFill>
+                <a:latin typeface="에스코어 드림 6 Bold" panose="020B0703030302020204" pitchFamily="34" charset="-127"/>
+                <a:ea typeface="에스코어 드림 6 Bold" panose="020B0703030302020204" pitchFamily="34" charset="-127"/>
+                <a:sym typeface="Wingdings 2" panose="05020102010507070707" pitchFamily="18" charset="2"/>
+              </a:rPr>
+              <a:t>일 </a:t>
+            </a:r>
+            <a:r>
+              <a:rPr lang="en-US" altLang="ko-KR" sz="5400" b="1" dirty="0" smtClean="0">
+                <a:solidFill>
+                  <a:schemeClr val="bg1"/>
+                </a:solidFill>
+                <a:latin typeface="에스코어 드림 6 Bold" panose="020B0703030302020204" pitchFamily="34" charset="-127"/>
+                <a:ea typeface="에스코어 드림 6 Bold" panose="020B0703030302020204" pitchFamily="34" charset="-127"/>
+                <a:sym typeface="Wingdings 2" panose="05020102010507070707" pitchFamily="18" charset="2"/>
+              </a:rPr>
+              <a:t>LH </a:t>
+            </a:r>
+            <a:r>
+              <a:rPr lang="ko-KR" altLang="en-US" sz="5400" b="1" dirty="0" smtClean="0">
+                <a:solidFill>
+                  <a:schemeClr val="bg1"/>
+                </a:solidFill>
+                <a:latin typeface="에스코어 드림 6 Bold" panose="020B0703030302020204" pitchFamily="34" charset="-127"/>
+                <a:ea typeface="에스코어 드림 6 Bold" panose="020B0703030302020204" pitchFamily="34" charset="-127"/>
+                <a:sym typeface="Wingdings 2" panose="05020102010507070707" pitchFamily="18" charset="2"/>
+              </a:rPr>
+              <a:t>직원의 투기</a:t>
+            </a:r>
+            <a:endParaRPr lang="en-US" altLang="ko-KR" sz="5400" b="1" dirty="0" smtClean="0">
+              <a:solidFill>
+                <a:schemeClr val="bg1"/>
+              </a:solidFill>
+              <a:latin typeface="에스코어 드림 6 Bold" panose="020B0703030302020204" pitchFamily="34" charset="-127"/>
+              <a:ea typeface="에스코어 드림 6 Bold" panose="020B0703030302020204" pitchFamily="34" charset="-127"/>
+              <a:sym typeface="Wingdings 2" panose="05020102010507070707" pitchFamily="18" charset="2"/>
+            </a:endParaRPr>
+          </a:p>
+          <a:p>
+            <a:endParaRPr lang="en-US" altLang="ko-KR" sz="5400" b="1" dirty="0" smtClean="0">
               <a:solidFill>
                 <a:schemeClr val="bg1"/>
               </a:solidFill>
@@ -7417,30 +9143,314 @@
               <a:ea typeface="에스코어 드림 6 Bold" panose="020B0703030302020204" pitchFamily="34" charset="-127"/>
             </a:endParaRPr>
           </a:p>
+          <a:p>
+            <a:r>
+              <a:rPr lang="en-US" altLang="ko-KR" sz="5400" b="1" dirty="0" smtClean="0">
+                <a:solidFill>
+                  <a:schemeClr val="bg1"/>
+                </a:solidFill>
+                <a:latin typeface="에스코어 드림 6 Bold" panose="020B0703030302020204" pitchFamily="34" charset="-127"/>
+                <a:ea typeface="에스코어 드림 6 Bold" panose="020B0703030302020204" pitchFamily="34" charset="-127"/>
+                <a:sym typeface="Wingdings 2" panose="05020102010507070707" pitchFamily="18" charset="2"/>
+              </a:rPr>
+              <a:t> 2021</a:t>
+            </a:r>
+            <a:r>
+              <a:rPr lang="ko-KR" altLang="en-US" sz="5400" b="1" dirty="0" smtClean="0">
+                <a:solidFill>
+                  <a:schemeClr val="bg1"/>
+                </a:solidFill>
+                <a:latin typeface="에스코어 드림 6 Bold" panose="020B0703030302020204" pitchFamily="34" charset="-127"/>
+                <a:ea typeface="에스코어 드림 6 Bold" panose="020B0703030302020204" pitchFamily="34" charset="-127"/>
+                <a:sym typeface="Wingdings 2" panose="05020102010507070707" pitchFamily="18" charset="2"/>
+              </a:rPr>
+              <a:t>년 </a:t>
+            </a:r>
+            <a:r>
+              <a:rPr lang="en-US" altLang="ko-KR" sz="5400" b="1" dirty="0" smtClean="0">
+                <a:solidFill>
+                  <a:schemeClr val="bg1"/>
+                </a:solidFill>
+                <a:latin typeface="에스코어 드림 6 Bold" panose="020B0703030302020204" pitchFamily="34" charset="-127"/>
+                <a:ea typeface="에스코어 드림 6 Bold" panose="020B0703030302020204" pitchFamily="34" charset="-127"/>
+                <a:sym typeface="Wingdings 2" panose="05020102010507070707" pitchFamily="18" charset="2"/>
+              </a:rPr>
+              <a:t>4</a:t>
+            </a:r>
+            <a:r>
+              <a:rPr lang="ko-KR" altLang="en-US" sz="5400" b="1" dirty="0" smtClean="0">
+                <a:solidFill>
+                  <a:schemeClr val="bg1"/>
+                </a:solidFill>
+                <a:latin typeface="에스코어 드림 6 Bold" panose="020B0703030302020204" pitchFamily="34" charset="-127"/>
+                <a:ea typeface="에스코어 드림 6 Bold" panose="020B0703030302020204" pitchFamily="34" charset="-127"/>
+                <a:sym typeface="Wingdings 2" panose="05020102010507070707" pitchFamily="18" charset="2"/>
+              </a:rPr>
+              <a:t>월 </a:t>
+            </a:r>
+            <a:r>
+              <a:rPr lang="en-US" altLang="ko-KR" sz="5400" b="1" dirty="0" smtClean="0">
+                <a:solidFill>
+                  <a:schemeClr val="bg1"/>
+                </a:solidFill>
+                <a:latin typeface="에스코어 드림 6 Bold" panose="020B0703030302020204" pitchFamily="34" charset="-127"/>
+                <a:ea typeface="에스코어 드림 6 Bold" panose="020B0703030302020204" pitchFamily="34" charset="-127"/>
+                <a:sym typeface="Wingdings 2" panose="05020102010507070707" pitchFamily="18" charset="2"/>
+              </a:rPr>
+              <a:t>7</a:t>
+            </a:r>
+            <a:r>
+              <a:rPr lang="ko-KR" altLang="en-US" sz="5400" b="1" dirty="0" smtClean="0">
+                <a:solidFill>
+                  <a:schemeClr val="bg1"/>
+                </a:solidFill>
+                <a:latin typeface="에스코어 드림 6 Bold" panose="020B0703030302020204" pitchFamily="34" charset="-127"/>
+                <a:ea typeface="에스코어 드림 6 Bold" panose="020B0703030302020204" pitchFamily="34" charset="-127"/>
+                <a:sym typeface="Wingdings 2" panose="05020102010507070707" pitchFamily="18" charset="2"/>
+              </a:rPr>
+              <a:t>일 </a:t>
+            </a:r>
+            <a:r>
+              <a:rPr lang="ko-KR" altLang="en-US" sz="5400" b="1" dirty="0" err="1" smtClean="0">
+                <a:solidFill>
+                  <a:schemeClr val="bg1"/>
+                </a:solidFill>
+                <a:latin typeface="에스코어 드림 6 Bold" panose="020B0703030302020204" pitchFamily="34" charset="-127"/>
+                <a:ea typeface="에스코어 드림 6 Bold" panose="020B0703030302020204" pitchFamily="34" charset="-127"/>
+                <a:sym typeface="Wingdings 2" panose="05020102010507070707" pitchFamily="18" charset="2"/>
+              </a:rPr>
+              <a:t>재보궐선거</a:t>
+            </a:r>
+            <a:r>
+              <a:rPr lang="ko-KR" altLang="en-US" sz="5400" b="1" dirty="0" smtClean="0">
+                <a:solidFill>
+                  <a:schemeClr val="bg1"/>
+                </a:solidFill>
+                <a:latin typeface="에스코어 드림 6 Bold" panose="020B0703030302020204" pitchFamily="34" charset="-127"/>
+                <a:ea typeface="에스코어 드림 6 Bold" panose="020B0703030302020204" pitchFamily="34" charset="-127"/>
+                <a:sym typeface="Wingdings 2" panose="05020102010507070707" pitchFamily="18" charset="2"/>
+              </a:rPr>
+              <a:t> </a:t>
+            </a:r>
+            <a:endParaRPr lang="ko-KR" altLang="en-US" sz="5400" b="1" dirty="0">
+              <a:solidFill>
+                <a:schemeClr val="bg1"/>
+              </a:solidFill>
+              <a:latin typeface="에스코어 드림 6 Bold" panose="020B0703030302020204" pitchFamily="34" charset="-127"/>
+              <a:ea typeface="에스코어 드림 6 Bold" panose="020B0703030302020204" pitchFamily="34" charset="-127"/>
+            </a:endParaRPr>
+          </a:p>
+        </p:txBody>
+      </p:sp>
+    </p:spTree>
+    <p:extLst>
+      <p:ext uri="{BB962C8B-B14F-4D97-AF65-F5344CB8AC3E}">
+        <p14:creationId xmlns:p14="http://schemas.microsoft.com/office/powerpoint/2010/main" val="917139339"/>
+      </p:ext>
+    </p:extLst>
+  </p:cSld>
+  <p:clrMapOvr>
+    <a:masterClrMapping/>
+  </p:clrMapOvr>
+  <p:timing>
+    <p:tnLst>
+      <p:par>
+        <p:cTn id="1" dur="indefinite" restart="never" nodeType="tmRoot"/>
+      </p:par>
+    </p:tnLst>
+  </p:timing>
+</p:sld>
+</file>
+
+<file path=ppt/slides/slide24.xml><?xml version="1.0" encoding="utf-8"?>
+<p:sld xmlns:a="http://schemas.openxmlformats.org/drawingml/2006/main" xmlns:r="http://schemas.openxmlformats.org/officeDocument/2006/relationships" xmlns:p="http://schemas.openxmlformats.org/presentationml/2006/main">
+  <p:cSld>
+    <p:spTree>
+      <p:nvGrpSpPr>
+        <p:cNvPr id="1" name=""/>
+        <p:cNvGrpSpPr/>
+        <p:nvPr/>
+      </p:nvGrpSpPr>
+      <p:grpSpPr>
+        <a:xfrm>
+          <a:off x="0" y="0"/>
+          <a:ext cx="0" cy="0"/>
+          <a:chOff x="0" y="0"/>
+          <a:chExt cx="0" cy="0"/>
+        </a:xfrm>
+      </p:grpSpPr>
+      <p:pic>
+        <p:nvPicPr>
+          <p:cNvPr id="3" name="그림 2"/>
+          <p:cNvPicPr>
+            <a:picLocks noChangeAspect="1"/>
+          </p:cNvPicPr>
+          <p:nvPr/>
+        </p:nvPicPr>
+        <p:blipFill>
+          <a:blip r:embed="rId2">
+            <a:extLst>
+              <a:ext uri="{28A0092B-C50C-407E-A947-70E740481C1C}">
+                <a14:useLocalDpi xmlns:a14="http://schemas.microsoft.com/office/drawing/2010/main" val="0"/>
+              </a:ext>
+            </a:extLst>
+          </a:blip>
+          <a:stretch>
+            <a:fillRect/>
+          </a:stretch>
+        </p:blipFill>
+        <p:spPr>
+          <a:xfrm>
+            <a:off x="6291942" y="3164114"/>
+            <a:ext cx="5588002" cy="3352800"/>
+          </a:xfrm>
+          <a:prstGeom prst="rect">
+            <a:avLst/>
+          </a:prstGeom>
+        </p:spPr>
+      </p:pic>
+      <p:pic>
+        <p:nvPicPr>
+          <p:cNvPr id="4" name="그림 3"/>
+          <p:cNvPicPr>
+            <a:picLocks noChangeAspect="1"/>
+          </p:cNvPicPr>
+          <p:nvPr/>
+        </p:nvPicPr>
+        <p:blipFill>
+          <a:blip r:embed="rId3">
+            <a:extLst>
+              <a:ext uri="{28A0092B-C50C-407E-A947-70E740481C1C}">
+                <a14:useLocalDpi xmlns:a14="http://schemas.microsoft.com/office/drawing/2010/main" val="0"/>
+              </a:ext>
+            </a:extLst>
+          </a:blip>
+          <a:stretch>
+            <a:fillRect/>
+          </a:stretch>
+        </p:blipFill>
+        <p:spPr>
+          <a:xfrm>
+            <a:off x="238490" y="3164114"/>
+            <a:ext cx="5588002" cy="3352800"/>
+          </a:xfrm>
+          <a:prstGeom prst="rect">
+            <a:avLst/>
+          </a:prstGeom>
+        </p:spPr>
+      </p:pic>
+      <p:sp>
+        <p:nvSpPr>
+          <p:cNvPr id="7" name="TextBox 6"/>
+          <p:cNvSpPr txBox="1"/>
+          <p:nvPr/>
+        </p:nvSpPr>
+        <p:spPr>
+          <a:xfrm>
+            <a:off x="366653" y="685603"/>
+            <a:ext cx="11484234" cy="1754326"/>
+          </a:xfrm>
+          <a:prstGeom prst="rect">
+            <a:avLst/>
+          </a:prstGeom>
+          <a:noFill/>
+        </p:spPr>
+        <p:txBody>
+          <a:bodyPr wrap="none" rtlCol="0">
+            <a:spAutoFit/>
+          </a:bodyPr>
+          <a:lstStyle/>
+          <a:p>
+            <a:pPr algn="ctr"/>
+            <a:r>
+              <a:rPr lang="ko-KR" altLang="en-US" sz="3600" dirty="0" smtClean="0">
+                <a:solidFill>
+                  <a:schemeClr val="bg1"/>
+                </a:solidFill>
+                <a:latin typeface="에스코어 드림 6 Bold" panose="020B0703030302020204" pitchFamily="34" charset="-127"/>
+                <a:ea typeface="에스코어 드림 6 Bold" panose="020B0703030302020204" pitchFamily="34" charset="-127"/>
+              </a:rPr>
+              <a:t>남자가 여자보다 정부 실책에 더 빠르고 민감하게 반응</a:t>
+            </a:r>
+            <a:endParaRPr lang="en-US" altLang="ko-KR" sz="3600" dirty="0" smtClean="0">
+              <a:solidFill>
+                <a:schemeClr val="bg1"/>
+              </a:solidFill>
+              <a:latin typeface="에스코어 드림 6 Bold" panose="020B0703030302020204" pitchFamily="34" charset="-127"/>
+              <a:ea typeface="에스코어 드림 6 Bold" panose="020B0703030302020204" pitchFamily="34" charset="-127"/>
+            </a:endParaRPr>
+          </a:p>
+          <a:p>
+            <a:pPr algn="ctr"/>
+            <a:endParaRPr lang="en-US" altLang="ko-KR" sz="3600" dirty="0">
+              <a:solidFill>
+                <a:schemeClr val="bg1"/>
+              </a:solidFill>
+              <a:latin typeface="에스코어 드림 6 Bold" panose="020B0703030302020204" pitchFamily="34" charset="-127"/>
+              <a:ea typeface="에스코어 드림 6 Bold" panose="020B0703030302020204" pitchFamily="34" charset="-127"/>
+            </a:endParaRPr>
+          </a:p>
+          <a:p>
+            <a:pPr algn="ctr"/>
+            <a:r>
+              <a:rPr lang="ko-KR" altLang="en-US" sz="3600" dirty="0" smtClean="0">
+                <a:solidFill>
+                  <a:schemeClr val="bg1"/>
+                </a:solidFill>
+                <a:latin typeface="에스코어 드림 6 Bold" panose="020B0703030302020204" pitchFamily="34" charset="-127"/>
+                <a:ea typeface="에스코어 드림 6 Bold" panose="020B0703030302020204" pitchFamily="34" charset="-127"/>
+              </a:rPr>
+              <a:t>전반적으로는 모두 </a:t>
+            </a:r>
+            <a:r>
+              <a:rPr lang="ko-KR" altLang="en-US" sz="3600" dirty="0" err="1" smtClean="0">
+                <a:solidFill>
+                  <a:schemeClr val="bg1"/>
+                </a:solidFill>
+                <a:latin typeface="에스코어 드림 6 Bold" panose="020B0703030302020204" pitchFamily="34" charset="-127"/>
+                <a:ea typeface="에스코어 드림 6 Bold" panose="020B0703030302020204" pitchFamily="34" charset="-127"/>
+              </a:rPr>
+              <a:t>더불어민주당의</a:t>
+            </a:r>
+            <a:r>
+              <a:rPr lang="ko-KR" altLang="en-US" sz="3600" dirty="0" smtClean="0">
+                <a:solidFill>
+                  <a:schemeClr val="bg1"/>
+                </a:solidFill>
+                <a:latin typeface="에스코어 드림 6 Bold" panose="020B0703030302020204" pitchFamily="34" charset="-127"/>
+                <a:ea typeface="에스코어 드림 6 Bold" panose="020B0703030302020204" pitchFamily="34" charset="-127"/>
+              </a:rPr>
+              <a:t> 지지를 철회하는 시기</a:t>
+            </a:r>
+            <a:endParaRPr lang="ko-KR" altLang="en-US" sz="3600" dirty="0">
+              <a:solidFill>
+                <a:schemeClr val="bg1"/>
+              </a:solidFill>
+              <a:latin typeface="에스코어 드림 6 Bold" panose="020B0703030302020204" pitchFamily="34" charset="-127"/>
+              <a:ea typeface="에스코어 드림 6 Bold" panose="020B0703030302020204" pitchFamily="34" charset="-127"/>
+            </a:endParaRPr>
+          </a:p>
         </p:txBody>
       </p:sp>
       <p:sp>
         <p:nvSpPr>
-          <p:cNvPr id="15" name="직사각형 14"/>
+          <p:cNvPr id="8" name="타원 7"/>
           <p:cNvSpPr/>
           <p:nvPr/>
         </p:nvSpPr>
         <p:spPr>
           <a:xfrm>
-            <a:off x="1097804" y="3362325"/>
-            <a:ext cx="744603" cy="721013"/>
+            <a:off x="8868229" y="4201190"/>
+            <a:ext cx="556808" cy="483544"/>
           </a:xfrm>
-          <a:prstGeom prst="rect">
+          <a:prstGeom prst="ellipse">
             <a:avLst/>
           </a:prstGeom>
-          <a:solidFill>
-            <a:schemeClr val="accent4">
-              <a:lumMod val="40000"/>
-              <a:lumOff val="60000"/>
-            </a:schemeClr>
-          </a:solidFill>
-          <a:ln w="76200">
-            <a:noFill/>
+          <a:noFill/>
+          <a:ln w="57150">
+            <a:solidFill>
+              <a:srgbClr val="FF0000"/>
+            </a:solidFill>
           </a:ln>
         </p:spPr>
         <p:style>
@@ -7464,36 +9474,93 @@
           <a:lstStyle/>
           <a:p>
             <a:pPr algn="ctr"/>
-            <a:r>
-              <a:rPr lang="en-US" altLang="ko-KR" sz="2800" dirty="0" smtClean="0">
-                <a:solidFill>
-                  <a:schemeClr val="tx1"/>
-                </a:solidFill>
-                <a:latin typeface="에스코어 드림 6 Bold" panose="020B0703030302020204" pitchFamily="34" charset="-127"/>
-                <a:ea typeface="에스코어 드림 6 Bold" panose="020B0703030302020204" pitchFamily="34" charset="-127"/>
-              </a:rPr>
-              <a:t>2</a:t>
-            </a:r>
-            <a:endParaRPr lang="ko-KR" altLang="en-US" sz="2800" dirty="0">
-              <a:solidFill>
-                <a:schemeClr val="tx1"/>
-              </a:solidFill>
-              <a:latin typeface="에스코어 드림 6 Bold" panose="020B0703030302020204" pitchFamily="34" charset="-127"/>
-              <a:ea typeface="에스코어 드림 6 Bold" panose="020B0703030302020204" pitchFamily="34" charset="-127"/>
-            </a:endParaRPr>
+            <a:endParaRPr lang="ko-KR" altLang="en-US"/>
           </a:p>
         </p:txBody>
       </p:sp>
+    </p:spTree>
+    <p:extLst>
+      <p:ext uri="{BB962C8B-B14F-4D97-AF65-F5344CB8AC3E}">
+        <p14:creationId xmlns:p14="http://schemas.microsoft.com/office/powerpoint/2010/main" val="4005780696"/>
+      </p:ext>
+    </p:extLst>
+  </p:cSld>
+  <p:clrMapOvr>
+    <a:masterClrMapping/>
+  </p:clrMapOvr>
+  <p:timing>
+    <p:tnLst>
+      <p:par>
+        <p:cTn id="1" dur="indefinite" restart="never" nodeType="tmRoot"/>
+      </p:par>
+    </p:tnLst>
+  </p:timing>
+</p:sld>
+</file>
+
+<file path=ppt/slides/slide25.xml><?xml version="1.0" encoding="utf-8"?>
+<p:sld xmlns:a="http://schemas.openxmlformats.org/drawingml/2006/main" xmlns:r="http://schemas.openxmlformats.org/officeDocument/2006/relationships" xmlns:p="http://schemas.openxmlformats.org/presentationml/2006/main">
+  <p:cSld>
+    <p:spTree>
+      <p:nvGrpSpPr>
+        <p:cNvPr id="1" name=""/>
+        <p:cNvGrpSpPr/>
+        <p:nvPr/>
+      </p:nvGrpSpPr>
+      <p:grpSpPr>
+        <a:xfrm>
+          <a:off x="0" y="0"/>
+          <a:ext cx="0" cy="0"/>
+          <a:chOff x="0" y="0"/>
+          <a:chExt cx="0" cy="0"/>
+        </a:xfrm>
+      </p:grpSpPr>
+      <p:cxnSp>
+        <p:nvCxnSpPr>
+          <p:cNvPr id="5" name="직선 화살표 연결선 4"/>
+          <p:cNvCxnSpPr/>
+          <p:nvPr/>
+        </p:nvCxnSpPr>
+        <p:spPr>
+          <a:xfrm>
+            <a:off x="6261180" y="2040391"/>
+            <a:ext cx="19050" cy="2618984"/>
+          </a:xfrm>
+          <a:prstGeom prst="straightConnector1">
+            <a:avLst/>
+          </a:prstGeom>
+          <a:ln w="57150">
+            <a:solidFill>
+              <a:srgbClr val="FFFF00"/>
+            </a:solidFill>
+            <a:tailEnd type="triangle"/>
+          </a:ln>
+        </p:spPr>
+        <p:style>
+          <a:lnRef idx="1">
+            <a:schemeClr val="accent1"/>
+          </a:lnRef>
+          <a:fillRef idx="0">
+            <a:schemeClr val="accent1"/>
+          </a:fillRef>
+          <a:effectRef idx="0">
+            <a:schemeClr val="accent1"/>
+          </a:effectRef>
+          <a:fontRef idx="minor">
+            <a:schemeClr val="tx1"/>
+          </a:fontRef>
+        </p:style>
+      </p:cxnSp>
       <p:sp>
         <p:nvSpPr>
-          <p:cNvPr id="17" name="TextBox 16"/>
+          <p:cNvPr id="7" name="TextBox 6"/>
           <p:cNvSpPr txBox="1"/>
           <p:nvPr/>
         </p:nvSpPr>
         <p:spPr>
           <a:xfrm>
-            <a:off x="2186915" y="3399665"/>
-            <a:ext cx="2534668" cy="646331"/>
+            <a:off x="2252895" y="460134"/>
+            <a:ext cx="7686720" cy="1323439"/>
           </a:xfrm>
           <a:prstGeom prst="rect">
             <a:avLst/>
@@ -7506,17 +9573,91 @@
           </a:bodyPr>
           <a:lstStyle/>
           <a:p>
-            <a:r>
-              <a:rPr lang="ko-KR" altLang="en-US" sz="3600" dirty="0" smtClean="0">
-                <a:solidFill>
-                  <a:schemeClr val="bg1"/>
-                </a:solidFill>
-                <a:latin typeface="에스코어 드림 6 Bold" panose="020B0703030302020204" pitchFamily="34" charset="-127"/>
-                <a:ea typeface="에스코어 드림 6 Bold" panose="020B0703030302020204" pitchFamily="34" charset="-127"/>
-              </a:rPr>
-              <a:t>데이터 소개</a:t>
-            </a:r>
-            <a:endParaRPr lang="ko-KR" altLang="en-US" sz="2000" dirty="0">
+            <a:pPr algn="ctr"/>
+            <a:r>
+              <a:rPr lang="ko-KR" altLang="en-US" sz="4000" dirty="0" smtClean="0">
+                <a:solidFill>
+                  <a:schemeClr val="bg1"/>
+                </a:solidFill>
+                <a:latin typeface="에스코어 드림 6 Bold" panose="020B0703030302020204" pitchFamily="34" charset="-127"/>
+                <a:ea typeface="에스코어 드림 6 Bold" panose="020B0703030302020204" pitchFamily="34" charset="-127"/>
+              </a:rPr>
+              <a:t>여성은 </a:t>
+            </a:r>
+            <a:r>
+              <a:rPr lang="ko-KR" altLang="en-US" sz="4000" dirty="0" err="1" smtClean="0">
+                <a:solidFill>
+                  <a:schemeClr val="bg1"/>
+                </a:solidFill>
+                <a:latin typeface="에스코어 드림 6 Bold" panose="020B0703030302020204" pitchFamily="34" charset="-127"/>
+                <a:ea typeface="에스코어 드림 6 Bold" panose="020B0703030302020204" pitchFamily="34" charset="-127"/>
+              </a:rPr>
+              <a:t>더불어민주당을</a:t>
+            </a:r>
+            <a:r>
+              <a:rPr lang="ko-KR" altLang="en-US" sz="4000" dirty="0" smtClean="0">
+                <a:solidFill>
+                  <a:schemeClr val="bg1"/>
+                </a:solidFill>
+                <a:latin typeface="에스코어 드림 6 Bold" panose="020B0703030302020204" pitchFamily="34" charset="-127"/>
+                <a:ea typeface="에스코어 드림 6 Bold" panose="020B0703030302020204" pitchFamily="34" charset="-127"/>
+              </a:rPr>
+              <a:t> 지지하고</a:t>
+            </a:r>
+            <a:r>
+              <a:rPr lang="en-US" altLang="ko-KR" sz="4000" dirty="0" smtClean="0">
+                <a:solidFill>
+                  <a:schemeClr val="bg1"/>
+                </a:solidFill>
+                <a:latin typeface="에스코어 드림 6 Bold" panose="020B0703030302020204" pitchFamily="34" charset="-127"/>
+                <a:ea typeface="에스코어 드림 6 Bold" panose="020B0703030302020204" pitchFamily="34" charset="-127"/>
+              </a:rPr>
+              <a:t>, </a:t>
+            </a:r>
+          </a:p>
+          <a:p>
+            <a:pPr algn="ctr"/>
+            <a:r>
+              <a:rPr lang="ko-KR" altLang="en-US" sz="4000" dirty="0" smtClean="0">
+                <a:solidFill>
+                  <a:schemeClr val="bg1"/>
+                </a:solidFill>
+                <a:latin typeface="에스코어 드림 6 Bold" panose="020B0703030302020204" pitchFamily="34" charset="-127"/>
+                <a:ea typeface="에스코어 드림 6 Bold" panose="020B0703030302020204" pitchFamily="34" charset="-127"/>
+              </a:rPr>
+              <a:t>남성은 </a:t>
+            </a:r>
+            <a:r>
+              <a:rPr lang="ko-KR" altLang="en-US" sz="4000" dirty="0" err="1" smtClean="0">
+                <a:solidFill>
+                  <a:schemeClr val="bg1"/>
+                </a:solidFill>
+                <a:latin typeface="에스코어 드림 6 Bold" panose="020B0703030302020204" pitchFamily="34" charset="-127"/>
+                <a:ea typeface="에스코어 드림 6 Bold" panose="020B0703030302020204" pitchFamily="34" charset="-127"/>
+              </a:rPr>
+              <a:t>국민의힘을</a:t>
+            </a:r>
+            <a:r>
+              <a:rPr lang="ko-KR" altLang="en-US" sz="4000" dirty="0" smtClean="0">
+                <a:solidFill>
+                  <a:schemeClr val="bg1"/>
+                </a:solidFill>
+                <a:latin typeface="에스코어 드림 6 Bold" panose="020B0703030302020204" pitchFamily="34" charset="-127"/>
+                <a:ea typeface="에스코어 드림 6 Bold" panose="020B0703030302020204" pitchFamily="34" charset="-127"/>
+              </a:rPr>
+              <a:t> 지지한다</a:t>
+            </a:r>
+            <a:r>
+              <a:rPr lang="en-US" altLang="ko-KR" sz="4000" dirty="0" smtClean="0">
+                <a:solidFill>
+                  <a:schemeClr val="bg1"/>
+                </a:solidFill>
+                <a:latin typeface="에스코어 드림 6 Bold" panose="020B0703030302020204" pitchFamily="34" charset="-127"/>
+                <a:ea typeface="에스코어 드림 6 Bold" panose="020B0703030302020204" pitchFamily="34" charset="-127"/>
+              </a:rPr>
+              <a:t>?</a:t>
+            </a:r>
+            <a:endParaRPr lang="ko-KR" altLang="en-US" sz="4000" dirty="0">
               <a:solidFill>
                 <a:schemeClr val="bg1"/>
               </a:solidFill>
@@ -7528,79 +9669,14 @@
       </p:sp>
       <p:sp>
         <p:nvSpPr>
-          <p:cNvPr id="18" name="직사각형 17"/>
-          <p:cNvSpPr/>
-          <p:nvPr/>
-        </p:nvSpPr>
-        <p:spPr>
-          <a:xfrm>
-            <a:off x="1097804" y="4953759"/>
-            <a:ext cx="744603" cy="721013"/>
-          </a:xfrm>
-          <a:prstGeom prst="rect">
-            <a:avLst/>
-          </a:prstGeom>
-          <a:solidFill>
-            <a:schemeClr val="accent4">
-              <a:lumMod val="40000"/>
-              <a:lumOff val="60000"/>
-            </a:schemeClr>
-          </a:solidFill>
-          <a:ln w="76200">
-            <a:noFill/>
-          </a:ln>
-        </p:spPr>
-        <p:style>
-          <a:lnRef idx="2">
-            <a:schemeClr val="accent1">
-              <a:shade val="50000"/>
-            </a:schemeClr>
-          </a:lnRef>
-          <a:fillRef idx="1">
-            <a:schemeClr val="accent1"/>
-          </a:fillRef>
-          <a:effectRef idx="0">
-            <a:schemeClr val="accent1"/>
-          </a:effectRef>
-          <a:fontRef idx="minor">
-            <a:schemeClr val="lt1"/>
-          </a:fontRef>
-        </p:style>
-        <p:txBody>
-          <a:bodyPr rtlCol="0" anchor="ctr"/>
-          <a:lstStyle/>
-          <a:p>
-            <a:pPr algn="ctr"/>
-            <a:r>
-              <a:rPr lang="en-US" altLang="ko-KR" sz="2800" dirty="0">
-                <a:solidFill>
-                  <a:schemeClr val="tx1"/>
-                </a:solidFill>
-                <a:latin typeface="에스코어 드림 6 Bold" panose="020B0703030302020204" pitchFamily="34" charset="-127"/>
-                <a:ea typeface="에스코어 드림 6 Bold" panose="020B0703030302020204" pitchFamily="34" charset="-127"/>
-              </a:rPr>
-              <a:t>3</a:t>
-            </a:r>
-            <a:endParaRPr lang="ko-KR" altLang="en-US" sz="2800" dirty="0">
-              <a:solidFill>
-                <a:schemeClr val="tx1"/>
-              </a:solidFill>
-              <a:latin typeface="에스코어 드림 6 Bold" panose="020B0703030302020204" pitchFamily="34" charset="-127"/>
-              <a:ea typeface="에스코어 드림 6 Bold" panose="020B0703030302020204" pitchFamily="34" charset="-127"/>
-            </a:endParaRPr>
-          </a:p>
-        </p:txBody>
-      </p:sp>
-      <p:sp>
-        <p:nvSpPr>
-          <p:cNvPr id="19" name="TextBox 18"/>
+          <p:cNvPr id="6" name="TextBox 5"/>
           <p:cNvSpPr txBox="1"/>
           <p:nvPr/>
         </p:nvSpPr>
         <p:spPr>
           <a:xfrm>
-            <a:off x="2186915" y="4991099"/>
-            <a:ext cx="2090637" cy="646331"/>
+            <a:off x="211470" y="4971591"/>
+            <a:ext cx="11769569" cy="923330"/>
           </a:xfrm>
           <a:prstGeom prst="rect">
             <a:avLst/>
@@ -7613,17 +9689,38 @@
           </a:bodyPr>
           <a:lstStyle/>
           <a:p>
-            <a:r>
-              <a:rPr lang="ko-KR" altLang="en-US" sz="3600" dirty="0" smtClean="0">
-                <a:solidFill>
-                  <a:schemeClr val="bg1"/>
-                </a:solidFill>
-                <a:latin typeface="에스코어 드림 6 Bold" panose="020B0703030302020204" pitchFamily="34" charset="-127"/>
-                <a:ea typeface="에스코어 드림 6 Bold" panose="020B0703030302020204" pitchFamily="34" charset="-127"/>
-              </a:rPr>
-              <a:t>분석 결과</a:t>
-            </a:r>
-            <a:endParaRPr lang="ko-KR" altLang="en-US" sz="2000" dirty="0">
+            <a:pPr algn="ctr"/>
+            <a:r>
+              <a:rPr lang="ko-KR" altLang="en-US" sz="4000" dirty="0" smtClean="0">
+                <a:solidFill>
+                  <a:schemeClr val="bg1"/>
+                </a:solidFill>
+                <a:latin typeface="에스코어 드림 6 Bold" panose="020B0703030302020204" pitchFamily="34" charset="-127"/>
+                <a:ea typeface="에스코어 드림 6 Bold" panose="020B0703030302020204" pitchFamily="34" charset="-127"/>
+              </a:rPr>
+              <a:t>꾸준하게 당시 여당에 대한 </a:t>
+            </a:r>
+            <a:r>
+              <a:rPr lang="ko-KR" altLang="en-US" sz="5400" dirty="0" smtClean="0">
+                <a:solidFill>
+                  <a:srgbClr val="FFC000"/>
+                </a:solidFill>
+                <a:latin typeface="에스코어 드림 6 Bold" panose="020B0703030302020204" pitchFamily="34" charset="-127"/>
+                <a:ea typeface="에스코어 드림 6 Bold" panose="020B0703030302020204" pitchFamily="34" charset="-127"/>
+              </a:rPr>
+              <a:t>불만</a:t>
+            </a:r>
+            <a:r>
+              <a:rPr lang="ko-KR" altLang="en-US" sz="4000" dirty="0" smtClean="0">
+                <a:solidFill>
+                  <a:schemeClr val="bg1"/>
+                </a:solidFill>
+                <a:latin typeface="에스코어 드림 6 Bold" panose="020B0703030302020204" pitchFamily="34" charset="-127"/>
+                <a:ea typeface="에스코어 드림 6 Bold" panose="020B0703030302020204" pitchFamily="34" charset="-127"/>
+              </a:rPr>
+              <a:t>이 누적되고 있었음</a:t>
+            </a:r>
+            <a:endParaRPr lang="ko-KR" altLang="en-US" sz="4000" dirty="0">
               <a:solidFill>
                 <a:schemeClr val="bg1"/>
               </a:solidFill>
@@ -7635,79 +9732,120 @@
       </p:sp>
       <p:sp>
         <p:nvSpPr>
-          <p:cNvPr id="20" name="직사각형 19"/>
-          <p:cNvSpPr/>
+          <p:cNvPr id="9" name="TextBox 8"/>
+          <p:cNvSpPr txBox="1"/>
           <p:nvPr/>
         </p:nvSpPr>
         <p:spPr>
           <a:xfrm>
-            <a:off x="6919846" y="1733551"/>
-            <a:ext cx="744603" cy="721013"/>
+            <a:off x="5695774" y="2915917"/>
+            <a:ext cx="1168911" cy="923330"/>
           </a:xfrm>
           <a:prstGeom prst="rect">
             <a:avLst/>
           </a:prstGeom>
           <a:solidFill>
-            <a:schemeClr val="accent4">
-              <a:lumMod val="40000"/>
-              <a:lumOff val="60000"/>
-            </a:schemeClr>
+            <a:schemeClr val="bg1"/>
           </a:solidFill>
-          <a:ln w="76200">
-            <a:noFill/>
-          </a:ln>
         </p:spPr>
-        <p:style>
-          <a:lnRef idx="2">
-            <a:schemeClr val="accent1">
-              <a:shade val="50000"/>
-            </a:schemeClr>
-          </a:lnRef>
-          <a:fillRef idx="1">
-            <a:schemeClr val="accent1"/>
-          </a:fillRef>
-          <a:effectRef idx="0">
-            <a:schemeClr val="accent1"/>
-          </a:effectRef>
-          <a:fontRef idx="minor">
-            <a:schemeClr val="lt1"/>
-          </a:fontRef>
-        </p:style>
         <p:txBody>
-          <a:bodyPr rtlCol="0" anchor="ctr"/>
+          <a:bodyPr wrap="none" rtlCol="0">
+            <a:spAutoFit/>
+          </a:bodyPr>
           <a:lstStyle/>
           <a:p>
             <a:pPr algn="ctr"/>
             <a:r>
-              <a:rPr lang="en-US" altLang="ko-KR" sz="2800" dirty="0">
-                <a:solidFill>
-                  <a:schemeClr val="tx1"/>
-                </a:solidFill>
-                <a:latin typeface="에스코어 드림 6 Bold" panose="020B0703030302020204" pitchFamily="34" charset="-127"/>
-                <a:ea typeface="에스코어 드림 6 Bold" panose="020B0703030302020204" pitchFamily="34" charset="-127"/>
-              </a:rPr>
-              <a:t>4</a:t>
-            </a:r>
-            <a:endParaRPr lang="ko-KR" altLang="en-US" sz="2800" dirty="0">
-              <a:solidFill>
-                <a:schemeClr val="tx1"/>
-              </a:solidFill>
+              <a:rPr lang="en-US" altLang="ko-KR" sz="5400" dirty="0" smtClean="0">
+                <a:latin typeface="에스코어 드림 6 Bold" panose="020B0703030302020204" pitchFamily="34" charset="-127"/>
+                <a:ea typeface="에스코어 드림 6 Bold" panose="020B0703030302020204" pitchFamily="34" charset="-127"/>
+              </a:rPr>
+              <a:t>NO</a:t>
+            </a:r>
+            <a:endParaRPr lang="ko-KR" altLang="en-US" sz="5400" dirty="0">
               <a:latin typeface="에스코어 드림 6 Bold" panose="020B0703030302020204" pitchFamily="34" charset="-127"/>
               <a:ea typeface="에스코어 드림 6 Bold" panose="020B0703030302020204" pitchFamily="34" charset="-127"/>
             </a:endParaRPr>
           </a:p>
         </p:txBody>
       </p:sp>
+    </p:spTree>
+    <p:extLst>
+      <p:ext uri="{BB962C8B-B14F-4D97-AF65-F5344CB8AC3E}">
+        <p14:creationId xmlns:p14="http://schemas.microsoft.com/office/powerpoint/2010/main" val="1558892849"/>
+      </p:ext>
+    </p:extLst>
+  </p:cSld>
+  <p:clrMapOvr>
+    <a:masterClrMapping/>
+  </p:clrMapOvr>
+  <p:timing>
+    <p:tnLst>
+      <p:par>
+        <p:cTn id="1" dur="indefinite" restart="never" nodeType="tmRoot"/>
+      </p:par>
+    </p:tnLst>
+  </p:timing>
+</p:sld>
+</file>
+
+<file path=ppt/slides/slide26.xml><?xml version="1.0" encoding="utf-8"?>
+<p:sld xmlns:a="http://schemas.openxmlformats.org/drawingml/2006/main" xmlns:r="http://schemas.openxmlformats.org/officeDocument/2006/relationships" xmlns:p="http://schemas.openxmlformats.org/presentationml/2006/main">
+  <p:cSld>
+    <p:spTree>
+      <p:nvGrpSpPr>
+        <p:cNvPr id="1" name=""/>
+        <p:cNvGrpSpPr/>
+        <p:nvPr/>
+      </p:nvGrpSpPr>
+      <p:grpSpPr>
+        <a:xfrm>
+          <a:off x="0" y="0"/>
+          <a:ext cx="0" cy="0"/>
+          <a:chOff x="0" y="0"/>
+          <a:chExt cx="0" cy="0"/>
+        </a:xfrm>
+      </p:grpSpPr>
+      <p:pic>
+        <p:nvPicPr>
+          <p:cNvPr id="7" name="그림 6"/>
+          <p:cNvPicPr>
+            <a:picLocks noChangeAspect="1"/>
+          </p:cNvPicPr>
+          <p:nvPr/>
+        </p:nvPicPr>
+        <p:blipFill>
+          <a:blip r:embed="rId2">
+            <a:extLst>
+              <a:ext uri="{28A0092B-C50C-407E-A947-70E740481C1C}">
+                <a14:useLocalDpi xmlns:a14="http://schemas.microsoft.com/office/drawing/2010/main" val="0"/>
+              </a:ext>
+            </a:extLst>
+          </a:blip>
+          <a:stretch>
+            <a:fillRect/>
+          </a:stretch>
+        </p:blipFill>
+        <p:spPr>
+          <a:xfrm>
+            <a:off x="2923954" y="2137408"/>
+            <a:ext cx="7213599" cy="4328160"/>
+          </a:xfrm>
+          <a:prstGeom prst="rect">
+            <a:avLst/>
+          </a:prstGeom>
+        </p:spPr>
+      </p:pic>
       <p:sp>
         <p:nvSpPr>
-          <p:cNvPr id="21" name="TextBox 20"/>
+          <p:cNvPr id="9" name="TextBox 8"/>
           <p:cNvSpPr txBox="1"/>
           <p:nvPr/>
         </p:nvSpPr>
         <p:spPr>
           <a:xfrm>
-            <a:off x="8008957" y="1770891"/>
-            <a:ext cx="2534668" cy="646331"/>
+            <a:off x="2923954" y="217559"/>
+            <a:ext cx="7563289" cy="1754326"/>
           </a:xfrm>
           <a:prstGeom prst="rect">
             <a:avLst/>
@@ -7721,16 +9859,46 @@
           <a:lstStyle/>
           <a:p>
             <a:r>
-              <a:rPr lang="ko-KR" altLang="en-US" sz="3600" smtClean="0">
-                <a:solidFill>
-                  <a:schemeClr val="bg1"/>
-                </a:solidFill>
-                <a:latin typeface="에스코어 드림 6 Bold" panose="020B0703030302020204" pitchFamily="34" charset="-127"/>
-                <a:ea typeface="에스코어 드림 6 Bold" panose="020B0703030302020204" pitchFamily="34" charset="-127"/>
-              </a:rPr>
-              <a:t>서비스 배포</a:t>
-            </a:r>
-            <a:endParaRPr lang="ko-KR" altLang="en-US" sz="2000" dirty="0">
+              <a:rPr lang="en-US" altLang="ko-KR" sz="3600" dirty="0" smtClean="0">
+                <a:solidFill>
+                  <a:schemeClr val="bg1"/>
+                </a:solidFill>
+                <a:latin typeface="에스코어 드림 6 Bold" panose="020B0703030302020204" pitchFamily="34" charset="-127"/>
+                <a:ea typeface="에스코어 드림 6 Bold" panose="020B0703030302020204" pitchFamily="34" charset="-127"/>
+              </a:rPr>
+              <a:t>18-29</a:t>
+            </a:r>
+            <a:r>
+              <a:rPr lang="ko-KR" altLang="en-US" sz="3600" dirty="0" smtClean="0">
+                <a:solidFill>
+                  <a:schemeClr val="bg1"/>
+                </a:solidFill>
+                <a:latin typeface="에스코어 드림 6 Bold" panose="020B0703030302020204" pitchFamily="34" charset="-127"/>
+                <a:ea typeface="에스코어 드림 6 Bold" panose="020B0703030302020204" pitchFamily="34" charset="-127"/>
+              </a:rPr>
+              <a:t>세 남성의 </a:t>
+            </a:r>
+            <a:r>
+              <a:rPr lang="ko-KR" altLang="en-US" sz="3600" dirty="0" err="1" smtClean="0">
+                <a:solidFill>
+                  <a:schemeClr val="bg1"/>
+                </a:solidFill>
+                <a:latin typeface="에스코어 드림 6 Bold" panose="020B0703030302020204" pitchFamily="34" charset="-127"/>
+                <a:ea typeface="에스코어 드림 6 Bold" panose="020B0703030302020204" pitchFamily="34" charset="-127"/>
+              </a:rPr>
+              <a:t>국민의힘</a:t>
+            </a:r>
+            <a:r>
+              <a:rPr lang="ko-KR" altLang="en-US" sz="3600" dirty="0" smtClean="0">
+                <a:solidFill>
+                  <a:schemeClr val="bg1"/>
+                </a:solidFill>
+                <a:latin typeface="에스코어 드림 6 Bold" panose="020B0703030302020204" pitchFamily="34" charset="-127"/>
+                <a:ea typeface="에스코어 드림 6 Bold" panose="020B0703030302020204" pitchFamily="34" charset="-127"/>
+              </a:rPr>
+              <a:t> 지지도는 </a:t>
+            </a:r>
+            <a:endParaRPr lang="en-US" altLang="ko-KR" sz="3600" dirty="0" smtClean="0">
               <a:solidFill>
                 <a:schemeClr val="bg1"/>
               </a:solidFill>
@@ -7738,83 +9906,256 @@
               <a:ea typeface="에스코어 드림 6 Bold" panose="020B0703030302020204" pitchFamily="34" charset="-127"/>
             </a:endParaRPr>
           </a:p>
+          <a:p>
+            <a:pPr algn="ctr"/>
+            <a:r>
+              <a:rPr lang="en-US" altLang="ko-KR" sz="3600" dirty="0" smtClean="0">
+                <a:solidFill>
+                  <a:schemeClr val="bg1"/>
+                </a:solidFill>
+                <a:latin typeface="에스코어 드림 6 Bold" panose="020B0703030302020204" pitchFamily="34" charset="-127"/>
+                <a:ea typeface="에스코어 드림 6 Bold" panose="020B0703030302020204" pitchFamily="34" charset="-127"/>
+              </a:rPr>
+              <a:t>2022.6.1 </a:t>
+            </a:r>
+            <a:r>
+              <a:rPr lang="ko-KR" altLang="en-US" sz="3600" dirty="0" smtClean="0">
+                <a:solidFill>
+                  <a:schemeClr val="bg1"/>
+                </a:solidFill>
+                <a:latin typeface="에스코어 드림 6 Bold" panose="020B0703030302020204" pitchFamily="34" charset="-127"/>
+                <a:ea typeface="에스코어 드림 6 Bold" panose="020B0703030302020204" pitchFamily="34" charset="-127"/>
+              </a:rPr>
+              <a:t>지방선거 이후</a:t>
+            </a:r>
+            <a:r>
+              <a:rPr lang="en-US" altLang="ko-KR" sz="3600" dirty="0" smtClean="0">
+                <a:solidFill>
+                  <a:schemeClr val="bg1"/>
+                </a:solidFill>
+                <a:latin typeface="에스코어 드림 6 Bold" panose="020B0703030302020204" pitchFamily="34" charset="-127"/>
+                <a:ea typeface="에스코어 드림 6 Bold" panose="020B0703030302020204" pitchFamily="34" charset="-127"/>
+              </a:rPr>
+              <a:t>, </a:t>
+            </a:r>
+            <a:endParaRPr lang="en-US" altLang="ko-KR" sz="3600" dirty="0">
+              <a:solidFill>
+                <a:schemeClr val="bg1"/>
+              </a:solidFill>
+              <a:latin typeface="에스코어 드림 6 Bold" panose="020B0703030302020204" pitchFamily="34" charset="-127"/>
+              <a:ea typeface="에스코어 드림 6 Bold" panose="020B0703030302020204" pitchFamily="34" charset="-127"/>
+            </a:endParaRPr>
+          </a:p>
+          <a:p>
+            <a:r>
+              <a:rPr lang="ko-KR" altLang="en-US" sz="3600" dirty="0" smtClean="0">
+                <a:solidFill>
+                  <a:schemeClr val="bg1"/>
+                </a:solidFill>
+                <a:latin typeface="에스코어 드림 6 Bold" panose="020B0703030302020204" pitchFamily="34" charset="-127"/>
+                <a:ea typeface="에스코어 드림 6 Bold" panose="020B0703030302020204" pitchFamily="34" charset="-127"/>
+              </a:rPr>
+              <a:t>지지를 철회하고 기타</a:t>
+            </a:r>
+            <a:r>
+              <a:rPr lang="en-US" altLang="ko-KR" sz="3600" dirty="0" smtClean="0">
+                <a:solidFill>
+                  <a:schemeClr val="bg1"/>
+                </a:solidFill>
+                <a:latin typeface="에스코어 드림 6 Bold" panose="020B0703030302020204" pitchFamily="34" charset="-127"/>
+                <a:ea typeface="에스코어 드림 6 Bold" panose="020B0703030302020204" pitchFamily="34" charset="-127"/>
+              </a:rPr>
+              <a:t>(</a:t>
+            </a:r>
+            <a:r>
+              <a:rPr lang="ko-KR" altLang="en-US" sz="3600" dirty="0" err="1" smtClean="0">
+                <a:solidFill>
+                  <a:schemeClr val="bg1"/>
+                </a:solidFill>
+                <a:latin typeface="에스코어 드림 6 Bold" panose="020B0703030302020204" pitchFamily="34" charset="-127"/>
+                <a:ea typeface="에스코어 드림 6 Bold" panose="020B0703030302020204" pitchFamily="34" charset="-127"/>
+              </a:rPr>
+              <a:t>무당층</a:t>
+            </a:r>
+            <a:r>
+              <a:rPr lang="en-US" altLang="ko-KR" sz="3600" dirty="0" smtClean="0">
+                <a:solidFill>
+                  <a:schemeClr val="bg1"/>
+                </a:solidFill>
+                <a:latin typeface="에스코어 드림 6 Bold" panose="020B0703030302020204" pitchFamily="34" charset="-127"/>
+                <a:ea typeface="에스코어 드림 6 Bold" panose="020B0703030302020204" pitchFamily="34" charset="-127"/>
+              </a:rPr>
+              <a:t>)</a:t>
+            </a:r>
+            <a:r>
+              <a:rPr lang="ko-KR" altLang="en-US" sz="3600" dirty="0" smtClean="0">
+                <a:solidFill>
+                  <a:schemeClr val="bg1"/>
+                </a:solidFill>
+                <a:latin typeface="에스코어 드림 6 Bold" panose="020B0703030302020204" pitchFamily="34" charset="-127"/>
+                <a:ea typeface="에스코어 드림 6 Bold" panose="020B0703030302020204" pitchFamily="34" charset="-127"/>
+              </a:rPr>
+              <a:t>로 바뀜</a:t>
+            </a:r>
+            <a:endParaRPr lang="en-US" altLang="ko-KR" sz="3600" dirty="0">
+              <a:solidFill>
+                <a:schemeClr val="bg1"/>
+              </a:solidFill>
+              <a:latin typeface="에스코어 드림 6 Bold" panose="020B0703030302020204" pitchFamily="34" charset="-127"/>
+              <a:ea typeface="에스코어 드림 6 Bold" panose="020B0703030302020204" pitchFamily="34" charset="-127"/>
+            </a:endParaRPr>
+          </a:p>
         </p:txBody>
       </p:sp>
-      <p:sp>
-        <p:nvSpPr>
-          <p:cNvPr id="22" name="직사각형 21"/>
-          <p:cNvSpPr/>
+      <p:cxnSp>
+        <p:nvCxnSpPr>
+          <p:cNvPr id="12" name="직선 화살표 연결선 11"/>
+          <p:cNvCxnSpPr/>
           <p:nvPr/>
-        </p:nvSpPr>
+        </p:nvCxnSpPr>
         <p:spPr>
           <a:xfrm>
-            <a:off x="6919846" y="3362325"/>
-            <a:ext cx="744603" cy="721013"/>
+            <a:off x="8315618" y="3685326"/>
+            <a:ext cx="889000" cy="812800"/>
+          </a:xfrm>
+          <a:prstGeom prst="straightConnector1">
+            <a:avLst/>
+          </a:prstGeom>
+          <a:ln w="38100">
+            <a:solidFill>
+              <a:srgbClr val="FF0000"/>
+            </a:solidFill>
+            <a:tailEnd type="triangle"/>
+          </a:ln>
+        </p:spPr>
+        <p:style>
+          <a:lnRef idx="1">
+            <a:schemeClr val="dk1"/>
+          </a:lnRef>
+          <a:fillRef idx="0">
+            <a:schemeClr val="dk1"/>
+          </a:fillRef>
+          <a:effectRef idx="0">
+            <a:schemeClr val="dk1"/>
+          </a:effectRef>
+          <a:fontRef idx="minor">
+            <a:schemeClr val="tx1"/>
+          </a:fontRef>
+        </p:style>
+      </p:cxnSp>
+      <p:cxnSp>
+        <p:nvCxnSpPr>
+          <p:cNvPr id="14" name="직선 화살표 연결선 13"/>
+          <p:cNvCxnSpPr/>
+          <p:nvPr/>
+        </p:nvCxnSpPr>
+        <p:spPr>
+          <a:xfrm flipV="1">
+            <a:off x="7995166" y="3519803"/>
+            <a:ext cx="1079500" cy="978323"/>
+          </a:xfrm>
+          <a:prstGeom prst="straightConnector1">
+            <a:avLst/>
+          </a:prstGeom>
+          <a:ln w="38100">
+            <a:solidFill>
+              <a:srgbClr val="00B050"/>
+            </a:solidFill>
+            <a:tailEnd type="triangle"/>
+          </a:ln>
+        </p:spPr>
+        <p:style>
+          <a:lnRef idx="2">
+            <a:schemeClr val="accent3"/>
+          </a:lnRef>
+          <a:fillRef idx="0">
+            <a:schemeClr val="accent3"/>
+          </a:fillRef>
+          <a:effectRef idx="1">
+            <a:schemeClr val="accent3"/>
+          </a:effectRef>
+          <a:fontRef idx="minor">
+            <a:schemeClr val="tx1"/>
+          </a:fontRef>
+        </p:style>
+      </p:cxnSp>
+    </p:spTree>
+    <p:extLst>
+      <p:ext uri="{BB962C8B-B14F-4D97-AF65-F5344CB8AC3E}">
+        <p14:creationId xmlns:p14="http://schemas.microsoft.com/office/powerpoint/2010/main" val="3455570463"/>
+      </p:ext>
+    </p:extLst>
+  </p:cSld>
+  <p:clrMapOvr>
+    <a:masterClrMapping/>
+  </p:clrMapOvr>
+  <p:timing>
+    <p:tnLst>
+      <p:par>
+        <p:cTn id="1" dur="indefinite" restart="never" nodeType="tmRoot"/>
+      </p:par>
+    </p:tnLst>
+  </p:timing>
+</p:sld>
+</file>
+
+<file path=ppt/slides/slide27.xml><?xml version="1.0" encoding="utf-8"?>
+<p:sld xmlns:a="http://schemas.openxmlformats.org/drawingml/2006/main" xmlns:r="http://schemas.openxmlformats.org/officeDocument/2006/relationships" xmlns:p="http://schemas.openxmlformats.org/presentationml/2006/main">
+  <p:cSld>
+    <p:spTree>
+      <p:nvGrpSpPr>
+        <p:cNvPr id="1" name=""/>
+        <p:cNvGrpSpPr/>
+        <p:nvPr/>
+      </p:nvGrpSpPr>
+      <p:grpSpPr>
+        <a:xfrm>
+          <a:off x="0" y="0"/>
+          <a:ext cx="0" cy="0"/>
+          <a:chOff x="0" y="0"/>
+          <a:chExt cx="0" cy="0"/>
+        </a:xfrm>
+      </p:grpSpPr>
+      <p:pic>
+        <p:nvPicPr>
+          <p:cNvPr id="8" name="그림 7"/>
+          <p:cNvPicPr>
+            <a:picLocks noChangeAspect="1"/>
+          </p:cNvPicPr>
+          <p:nvPr/>
+        </p:nvPicPr>
+        <p:blipFill>
+          <a:blip r:embed="rId2">
+            <a:extLst>
+              <a:ext uri="{28A0092B-C50C-407E-A947-70E740481C1C}">
+                <a14:useLocalDpi xmlns:a14="http://schemas.microsoft.com/office/drawing/2010/main" val="0"/>
+              </a:ext>
+            </a:extLst>
+          </a:blip>
+          <a:stretch>
+            <a:fillRect/>
+          </a:stretch>
+        </p:blipFill>
+        <p:spPr>
+          <a:xfrm>
+            <a:off x="2514602" y="1962149"/>
+            <a:ext cx="7658097" cy="4594859"/>
           </a:xfrm>
           <a:prstGeom prst="rect">
             <a:avLst/>
           </a:prstGeom>
-          <a:solidFill>
-            <a:schemeClr val="accent4">
-              <a:lumMod val="40000"/>
-              <a:lumOff val="60000"/>
-            </a:schemeClr>
-          </a:solidFill>
-          <a:ln w="76200">
-            <a:noFill/>
-          </a:ln>
         </p:spPr>
-        <p:style>
-          <a:lnRef idx="2">
-            <a:schemeClr val="accent1">
-              <a:shade val="50000"/>
-            </a:schemeClr>
-          </a:lnRef>
-          <a:fillRef idx="1">
-            <a:schemeClr val="accent1"/>
-          </a:fillRef>
-          <a:effectRef idx="0">
-            <a:schemeClr val="accent1"/>
-          </a:effectRef>
-          <a:fontRef idx="minor">
-            <a:schemeClr val="lt1"/>
-          </a:fontRef>
-        </p:style>
-        <p:txBody>
-          <a:bodyPr rtlCol="0" anchor="ctr"/>
-          <a:lstStyle/>
-          <a:p>
-            <a:pPr algn="ctr"/>
-            <a:r>
-              <a:rPr lang="en-US" altLang="ko-KR" sz="2800" dirty="0" smtClean="0">
-                <a:solidFill>
-                  <a:schemeClr val="tx1"/>
-                </a:solidFill>
-                <a:latin typeface="에스코어 드림 6 Bold" panose="020B0703030302020204" pitchFamily="34" charset="-127"/>
-                <a:ea typeface="에스코어 드림 6 Bold" panose="020B0703030302020204" pitchFamily="34" charset="-127"/>
-              </a:rPr>
-              <a:t>5</a:t>
-            </a:r>
-            <a:endParaRPr lang="ko-KR" altLang="en-US" sz="2800" dirty="0">
-              <a:solidFill>
-                <a:schemeClr val="tx1"/>
-              </a:solidFill>
-              <a:latin typeface="에스코어 드림 6 Bold" panose="020B0703030302020204" pitchFamily="34" charset="-127"/>
-              <a:ea typeface="에스코어 드림 6 Bold" panose="020B0703030302020204" pitchFamily="34" charset="-127"/>
-            </a:endParaRPr>
-          </a:p>
-        </p:txBody>
-      </p:sp>
+      </p:pic>
       <p:sp>
         <p:nvSpPr>
-          <p:cNvPr id="23" name="TextBox 22"/>
+          <p:cNvPr id="9" name="TextBox 8"/>
           <p:cNvSpPr txBox="1"/>
           <p:nvPr/>
         </p:nvSpPr>
         <p:spPr>
           <a:xfrm>
-            <a:off x="8008957" y="3399665"/>
-            <a:ext cx="2977097" cy="646331"/>
+            <a:off x="1689972" y="789059"/>
+            <a:ext cx="9307356" cy="646331"/>
           </a:xfrm>
           <a:prstGeom prst="rect">
             <a:avLst/>
@@ -7828,6 +10169,16 @@
           <a:lstStyle/>
           <a:p>
             <a:r>
+              <a:rPr lang="en-US" altLang="ko-KR" sz="3600" dirty="0" smtClean="0">
+                <a:solidFill>
+                  <a:schemeClr val="bg1"/>
+                </a:solidFill>
+                <a:latin typeface="에스코어 드림 6 Bold" panose="020B0703030302020204" pitchFamily="34" charset="-127"/>
+                <a:ea typeface="에스코어 드림 6 Bold" panose="020B0703030302020204" pitchFamily="34" charset="-127"/>
+              </a:rPr>
+              <a:t>18-29</a:t>
+            </a:r>
+            <a:r>
               <a:rPr lang="ko-KR" altLang="en-US" sz="3600" dirty="0" smtClean="0">
                 <a:solidFill>
                   <a:schemeClr val="bg1"/>
@@ -7835,9 +10186,29 @@
                 <a:latin typeface="에스코어 드림 6 Bold" panose="020B0703030302020204" pitchFamily="34" charset="-127"/>
                 <a:ea typeface="에스코어 드림 6 Bold" panose="020B0703030302020204" pitchFamily="34" charset="-127"/>
               </a:rPr>
-              <a:t>프로젝트 결과</a:t>
-            </a:r>
-            <a:endParaRPr lang="ko-KR" altLang="en-US" sz="2000" dirty="0">
+              <a:t>세 여성의 경우도 </a:t>
+            </a:r>
+            <a:r>
+              <a:rPr lang="ko-KR" altLang="en-US" sz="3600" dirty="0" err="1" smtClean="0">
+                <a:solidFill>
+                  <a:schemeClr val="bg1"/>
+                </a:solidFill>
+                <a:latin typeface="에스코어 드림 6 Bold" panose="020B0703030302020204" pitchFamily="34" charset="-127"/>
+                <a:ea typeface="에스코어 드림 6 Bold" panose="020B0703030302020204" pitchFamily="34" charset="-127"/>
+              </a:rPr>
+              <a:t>무당층이</a:t>
+            </a:r>
+            <a:r>
+              <a:rPr lang="ko-KR" altLang="en-US" sz="3600" dirty="0" smtClean="0">
+                <a:solidFill>
+                  <a:schemeClr val="bg1"/>
+                </a:solidFill>
+                <a:latin typeface="에스코어 드림 6 Bold" panose="020B0703030302020204" pitchFamily="34" charset="-127"/>
+                <a:ea typeface="에스코어 드림 6 Bold" panose="020B0703030302020204" pitchFamily="34" charset="-127"/>
+              </a:rPr>
+              <a:t> 증가하는 중</a:t>
+            </a:r>
+            <a:endParaRPr lang="en-US" altLang="ko-KR" sz="3600" dirty="0">
               <a:solidFill>
                 <a:schemeClr val="bg1"/>
               </a:solidFill>
@@ -7847,81 +10218,155 @@
           </a:p>
         </p:txBody>
       </p:sp>
-      <p:sp>
-        <p:nvSpPr>
-          <p:cNvPr id="24" name="직사각형 23"/>
-          <p:cNvSpPr/>
+      <p:cxnSp>
+        <p:nvCxnSpPr>
+          <p:cNvPr id="5" name="직선 화살표 연결선 4"/>
+          <p:cNvCxnSpPr/>
           <p:nvPr/>
-        </p:nvSpPr>
+        </p:nvCxnSpPr>
         <p:spPr>
           <a:xfrm>
-            <a:off x="6919846" y="4916417"/>
-            <a:ext cx="744603" cy="721013"/>
+            <a:off x="7883604" y="3661309"/>
+            <a:ext cx="1292945" cy="669779"/>
+          </a:xfrm>
+          <a:prstGeom prst="straightConnector1">
+            <a:avLst/>
+          </a:prstGeom>
+          <a:ln w="38100">
+            <a:solidFill>
+              <a:srgbClr val="0070C0"/>
+            </a:solidFill>
+            <a:tailEnd type="triangle"/>
+          </a:ln>
+        </p:spPr>
+        <p:style>
+          <a:lnRef idx="1">
+            <a:schemeClr val="dk1"/>
+          </a:lnRef>
+          <a:fillRef idx="0">
+            <a:schemeClr val="dk1"/>
+          </a:fillRef>
+          <a:effectRef idx="0">
+            <a:schemeClr val="dk1"/>
+          </a:effectRef>
+          <a:fontRef idx="minor">
+            <a:schemeClr val="tx1"/>
+          </a:fontRef>
+        </p:style>
+      </p:cxnSp>
+      <p:cxnSp>
+        <p:nvCxnSpPr>
+          <p:cNvPr id="6" name="직선 화살표 연결선 5"/>
+          <p:cNvCxnSpPr/>
+          <p:nvPr/>
+        </p:nvCxnSpPr>
+        <p:spPr>
+          <a:xfrm flipV="1">
+            <a:off x="7975600" y="3352801"/>
+            <a:ext cx="1159274" cy="774699"/>
+          </a:xfrm>
+          <a:prstGeom prst="straightConnector1">
+            <a:avLst/>
+          </a:prstGeom>
+          <a:ln w="38100">
+            <a:solidFill>
+              <a:srgbClr val="00B050"/>
+            </a:solidFill>
+            <a:tailEnd type="triangle"/>
+          </a:ln>
+        </p:spPr>
+        <p:style>
+          <a:lnRef idx="2">
+            <a:schemeClr val="accent3"/>
+          </a:lnRef>
+          <a:fillRef idx="0">
+            <a:schemeClr val="accent3"/>
+          </a:fillRef>
+          <a:effectRef idx="1">
+            <a:schemeClr val="accent3"/>
+          </a:effectRef>
+          <a:fontRef idx="minor">
+            <a:schemeClr val="tx1"/>
+          </a:fontRef>
+        </p:style>
+      </p:cxnSp>
+    </p:spTree>
+    <p:extLst>
+      <p:ext uri="{BB962C8B-B14F-4D97-AF65-F5344CB8AC3E}">
+        <p14:creationId xmlns:p14="http://schemas.microsoft.com/office/powerpoint/2010/main" val="4202466871"/>
+      </p:ext>
+    </p:extLst>
+  </p:cSld>
+  <p:clrMapOvr>
+    <a:masterClrMapping/>
+  </p:clrMapOvr>
+  <p:timing>
+    <p:tnLst>
+      <p:par>
+        <p:cTn id="1" dur="indefinite" restart="never" nodeType="tmRoot"/>
+      </p:par>
+    </p:tnLst>
+  </p:timing>
+</p:sld>
+</file>
+
+<file path=ppt/slides/slide28.xml><?xml version="1.0" encoding="utf-8"?>
+<p:sld xmlns:a="http://schemas.openxmlformats.org/drawingml/2006/main" xmlns:r="http://schemas.openxmlformats.org/officeDocument/2006/relationships" xmlns:p="http://schemas.openxmlformats.org/presentationml/2006/main">
+  <p:cSld>
+    <p:spTree>
+      <p:nvGrpSpPr>
+        <p:cNvPr id="1" name=""/>
+        <p:cNvGrpSpPr/>
+        <p:nvPr/>
+      </p:nvGrpSpPr>
+      <p:grpSpPr>
+        <a:xfrm>
+          <a:off x="0" y="0"/>
+          <a:ext cx="0" cy="0"/>
+          <a:chOff x="0" y="0"/>
+          <a:chExt cx="0" cy="0"/>
+        </a:xfrm>
+      </p:grpSpPr>
+      <p:pic>
+        <p:nvPicPr>
+          <p:cNvPr id="6" name="그림 5"/>
+          <p:cNvPicPr>
+            <a:picLocks noChangeAspect="1"/>
+          </p:cNvPicPr>
+          <p:nvPr/>
+        </p:nvPicPr>
+        <p:blipFill>
+          <a:blip r:embed="rId2">
+            <a:extLst>
+              <a:ext uri="{28A0092B-C50C-407E-A947-70E740481C1C}">
+                <a14:useLocalDpi xmlns:a14="http://schemas.microsoft.com/office/drawing/2010/main" val="0"/>
+              </a:ext>
+            </a:extLst>
+          </a:blip>
+          <a:stretch>
+            <a:fillRect/>
+          </a:stretch>
+        </p:blipFill>
+        <p:spPr>
+          <a:xfrm>
+            <a:off x="3228456" y="2755900"/>
+            <a:ext cx="6540508" cy="3924305"/>
           </a:xfrm>
           <a:prstGeom prst="rect">
             <a:avLst/>
           </a:prstGeom>
-          <a:solidFill>
-            <a:schemeClr val="accent4">
-              <a:lumMod val="40000"/>
-              <a:lumOff val="60000"/>
-            </a:schemeClr>
-          </a:solidFill>
-          <a:ln w="76200">
-            <a:noFill/>
-          </a:ln>
         </p:spPr>
-        <p:style>
-          <a:lnRef idx="2">
-            <a:schemeClr val="accent1">
-              <a:shade val="50000"/>
-            </a:schemeClr>
-          </a:lnRef>
-          <a:fillRef idx="1">
-            <a:schemeClr val="accent1"/>
-          </a:fillRef>
-          <a:effectRef idx="0">
-            <a:schemeClr val="accent1"/>
-          </a:effectRef>
-          <a:fontRef idx="minor">
-            <a:schemeClr val="lt1"/>
-          </a:fontRef>
-        </p:style>
-        <p:txBody>
-          <a:bodyPr rtlCol="0" anchor="ctr"/>
-          <a:lstStyle/>
-          <a:p>
-            <a:pPr algn="ctr"/>
-            <a:r>
-              <a:rPr lang="en-US" altLang="ko-KR" sz="2800" dirty="0">
-                <a:solidFill>
-                  <a:schemeClr val="tx1"/>
-                </a:solidFill>
-                <a:latin typeface="에스코어 드림 6 Bold" panose="020B0703030302020204" pitchFamily="34" charset="-127"/>
-                <a:ea typeface="에스코어 드림 6 Bold" panose="020B0703030302020204" pitchFamily="34" charset="-127"/>
-              </a:rPr>
-              <a:t>6</a:t>
-            </a:r>
-            <a:endParaRPr lang="ko-KR" altLang="en-US" sz="2800" dirty="0">
-              <a:solidFill>
-                <a:schemeClr val="tx1"/>
-              </a:solidFill>
-              <a:latin typeface="에스코어 드림 6 Bold" panose="020B0703030302020204" pitchFamily="34" charset="-127"/>
-              <a:ea typeface="에스코어 드림 6 Bold" panose="020B0703030302020204" pitchFamily="34" charset="-127"/>
-            </a:endParaRPr>
-          </a:p>
-        </p:txBody>
-      </p:sp>
+      </p:pic>
       <p:sp>
         <p:nvSpPr>
-          <p:cNvPr id="25" name="TextBox 24"/>
+          <p:cNvPr id="8" name="TextBox 7"/>
           <p:cNvSpPr txBox="1"/>
           <p:nvPr/>
         </p:nvSpPr>
         <p:spPr>
           <a:xfrm>
-            <a:off x="8008957" y="4953757"/>
-            <a:ext cx="2977097" cy="646331"/>
+            <a:off x="1749445" y="166759"/>
+            <a:ext cx="8829661" cy="2308324"/>
           </a:xfrm>
           <a:prstGeom prst="rect">
             <a:avLst/>
@@ -7942,9 +10387,9 @@
                 <a:latin typeface="에스코어 드림 6 Bold" panose="020B0703030302020204" pitchFamily="34" charset="-127"/>
                 <a:ea typeface="에스코어 드림 6 Bold" panose="020B0703030302020204" pitchFamily="34" charset="-127"/>
               </a:rPr>
-              <a:t>프로젝트 한계</a:t>
-            </a:r>
-            <a:endParaRPr lang="ko-KR" altLang="en-US" sz="2000" dirty="0">
+              <a:t>민심에 가장 민감하게 반응하는 세대로 확인</a:t>
+            </a:r>
+            <a:endParaRPr lang="en-US" altLang="ko-KR" sz="3600" dirty="0" smtClean="0">
               <a:solidFill>
                 <a:schemeClr val="bg1"/>
               </a:solidFill>
@@ -7952,12 +10397,278 @@
               <a:ea typeface="에스코어 드림 6 Bold" panose="020B0703030302020204" pitchFamily="34" charset="-127"/>
             </a:endParaRPr>
           </a:p>
+          <a:p>
+            <a:r>
+              <a:rPr lang="en-US" altLang="ko-KR" sz="3600" dirty="0" smtClean="0">
+                <a:solidFill>
+                  <a:schemeClr val="bg1"/>
+                </a:solidFill>
+                <a:latin typeface="에스코어 드림 6 Bold" panose="020B0703030302020204" pitchFamily="34" charset="-127"/>
+                <a:ea typeface="에스코어 드림 6 Bold" panose="020B0703030302020204" pitchFamily="34" charset="-127"/>
+              </a:rPr>
+              <a:t>- 2020-2021, </a:t>
+            </a:r>
+            <a:r>
+              <a:rPr lang="ko-KR" altLang="en-US" sz="3600" dirty="0" err="1" smtClean="0">
+                <a:solidFill>
+                  <a:schemeClr val="bg1"/>
+                </a:solidFill>
+                <a:latin typeface="에스코어 드림 6 Bold" panose="020B0703030302020204" pitchFamily="34" charset="-127"/>
+                <a:ea typeface="에스코어 드림 6 Bold" panose="020B0703030302020204" pitchFamily="34" charset="-127"/>
+              </a:rPr>
+              <a:t>더불어민주당</a:t>
+            </a:r>
+            <a:r>
+              <a:rPr lang="ko-KR" altLang="en-US" sz="3600" dirty="0" smtClean="0">
+                <a:solidFill>
+                  <a:schemeClr val="bg1"/>
+                </a:solidFill>
+                <a:latin typeface="에스코어 드림 6 Bold" panose="020B0703030302020204" pitchFamily="34" charset="-127"/>
+                <a:ea typeface="에스코어 드림 6 Bold" panose="020B0703030302020204" pitchFamily="34" charset="-127"/>
+              </a:rPr>
+              <a:t> 지지</a:t>
+            </a:r>
+            <a:endParaRPr lang="en-US" altLang="ko-KR" sz="3600" dirty="0" smtClean="0">
+              <a:solidFill>
+                <a:schemeClr val="bg1"/>
+              </a:solidFill>
+              <a:latin typeface="에스코어 드림 6 Bold" panose="020B0703030302020204" pitchFamily="34" charset="-127"/>
+              <a:ea typeface="에스코어 드림 6 Bold" panose="020B0703030302020204" pitchFamily="34" charset="-127"/>
+            </a:endParaRPr>
+          </a:p>
+          <a:p>
+            <a:r>
+              <a:rPr lang="en-US" altLang="ko-KR" sz="3600" dirty="0" smtClean="0">
+                <a:solidFill>
+                  <a:schemeClr val="bg1"/>
+                </a:solidFill>
+                <a:latin typeface="에스코어 드림 6 Bold" panose="020B0703030302020204" pitchFamily="34" charset="-127"/>
+                <a:ea typeface="에스코어 드림 6 Bold" panose="020B0703030302020204" pitchFamily="34" charset="-127"/>
+              </a:rPr>
+              <a:t>- 2021-2022, </a:t>
+            </a:r>
+            <a:r>
+              <a:rPr lang="ko-KR" altLang="en-US" sz="3600" dirty="0" err="1" smtClean="0">
+                <a:solidFill>
+                  <a:schemeClr val="bg1"/>
+                </a:solidFill>
+                <a:latin typeface="에스코어 드림 6 Bold" panose="020B0703030302020204" pitchFamily="34" charset="-127"/>
+                <a:ea typeface="에스코어 드림 6 Bold" panose="020B0703030302020204" pitchFamily="34" charset="-127"/>
+              </a:rPr>
+              <a:t>국민의힘</a:t>
+            </a:r>
+            <a:r>
+              <a:rPr lang="ko-KR" altLang="en-US" sz="3600" dirty="0" smtClean="0">
+                <a:solidFill>
+                  <a:schemeClr val="bg1"/>
+                </a:solidFill>
+                <a:latin typeface="에스코어 드림 6 Bold" panose="020B0703030302020204" pitchFamily="34" charset="-127"/>
+                <a:ea typeface="에스코어 드림 6 Bold" panose="020B0703030302020204" pitchFamily="34" charset="-127"/>
+              </a:rPr>
+              <a:t> 지지</a:t>
+            </a:r>
+            <a:endParaRPr lang="en-US" altLang="ko-KR" sz="3600" dirty="0" smtClean="0">
+              <a:solidFill>
+                <a:schemeClr val="bg1"/>
+              </a:solidFill>
+              <a:latin typeface="에스코어 드림 6 Bold" panose="020B0703030302020204" pitchFamily="34" charset="-127"/>
+              <a:ea typeface="에스코어 드림 6 Bold" panose="020B0703030302020204" pitchFamily="34" charset="-127"/>
+            </a:endParaRPr>
+          </a:p>
+          <a:p>
+            <a:r>
+              <a:rPr lang="en-US" altLang="ko-KR" sz="3600" dirty="0" smtClean="0">
+                <a:solidFill>
+                  <a:schemeClr val="bg1"/>
+                </a:solidFill>
+                <a:latin typeface="에스코어 드림 6 Bold" panose="020B0703030302020204" pitchFamily="34" charset="-127"/>
+                <a:ea typeface="에스코어 드림 6 Bold" panose="020B0703030302020204" pitchFamily="34" charset="-127"/>
+              </a:rPr>
+              <a:t>- 2022-</a:t>
+            </a:r>
+            <a:r>
+              <a:rPr lang="ko-KR" altLang="en-US" sz="3600" dirty="0" smtClean="0">
+                <a:solidFill>
+                  <a:schemeClr val="bg1"/>
+                </a:solidFill>
+                <a:latin typeface="에스코어 드림 6 Bold" panose="020B0703030302020204" pitchFamily="34" charset="-127"/>
+                <a:ea typeface="에스코어 드림 6 Bold" panose="020B0703030302020204" pitchFamily="34" charset="-127"/>
+              </a:rPr>
+              <a:t>현재</a:t>
+            </a:r>
+            <a:r>
+              <a:rPr lang="en-US" altLang="ko-KR" sz="3600" dirty="0" smtClean="0">
+                <a:solidFill>
+                  <a:schemeClr val="bg1"/>
+                </a:solidFill>
+                <a:latin typeface="에스코어 드림 6 Bold" panose="020B0703030302020204" pitchFamily="34" charset="-127"/>
+                <a:ea typeface="에스코어 드림 6 Bold" panose="020B0703030302020204" pitchFamily="34" charset="-127"/>
+              </a:rPr>
+              <a:t>, </a:t>
+            </a:r>
+            <a:r>
+              <a:rPr lang="ko-KR" altLang="en-US" sz="3600" dirty="0" smtClean="0">
+                <a:solidFill>
+                  <a:schemeClr val="bg1"/>
+                </a:solidFill>
+                <a:latin typeface="에스코어 드림 6 Bold" panose="020B0703030302020204" pitchFamily="34" charset="-127"/>
+                <a:ea typeface="에스코어 드림 6 Bold" panose="020B0703030302020204" pitchFamily="34" charset="-127"/>
+              </a:rPr>
+              <a:t>혼돈</a:t>
+            </a:r>
+            <a:endParaRPr lang="en-US" altLang="ko-KR" sz="3600" dirty="0" smtClean="0">
+              <a:solidFill>
+                <a:schemeClr val="bg1"/>
+              </a:solidFill>
+              <a:latin typeface="에스코어 드림 6 Bold" panose="020B0703030302020204" pitchFamily="34" charset="-127"/>
+              <a:ea typeface="에스코어 드림 6 Bold" panose="020B0703030302020204" pitchFamily="34" charset="-127"/>
+            </a:endParaRPr>
+          </a:p>
         </p:txBody>
       </p:sp>
     </p:spTree>
     <p:extLst>
       <p:ext uri="{BB962C8B-B14F-4D97-AF65-F5344CB8AC3E}">
-        <p14:creationId xmlns:p14="http://schemas.microsoft.com/office/powerpoint/2010/main" val="1543809082"/>
+        <p14:creationId xmlns:p14="http://schemas.microsoft.com/office/powerpoint/2010/main" val="1252433217"/>
+      </p:ext>
+    </p:extLst>
+  </p:cSld>
+  <p:clrMapOvr>
+    <a:masterClrMapping/>
+  </p:clrMapOvr>
+  <p:timing>
+    <p:tnLst>
+      <p:par>
+        <p:cTn id="1" dur="indefinite" restart="never" nodeType="tmRoot"/>
+      </p:par>
+    </p:tnLst>
+  </p:timing>
+</p:sld>
+</file>
+
+<file path=ppt/slides/slide29.xml><?xml version="1.0" encoding="utf-8"?>
+<p:sld xmlns:a="http://schemas.openxmlformats.org/drawingml/2006/main" xmlns:r="http://schemas.openxmlformats.org/officeDocument/2006/relationships" xmlns:p="http://schemas.openxmlformats.org/presentationml/2006/main">
+  <p:cSld>
+    <p:spTree>
+      <p:nvGrpSpPr>
+        <p:cNvPr id="1" name=""/>
+        <p:cNvGrpSpPr/>
+        <p:nvPr/>
+      </p:nvGrpSpPr>
+      <p:grpSpPr>
+        <a:xfrm>
+          <a:off x="0" y="0"/>
+          <a:ext cx="0" cy="0"/>
+          <a:chOff x="0" y="0"/>
+          <a:chExt cx="0" cy="0"/>
+        </a:xfrm>
+      </p:grpSpPr>
+      <p:pic>
+        <p:nvPicPr>
+          <p:cNvPr id="3" name="그림 2"/>
+          <p:cNvPicPr>
+            <a:picLocks noChangeAspect="1"/>
+          </p:cNvPicPr>
+          <p:nvPr/>
+        </p:nvPicPr>
+        <p:blipFill>
+          <a:blip r:embed="rId2">
+            <a:extLst>
+              <a:ext uri="{28A0092B-C50C-407E-A947-70E740481C1C}">
+                <a14:useLocalDpi xmlns:a14="http://schemas.microsoft.com/office/drawing/2010/main" val="0"/>
+              </a:ext>
+            </a:extLst>
+          </a:blip>
+          <a:stretch>
+            <a:fillRect/>
+          </a:stretch>
+        </p:blipFill>
+        <p:spPr>
+          <a:xfrm>
+            <a:off x="2311390" y="1841500"/>
+            <a:ext cx="7620018" cy="4572011"/>
+          </a:xfrm>
+          <a:prstGeom prst="rect">
+            <a:avLst/>
+          </a:prstGeom>
+        </p:spPr>
+      </p:pic>
+      <p:sp>
+        <p:nvSpPr>
+          <p:cNvPr id="10" name="TextBox 9"/>
+          <p:cNvSpPr txBox="1"/>
+          <p:nvPr/>
+        </p:nvSpPr>
+        <p:spPr>
+          <a:xfrm>
+            <a:off x="1349901" y="535059"/>
+            <a:ext cx="9542997" cy="646331"/>
+          </a:xfrm>
+          <a:prstGeom prst="rect">
+            <a:avLst/>
+          </a:prstGeom>
+          <a:noFill/>
+        </p:spPr>
+        <p:txBody>
+          <a:bodyPr wrap="none" rtlCol="0">
+            <a:spAutoFit/>
+          </a:bodyPr>
+          <a:lstStyle/>
+          <a:p>
+            <a:r>
+              <a:rPr lang="en-US" altLang="ko-KR" sz="3600" dirty="0" smtClean="0">
+                <a:solidFill>
+                  <a:schemeClr val="bg1"/>
+                </a:solidFill>
+                <a:latin typeface="에스코어 드림 6 Bold" panose="020B0703030302020204" pitchFamily="34" charset="-127"/>
+                <a:ea typeface="에스코어 드림 6 Bold" panose="020B0703030302020204" pitchFamily="34" charset="-127"/>
+              </a:rPr>
+              <a:t>30</a:t>
+            </a:r>
+            <a:r>
+              <a:rPr lang="ko-KR" altLang="en-US" sz="3600" dirty="0" smtClean="0">
+                <a:solidFill>
+                  <a:schemeClr val="bg1"/>
+                </a:solidFill>
+                <a:latin typeface="에스코어 드림 6 Bold" panose="020B0703030302020204" pitchFamily="34" charset="-127"/>
+                <a:ea typeface="에스코어 드림 6 Bold" panose="020B0703030302020204" pitchFamily="34" charset="-127"/>
+              </a:rPr>
+              <a:t>대 여성의 경우는 </a:t>
+            </a:r>
+            <a:r>
+              <a:rPr lang="ko-KR" altLang="en-US" sz="3600" dirty="0" err="1" smtClean="0">
+                <a:solidFill>
+                  <a:schemeClr val="bg1"/>
+                </a:solidFill>
+                <a:latin typeface="에스코어 드림 6 Bold" panose="020B0703030302020204" pitchFamily="34" charset="-127"/>
+                <a:ea typeface="에스코어 드림 6 Bold" panose="020B0703030302020204" pitchFamily="34" charset="-127"/>
+              </a:rPr>
+              <a:t>무당층이</a:t>
+            </a:r>
+            <a:r>
+              <a:rPr lang="ko-KR" altLang="en-US" sz="3600" dirty="0" smtClean="0">
+                <a:solidFill>
+                  <a:schemeClr val="bg1"/>
+                </a:solidFill>
+                <a:latin typeface="에스코어 드림 6 Bold" panose="020B0703030302020204" pitchFamily="34" charset="-127"/>
+                <a:ea typeface="에스코어 드림 6 Bold" panose="020B0703030302020204" pitchFamily="34" charset="-127"/>
+              </a:rPr>
+              <a:t> 계속 증가하는 중</a:t>
+            </a:r>
+            <a:endParaRPr lang="en-US" altLang="ko-KR" sz="3600" dirty="0">
+              <a:solidFill>
+                <a:schemeClr val="bg1"/>
+              </a:solidFill>
+              <a:latin typeface="에스코어 드림 6 Bold" panose="020B0703030302020204" pitchFamily="34" charset="-127"/>
+              <a:ea typeface="에스코어 드림 6 Bold" panose="020B0703030302020204" pitchFamily="34" charset="-127"/>
+            </a:endParaRPr>
+          </a:p>
+        </p:txBody>
+      </p:sp>
+    </p:spTree>
+    <p:extLst>
+      <p:ext uri="{BB962C8B-B14F-4D97-AF65-F5344CB8AC3E}">
+        <p14:creationId xmlns:p14="http://schemas.microsoft.com/office/powerpoint/2010/main" val="3087439604"/>
       </p:ext>
     </p:extLst>
   </p:cSld>
@@ -8047,6 +10758,580 @@
     <p:extLst>
       <p:ext uri="{BB962C8B-B14F-4D97-AF65-F5344CB8AC3E}">
         <p14:creationId xmlns:p14="http://schemas.microsoft.com/office/powerpoint/2010/main" val="2606020861"/>
+      </p:ext>
+    </p:extLst>
+  </p:cSld>
+  <p:clrMapOvr>
+    <a:masterClrMapping/>
+  </p:clrMapOvr>
+  <p:timing>
+    <p:tnLst>
+      <p:par>
+        <p:cTn id="1" dur="indefinite" restart="never" nodeType="tmRoot"/>
+      </p:par>
+    </p:tnLst>
+  </p:timing>
+</p:sld>
+</file>
+
+<file path=ppt/slides/slide30.xml><?xml version="1.0" encoding="utf-8"?>
+<p:sld xmlns:a="http://schemas.openxmlformats.org/drawingml/2006/main" xmlns:r="http://schemas.openxmlformats.org/officeDocument/2006/relationships" xmlns:p="http://schemas.openxmlformats.org/presentationml/2006/main">
+  <p:cSld>
+    <p:spTree>
+      <p:nvGrpSpPr>
+        <p:cNvPr id="1" name=""/>
+        <p:cNvGrpSpPr/>
+        <p:nvPr/>
+      </p:nvGrpSpPr>
+      <p:grpSpPr>
+        <a:xfrm>
+          <a:off x="0" y="0"/>
+          <a:ext cx="0" cy="0"/>
+          <a:chOff x="0" y="0"/>
+          <a:chExt cx="0" cy="0"/>
+        </a:xfrm>
+      </p:grpSpPr>
+      <p:cxnSp>
+        <p:nvCxnSpPr>
+          <p:cNvPr id="5" name="직선 화살표 연결선 4"/>
+          <p:cNvCxnSpPr/>
+          <p:nvPr/>
+        </p:nvCxnSpPr>
+        <p:spPr>
+          <a:xfrm>
+            <a:off x="6261180" y="2040391"/>
+            <a:ext cx="19050" cy="2618984"/>
+          </a:xfrm>
+          <a:prstGeom prst="straightConnector1">
+            <a:avLst/>
+          </a:prstGeom>
+          <a:ln w="57150">
+            <a:solidFill>
+              <a:srgbClr val="FFFF00"/>
+            </a:solidFill>
+            <a:tailEnd type="triangle"/>
+          </a:ln>
+        </p:spPr>
+        <p:style>
+          <a:lnRef idx="1">
+            <a:schemeClr val="accent1"/>
+          </a:lnRef>
+          <a:fillRef idx="0">
+            <a:schemeClr val="accent1"/>
+          </a:fillRef>
+          <a:effectRef idx="0">
+            <a:schemeClr val="accent1"/>
+          </a:effectRef>
+          <a:fontRef idx="minor">
+            <a:schemeClr val="tx1"/>
+          </a:fontRef>
+        </p:style>
+      </p:cxnSp>
+      <p:sp>
+        <p:nvSpPr>
+          <p:cNvPr id="7" name="TextBox 6"/>
+          <p:cNvSpPr txBox="1"/>
+          <p:nvPr/>
+        </p:nvSpPr>
+        <p:spPr>
+          <a:xfrm>
+            <a:off x="2252895" y="460134"/>
+            <a:ext cx="7686720" cy="1323439"/>
+          </a:xfrm>
+          <a:prstGeom prst="rect">
+            <a:avLst/>
+          </a:prstGeom>
+          <a:noFill/>
+        </p:spPr>
+        <p:txBody>
+          <a:bodyPr wrap="none" rtlCol="0">
+            <a:spAutoFit/>
+          </a:bodyPr>
+          <a:lstStyle/>
+          <a:p>
+            <a:pPr algn="ctr"/>
+            <a:r>
+              <a:rPr lang="ko-KR" altLang="en-US" sz="4000" dirty="0" smtClean="0">
+                <a:solidFill>
+                  <a:schemeClr val="bg1"/>
+                </a:solidFill>
+                <a:latin typeface="에스코어 드림 6 Bold" panose="020B0703030302020204" pitchFamily="34" charset="-127"/>
+                <a:ea typeface="에스코어 드림 6 Bold" panose="020B0703030302020204" pitchFamily="34" charset="-127"/>
+              </a:rPr>
+              <a:t>여성은 </a:t>
+            </a:r>
+            <a:r>
+              <a:rPr lang="ko-KR" altLang="en-US" sz="4000" dirty="0" err="1" smtClean="0">
+                <a:solidFill>
+                  <a:schemeClr val="bg1"/>
+                </a:solidFill>
+                <a:latin typeface="에스코어 드림 6 Bold" panose="020B0703030302020204" pitchFamily="34" charset="-127"/>
+                <a:ea typeface="에스코어 드림 6 Bold" panose="020B0703030302020204" pitchFamily="34" charset="-127"/>
+              </a:rPr>
+              <a:t>더불어민주당을</a:t>
+            </a:r>
+            <a:r>
+              <a:rPr lang="ko-KR" altLang="en-US" sz="4000" dirty="0" smtClean="0">
+                <a:solidFill>
+                  <a:schemeClr val="bg1"/>
+                </a:solidFill>
+                <a:latin typeface="에스코어 드림 6 Bold" panose="020B0703030302020204" pitchFamily="34" charset="-127"/>
+                <a:ea typeface="에스코어 드림 6 Bold" panose="020B0703030302020204" pitchFamily="34" charset="-127"/>
+              </a:rPr>
+              <a:t> 지지하고</a:t>
+            </a:r>
+            <a:r>
+              <a:rPr lang="en-US" altLang="ko-KR" sz="4000" dirty="0" smtClean="0">
+                <a:solidFill>
+                  <a:schemeClr val="bg1"/>
+                </a:solidFill>
+                <a:latin typeface="에스코어 드림 6 Bold" panose="020B0703030302020204" pitchFamily="34" charset="-127"/>
+                <a:ea typeface="에스코어 드림 6 Bold" panose="020B0703030302020204" pitchFamily="34" charset="-127"/>
+              </a:rPr>
+              <a:t>, </a:t>
+            </a:r>
+          </a:p>
+          <a:p>
+            <a:pPr algn="ctr"/>
+            <a:r>
+              <a:rPr lang="ko-KR" altLang="en-US" sz="4000" dirty="0" smtClean="0">
+                <a:solidFill>
+                  <a:schemeClr val="bg1"/>
+                </a:solidFill>
+                <a:latin typeface="에스코어 드림 6 Bold" panose="020B0703030302020204" pitchFamily="34" charset="-127"/>
+                <a:ea typeface="에스코어 드림 6 Bold" panose="020B0703030302020204" pitchFamily="34" charset="-127"/>
+              </a:rPr>
+              <a:t>남성은 </a:t>
+            </a:r>
+            <a:r>
+              <a:rPr lang="ko-KR" altLang="en-US" sz="4000" dirty="0" err="1" smtClean="0">
+                <a:solidFill>
+                  <a:schemeClr val="bg1"/>
+                </a:solidFill>
+                <a:latin typeface="에스코어 드림 6 Bold" panose="020B0703030302020204" pitchFamily="34" charset="-127"/>
+                <a:ea typeface="에스코어 드림 6 Bold" panose="020B0703030302020204" pitchFamily="34" charset="-127"/>
+              </a:rPr>
+              <a:t>국민의힘을</a:t>
+            </a:r>
+            <a:r>
+              <a:rPr lang="ko-KR" altLang="en-US" sz="4000" dirty="0" smtClean="0">
+                <a:solidFill>
+                  <a:schemeClr val="bg1"/>
+                </a:solidFill>
+                <a:latin typeface="에스코어 드림 6 Bold" panose="020B0703030302020204" pitchFamily="34" charset="-127"/>
+                <a:ea typeface="에스코어 드림 6 Bold" panose="020B0703030302020204" pitchFamily="34" charset="-127"/>
+              </a:rPr>
+              <a:t> 지지한다</a:t>
+            </a:r>
+            <a:r>
+              <a:rPr lang="en-US" altLang="ko-KR" sz="4000" dirty="0" smtClean="0">
+                <a:solidFill>
+                  <a:schemeClr val="bg1"/>
+                </a:solidFill>
+                <a:latin typeface="에스코어 드림 6 Bold" panose="020B0703030302020204" pitchFamily="34" charset="-127"/>
+                <a:ea typeface="에스코어 드림 6 Bold" panose="020B0703030302020204" pitchFamily="34" charset="-127"/>
+              </a:rPr>
+              <a:t>?</a:t>
+            </a:r>
+            <a:endParaRPr lang="ko-KR" altLang="en-US" sz="4000" dirty="0">
+              <a:solidFill>
+                <a:schemeClr val="bg1"/>
+              </a:solidFill>
+              <a:latin typeface="에스코어 드림 6 Bold" panose="020B0703030302020204" pitchFamily="34" charset="-127"/>
+              <a:ea typeface="에스코어 드림 6 Bold" panose="020B0703030302020204" pitchFamily="34" charset="-127"/>
+            </a:endParaRPr>
+          </a:p>
+        </p:txBody>
+      </p:sp>
+      <p:sp>
+        <p:nvSpPr>
+          <p:cNvPr id="6" name="TextBox 5"/>
+          <p:cNvSpPr txBox="1"/>
+          <p:nvPr/>
+        </p:nvSpPr>
+        <p:spPr>
+          <a:xfrm>
+            <a:off x="154569" y="4971591"/>
+            <a:ext cx="11883381" cy="1538883"/>
+          </a:xfrm>
+          <a:prstGeom prst="rect">
+            <a:avLst/>
+          </a:prstGeom>
+          <a:noFill/>
+        </p:spPr>
+        <p:txBody>
+          <a:bodyPr wrap="none" rtlCol="0">
+            <a:spAutoFit/>
+          </a:bodyPr>
+          <a:lstStyle/>
+          <a:p>
+            <a:pPr algn="ctr"/>
+            <a:r>
+              <a:rPr lang="ko-KR" altLang="en-US" sz="4000" dirty="0" smtClean="0">
+                <a:solidFill>
+                  <a:schemeClr val="bg1"/>
+                </a:solidFill>
+                <a:latin typeface="에스코어 드림 6 Bold" panose="020B0703030302020204" pitchFamily="34" charset="-127"/>
+                <a:ea typeface="에스코어 드림 6 Bold" panose="020B0703030302020204" pitchFamily="34" charset="-127"/>
+              </a:rPr>
+              <a:t>모두 </a:t>
+            </a:r>
+            <a:r>
+              <a:rPr lang="ko-KR" altLang="en-US" sz="4000" dirty="0" err="1" smtClean="0">
+                <a:solidFill>
+                  <a:schemeClr val="bg1"/>
+                </a:solidFill>
+                <a:latin typeface="에스코어 드림 6 Bold" panose="020B0703030302020204" pitchFamily="34" charset="-127"/>
+                <a:ea typeface="에스코어 드림 6 Bold" panose="020B0703030302020204" pitchFamily="34" charset="-127"/>
+              </a:rPr>
+              <a:t>무당층이</a:t>
+            </a:r>
+            <a:r>
+              <a:rPr lang="ko-KR" altLang="en-US" sz="4000" dirty="0" smtClean="0">
+                <a:solidFill>
+                  <a:schemeClr val="bg1"/>
+                </a:solidFill>
+                <a:latin typeface="에스코어 드림 6 Bold" panose="020B0703030302020204" pitchFamily="34" charset="-127"/>
+                <a:ea typeface="에스코어 드림 6 Bold" panose="020B0703030302020204" pitchFamily="34" charset="-127"/>
+              </a:rPr>
+              <a:t> 늘어가고 있음 </a:t>
+            </a:r>
+            <a:r>
+              <a:rPr lang="en-US" altLang="ko-KR" sz="4000" dirty="0" smtClean="0">
+                <a:solidFill>
+                  <a:schemeClr val="bg1"/>
+                </a:solidFill>
+                <a:latin typeface="에스코어 드림 6 Bold" panose="020B0703030302020204" pitchFamily="34" charset="-127"/>
+                <a:ea typeface="에스코어 드림 6 Bold" panose="020B0703030302020204" pitchFamily="34" charset="-127"/>
+              </a:rPr>
+              <a:t>= </a:t>
+            </a:r>
+            <a:r>
+              <a:rPr lang="ko-KR" altLang="en-US" sz="4000" dirty="0" smtClean="0">
+                <a:solidFill>
+                  <a:schemeClr val="bg1"/>
+                </a:solidFill>
+                <a:latin typeface="에스코어 드림 6 Bold" panose="020B0703030302020204" pitchFamily="34" charset="-127"/>
+                <a:ea typeface="에스코어 드림 6 Bold" panose="020B0703030302020204" pitchFamily="34" charset="-127"/>
+              </a:rPr>
+              <a:t>현 정치에 </a:t>
+            </a:r>
+            <a:r>
+              <a:rPr lang="ko-KR" altLang="en-US" sz="5400" dirty="0" smtClean="0">
+                <a:solidFill>
+                  <a:srgbClr val="FFC000"/>
+                </a:solidFill>
+                <a:latin typeface="에스코어 드림 6 Bold" panose="020B0703030302020204" pitchFamily="34" charset="-127"/>
+                <a:ea typeface="에스코어 드림 6 Bold" panose="020B0703030302020204" pitchFamily="34" charset="-127"/>
+              </a:rPr>
+              <a:t>불만</a:t>
+            </a:r>
+            <a:r>
+              <a:rPr lang="ko-KR" altLang="en-US" sz="4000" dirty="0" smtClean="0">
+                <a:solidFill>
+                  <a:schemeClr val="bg1"/>
+                </a:solidFill>
+                <a:latin typeface="에스코어 드림 6 Bold" panose="020B0703030302020204" pitchFamily="34" charset="-127"/>
+                <a:ea typeface="에스코어 드림 6 Bold" panose="020B0703030302020204" pitchFamily="34" charset="-127"/>
+              </a:rPr>
+              <a:t> 많음</a:t>
+            </a:r>
+            <a:endParaRPr lang="en-US" altLang="ko-KR" sz="4000" dirty="0" smtClean="0">
+              <a:solidFill>
+                <a:schemeClr val="bg1"/>
+              </a:solidFill>
+              <a:latin typeface="에스코어 드림 6 Bold" panose="020B0703030302020204" pitchFamily="34" charset="-127"/>
+              <a:ea typeface="에스코어 드림 6 Bold" panose="020B0703030302020204" pitchFamily="34" charset="-127"/>
+            </a:endParaRPr>
+          </a:p>
+          <a:p>
+            <a:pPr algn="ctr"/>
+            <a:r>
+              <a:rPr lang="en-US" altLang="ko-KR" sz="4000" dirty="0" smtClean="0">
+                <a:solidFill>
+                  <a:schemeClr val="bg1"/>
+                </a:solidFill>
+                <a:latin typeface="에스코어 드림 6 Bold" panose="020B0703030302020204" pitchFamily="34" charset="-127"/>
+                <a:ea typeface="에스코어 드림 6 Bold" panose="020B0703030302020204" pitchFamily="34" charset="-127"/>
+              </a:rPr>
+              <a:t>30</a:t>
+            </a:r>
+            <a:r>
+              <a:rPr lang="ko-KR" altLang="en-US" sz="4000" dirty="0" smtClean="0">
+                <a:solidFill>
+                  <a:schemeClr val="bg1"/>
+                </a:solidFill>
+                <a:latin typeface="에스코어 드림 6 Bold" panose="020B0703030302020204" pitchFamily="34" charset="-127"/>
+                <a:ea typeface="에스코어 드림 6 Bold" panose="020B0703030302020204" pitchFamily="34" charset="-127"/>
+              </a:rPr>
+              <a:t>대 남성이 가장 빠르게 정치 이슈에 반응함</a:t>
+            </a:r>
+            <a:endParaRPr lang="ko-KR" altLang="en-US" sz="4000" dirty="0">
+              <a:solidFill>
+                <a:schemeClr val="bg1"/>
+              </a:solidFill>
+              <a:latin typeface="에스코어 드림 6 Bold" panose="020B0703030302020204" pitchFamily="34" charset="-127"/>
+              <a:ea typeface="에스코어 드림 6 Bold" panose="020B0703030302020204" pitchFamily="34" charset="-127"/>
+            </a:endParaRPr>
+          </a:p>
+        </p:txBody>
+      </p:sp>
+      <p:sp>
+        <p:nvSpPr>
+          <p:cNvPr id="9" name="TextBox 8"/>
+          <p:cNvSpPr txBox="1"/>
+          <p:nvPr/>
+        </p:nvSpPr>
+        <p:spPr>
+          <a:xfrm>
+            <a:off x="5695774" y="2915917"/>
+            <a:ext cx="1168911" cy="923330"/>
+          </a:xfrm>
+          <a:prstGeom prst="rect">
+            <a:avLst/>
+          </a:prstGeom>
+          <a:solidFill>
+            <a:schemeClr val="bg1"/>
+          </a:solidFill>
+        </p:spPr>
+        <p:txBody>
+          <a:bodyPr wrap="none" rtlCol="0">
+            <a:spAutoFit/>
+          </a:bodyPr>
+          <a:lstStyle/>
+          <a:p>
+            <a:pPr algn="ctr"/>
+            <a:r>
+              <a:rPr lang="en-US" altLang="ko-KR" sz="5400" dirty="0" smtClean="0">
+                <a:latin typeface="에스코어 드림 6 Bold" panose="020B0703030302020204" pitchFamily="34" charset="-127"/>
+                <a:ea typeface="에스코어 드림 6 Bold" panose="020B0703030302020204" pitchFamily="34" charset="-127"/>
+              </a:rPr>
+              <a:t>NO</a:t>
+            </a:r>
+            <a:endParaRPr lang="ko-KR" altLang="en-US" sz="5400" dirty="0">
+              <a:latin typeface="에스코어 드림 6 Bold" panose="020B0703030302020204" pitchFamily="34" charset="-127"/>
+              <a:ea typeface="에스코어 드림 6 Bold" panose="020B0703030302020204" pitchFamily="34" charset="-127"/>
+            </a:endParaRPr>
+          </a:p>
+        </p:txBody>
+      </p:sp>
+    </p:spTree>
+    <p:extLst>
+      <p:ext uri="{BB962C8B-B14F-4D97-AF65-F5344CB8AC3E}">
+        <p14:creationId xmlns:p14="http://schemas.microsoft.com/office/powerpoint/2010/main" val="4063567634"/>
+      </p:ext>
+    </p:extLst>
+  </p:cSld>
+  <p:clrMapOvr>
+    <a:masterClrMapping/>
+  </p:clrMapOvr>
+  <p:timing>
+    <p:tnLst>
+      <p:par>
+        <p:cTn id="1" dur="indefinite" restart="never" nodeType="tmRoot"/>
+      </p:par>
+    </p:tnLst>
+  </p:timing>
+</p:sld>
+</file>
+
+<file path=ppt/slides/slide31.xml><?xml version="1.0" encoding="utf-8"?>
+<p:sld xmlns:a="http://schemas.openxmlformats.org/drawingml/2006/main" xmlns:r="http://schemas.openxmlformats.org/officeDocument/2006/relationships" xmlns:p="http://schemas.openxmlformats.org/presentationml/2006/main">
+  <p:cSld>
+    <p:spTree>
+      <p:nvGrpSpPr>
+        <p:cNvPr id="1" name=""/>
+        <p:cNvGrpSpPr/>
+        <p:nvPr/>
+      </p:nvGrpSpPr>
+      <p:grpSpPr>
+        <a:xfrm>
+          <a:off x="0" y="0"/>
+          <a:ext cx="0" cy="0"/>
+          <a:chOff x="0" y="0"/>
+          <a:chExt cx="0" cy="0"/>
+        </a:xfrm>
+      </p:grpSpPr>
+      <p:sp>
+        <p:nvSpPr>
+          <p:cNvPr id="6" name="TextBox 5"/>
+          <p:cNvSpPr txBox="1"/>
+          <p:nvPr/>
+        </p:nvSpPr>
+        <p:spPr>
+          <a:xfrm>
+            <a:off x="1898757" y="1618791"/>
+            <a:ext cx="8699818" cy="3293209"/>
+          </a:xfrm>
+          <a:prstGeom prst="rect">
+            <a:avLst/>
+          </a:prstGeom>
+          <a:noFill/>
+        </p:spPr>
+        <p:txBody>
+          <a:bodyPr wrap="none" rtlCol="0">
+            <a:spAutoFit/>
+          </a:bodyPr>
+          <a:lstStyle/>
+          <a:p>
+            <a:pPr algn="ctr"/>
+            <a:r>
+              <a:rPr lang="en-US" altLang="ko-KR" sz="4000" dirty="0" smtClean="0">
+                <a:solidFill>
+                  <a:schemeClr val="bg1"/>
+                </a:solidFill>
+                <a:latin typeface="에스코어 드림 6 Bold" panose="020B0703030302020204" pitchFamily="34" charset="-127"/>
+                <a:ea typeface="에스코어 드림 6 Bold" panose="020B0703030302020204" pitchFamily="34" charset="-127"/>
+              </a:rPr>
+              <a:t>10</a:t>
+            </a:r>
+            <a:r>
+              <a:rPr lang="ko-KR" altLang="en-US" sz="4000" dirty="0" smtClean="0">
+                <a:solidFill>
+                  <a:schemeClr val="bg1"/>
+                </a:solidFill>
+                <a:latin typeface="에스코어 드림 6 Bold" panose="020B0703030302020204" pitchFamily="34" charset="-127"/>
+                <a:ea typeface="에스코어 드림 6 Bold" panose="020B0703030302020204" pitchFamily="34" charset="-127"/>
+              </a:rPr>
+              <a:t>대 여성인 제가 볼 때는 </a:t>
+            </a:r>
+            <a:endParaRPr lang="en-US" altLang="ko-KR" sz="4000" dirty="0" smtClean="0">
+              <a:solidFill>
+                <a:schemeClr val="bg1"/>
+              </a:solidFill>
+              <a:latin typeface="에스코어 드림 6 Bold" panose="020B0703030302020204" pitchFamily="34" charset="-127"/>
+              <a:ea typeface="에스코어 드림 6 Bold" panose="020B0703030302020204" pitchFamily="34" charset="-127"/>
+            </a:endParaRPr>
+          </a:p>
+          <a:p>
+            <a:pPr algn="ctr"/>
+            <a:endParaRPr lang="en-US" altLang="ko-KR" sz="4000" dirty="0">
+              <a:solidFill>
+                <a:schemeClr val="bg1"/>
+              </a:solidFill>
+              <a:latin typeface="에스코어 드림 6 Bold" panose="020B0703030302020204" pitchFamily="34" charset="-127"/>
+              <a:ea typeface="에스코어 드림 6 Bold" panose="020B0703030302020204" pitchFamily="34" charset="-127"/>
+            </a:endParaRPr>
+          </a:p>
+          <a:p>
+            <a:pPr algn="ctr"/>
+            <a:r>
+              <a:rPr lang="en-US" altLang="ko-KR" sz="4800" dirty="0" smtClean="0">
+                <a:solidFill>
+                  <a:srgbClr val="FFFF00"/>
+                </a:solidFill>
+                <a:latin typeface="에스코어 드림 6 Bold" panose="020B0703030302020204" pitchFamily="34" charset="-127"/>
+                <a:ea typeface="에스코어 드림 6 Bold" panose="020B0703030302020204" pitchFamily="34" charset="-127"/>
+              </a:rPr>
+              <a:t>30</a:t>
+            </a:r>
+            <a:r>
+              <a:rPr lang="ko-KR" altLang="en-US" sz="4800" dirty="0" smtClean="0">
+                <a:solidFill>
+                  <a:srgbClr val="FFFF00"/>
+                </a:solidFill>
+                <a:latin typeface="에스코어 드림 6 Bold" panose="020B0703030302020204" pitchFamily="34" charset="-127"/>
+                <a:ea typeface="에스코어 드림 6 Bold" panose="020B0703030302020204" pitchFamily="34" charset="-127"/>
+              </a:rPr>
+              <a:t>대 남자</a:t>
+            </a:r>
+            <a:r>
+              <a:rPr lang="ko-KR" altLang="en-US" sz="4000" dirty="0" smtClean="0">
+                <a:solidFill>
+                  <a:schemeClr val="bg1"/>
+                </a:solidFill>
+                <a:latin typeface="에스코어 드림 6 Bold" panose="020B0703030302020204" pitchFamily="34" charset="-127"/>
+                <a:ea typeface="에스코어 드림 6 Bold" panose="020B0703030302020204" pitchFamily="34" charset="-127"/>
+              </a:rPr>
+              <a:t>가 핵심 타겟 아닌가요</a:t>
+            </a:r>
+            <a:r>
+              <a:rPr lang="en-US" altLang="ko-KR" sz="4000" dirty="0" smtClean="0">
+                <a:solidFill>
+                  <a:schemeClr val="bg1"/>
+                </a:solidFill>
+                <a:latin typeface="에스코어 드림 6 Bold" panose="020B0703030302020204" pitchFamily="34" charset="-127"/>
+                <a:ea typeface="에스코어 드림 6 Bold" panose="020B0703030302020204" pitchFamily="34" charset="-127"/>
+              </a:rPr>
+              <a:t>?</a:t>
+            </a:r>
+          </a:p>
+          <a:p>
+            <a:pPr algn="ctr"/>
+            <a:endParaRPr lang="en-US" altLang="ko-KR" sz="4000" dirty="0">
+              <a:solidFill>
+                <a:schemeClr val="bg1"/>
+              </a:solidFill>
+              <a:latin typeface="에스코어 드림 6 Bold" panose="020B0703030302020204" pitchFamily="34" charset="-127"/>
+              <a:ea typeface="에스코어 드림 6 Bold" panose="020B0703030302020204" pitchFamily="34" charset="-127"/>
+            </a:endParaRPr>
+          </a:p>
+          <a:p>
+            <a:pPr algn="ctr"/>
+            <a:r>
+              <a:rPr lang="en-US" altLang="ko-KR" sz="4000" dirty="0" smtClean="0">
+                <a:solidFill>
+                  <a:schemeClr val="bg1"/>
+                </a:solidFill>
+                <a:latin typeface="에스코어 드림 6 Bold" panose="020B0703030302020204" pitchFamily="34" charset="-127"/>
+                <a:ea typeface="에스코어 드림 6 Bold" panose="020B0703030302020204" pitchFamily="34" charset="-127"/>
+              </a:rPr>
+              <a:t>(</a:t>
+            </a:r>
+            <a:r>
+              <a:rPr lang="ko-KR" altLang="en-US" sz="4000" dirty="0" smtClean="0">
+                <a:solidFill>
+                  <a:schemeClr val="bg1"/>
+                </a:solidFill>
+                <a:latin typeface="에스코어 드림 6 Bold" panose="020B0703030302020204" pitchFamily="34" charset="-127"/>
+                <a:ea typeface="에스코어 드림 6 Bold" panose="020B0703030302020204" pitchFamily="34" charset="-127"/>
+              </a:rPr>
+              <a:t>변동성이 크고</a:t>
+            </a:r>
+            <a:r>
+              <a:rPr lang="en-US" altLang="ko-KR" sz="4000" dirty="0" smtClean="0">
+                <a:solidFill>
+                  <a:schemeClr val="bg1"/>
+                </a:solidFill>
+                <a:latin typeface="에스코어 드림 6 Bold" panose="020B0703030302020204" pitchFamily="34" charset="-127"/>
+                <a:ea typeface="에스코어 드림 6 Bold" panose="020B0703030302020204" pitchFamily="34" charset="-127"/>
+              </a:rPr>
+              <a:t>, </a:t>
+            </a:r>
+            <a:r>
+              <a:rPr lang="ko-KR" altLang="en-US" sz="4000" dirty="0" smtClean="0">
+                <a:solidFill>
+                  <a:schemeClr val="bg1"/>
+                </a:solidFill>
+                <a:latin typeface="에스코어 드림 6 Bold" panose="020B0703030302020204" pitchFamily="34" charset="-127"/>
+                <a:ea typeface="에스코어 드림 6 Bold" panose="020B0703030302020204" pitchFamily="34" charset="-127"/>
+              </a:rPr>
+              <a:t>이슈에 민감하게 반응</a:t>
+            </a:r>
+            <a:r>
+              <a:rPr lang="en-US" altLang="ko-KR" sz="4000" dirty="0" smtClean="0">
+                <a:solidFill>
+                  <a:schemeClr val="bg1"/>
+                </a:solidFill>
+                <a:latin typeface="에스코어 드림 6 Bold" panose="020B0703030302020204" pitchFamily="34" charset="-127"/>
+                <a:ea typeface="에스코어 드림 6 Bold" panose="020B0703030302020204" pitchFamily="34" charset="-127"/>
+              </a:rPr>
+              <a:t>)</a:t>
+            </a:r>
+            <a:endParaRPr lang="ko-KR" altLang="en-US" sz="4000" dirty="0">
+              <a:solidFill>
+                <a:schemeClr val="bg1"/>
+              </a:solidFill>
+              <a:latin typeface="에스코어 드림 6 Bold" panose="020B0703030302020204" pitchFamily="34" charset="-127"/>
+              <a:ea typeface="에스코어 드림 6 Bold" panose="020B0703030302020204" pitchFamily="34" charset="-127"/>
+            </a:endParaRPr>
+          </a:p>
+        </p:txBody>
+      </p:sp>
+    </p:spTree>
+    <p:extLst>
+      <p:ext uri="{BB962C8B-B14F-4D97-AF65-F5344CB8AC3E}">
+        <p14:creationId xmlns:p14="http://schemas.microsoft.com/office/powerpoint/2010/main" val="373290933"/>
       </p:ext>
     </p:extLst>
   </p:cSld>
